--- a/Data Analysis Board.pptx
+++ b/Data Analysis Board.pptx
@@ -5,17 +5,22 @@
     <p:sldMasterId id="2147483648" r:id="rId4"/>
   </p:sldMasterIdLst>
   <p:notesMasterIdLst>
-    <p:notesMasterId r:id="rId10"/>
+    <p:notesMasterId r:id="rId15"/>
   </p:notesMasterIdLst>
   <p:handoutMasterIdLst>
-    <p:handoutMasterId r:id="rId11"/>
+    <p:handoutMasterId r:id="rId16"/>
   </p:handoutMasterIdLst>
   <p:sldIdLst>
     <p:sldId id="256" r:id="rId5"/>
     <p:sldId id="259" r:id="rId6"/>
     <p:sldId id="260" r:id="rId7"/>
-    <p:sldId id="271" r:id="rId8"/>
-    <p:sldId id="270" r:id="rId9"/>
+    <p:sldId id="272" r:id="rId8"/>
+    <p:sldId id="271" r:id="rId9"/>
+    <p:sldId id="275" r:id="rId10"/>
+    <p:sldId id="276" r:id="rId11"/>
+    <p:sldId id="273" r:id="rId12"/>
+    <p:sldId id="277" r:id="rId13"/>
+    <p:sldId id="270" r:id="rId14"/>
   </p:sldIdLst>
   <p:sldSz cx="12192000" cy="6858000"/>
   <p:notesSz cx="6858000" cy="9144000"/>
@@ -235,7 +240,7 @@
           <a:p>
             <a:fld id="{872BFC85-49E4-447A-A7E3-16153CB2FE2A}" type="datetimeFigureOut">
               <a:rPr lang="en-US" smtClean="0"/>
-              <a:t>4/6/2023</a:t>
+              <a:t>4/10/2023</a:t>
             </a:fld>
             <a:endParaRPr lang="en-US" dirty="0"/>
           </a:p>
@@ -412,7 +417,7 @@
           <a:p>
             <a:fld id="{1071B50E-4C60-4F9E-B773-52059170945B}" type="datetimeFigureOut">
               <a:rPr lang="en-US" noProof="0" smtClean="0"/>
-              <a:t>4/6/2023</a:t>
+              <a:t>4/10/2023</a:t>
             </a:fld>
             <a:endParaRPr lang="en-US" noProof="0" dirty="0"/>
           </a:p>
@@ -945,7 +950,7 @@
           </a:lstStyle>
           <a:p>
             <a:r>
-              <a:rPr lang="en-US" noProof="0" smtClean="0"/>
+              <a:rPr lang="en-US" noProof="0"/>
               <a:t>Click icon to add picture</a:t>
             </a:r>
             <a:endParaRPr lang="en-US" noProof="0" dirty="0"/>
@@ -1173,7 +1178,7 @@
   <p:clrMapOvr>
     <a:masterClrMapping/>
   </p:clrMapOvr>
-  <p:extLst mod="1">
+  <p:extLst>
     <p:ext uri="{DCECCB84-F9BA-43D5-87BE-67443E8EF086}">
       <p15:sldGuideLst xmlns:p15="http://schemas.microsoft.com/office/powerpoint/2012/main">
         <p15:guide id="1" orient="horz" pos="2160" userDrawn="1">
@@ -1604,7 +1609,7 @@
   <p:clrMapOvr>
     <a:masterClrMapping/>
   </p:clrMapOvr>
-  <p:extLst mod="1">
+  <p:extLst>
     <p:ext uri="{DCECCB84-F9BA-43D5-87BE-67443E8EF086}">
       <p15:sldGuideLst xmlns:p15="http://schemas.microsoft.com/office/powerpoint/2012/main">
         <p15:guide id="1" orient="horz" pos="2160">
@@ -2300,7 +2305,7 @@
   <p:clrMapOvr>
     <a:masterClrMapping/>
   </p:clrMapOvr>
-  <p:extLst mod="1">
+  <p:extLst>
     <p:ext uri="{DCECCB84-F9BA-43D5-87BE-67443E8EF086}">
       <p15:sldGuideLst xmlns:p15="http://schemas.microsoft.com/office/powerpoint/2012/main">
         <p15:guide id="1" orient="horz" pos="2183">
@@ -2902,38 +2907,37 @@
           <a:p>
             <a:pPr lvl="0"/>
             <a:r>
-              <a:rPr lang="en-US" noProof="0" smtClean="0"/>
+              <a:rPr lang="en-US" noProof="0"/>
               <a:t>Edit Master text styles</a:t>
             </a:r>
           </a:p>
           <a:p>
             <a:pPr lvl="1"/>
             <a:r>
-              <a:rPr lang="en-US" noProof="0" smtClean="0"/>
+              <a:rPr lang="en-US" noProof="0"/>
               <a:t>Second level</a:t>
             </a:r>
           </a:p>
           <a:p>
             <a:pPr lvl="2"/>
             <a:r>
-              <a:rPr lang="en-US" noProof="0" smtClean="0"/>
+              <a:rPr lang="en-US" noProof="0"/>
               <a:t>Third level</a:t>
             </a:r>
           </a:p>
           <a:p>
             <a:pPr lvl="3"/>
             <a:r>
-              <a:rPr lang="en-US" noProof="0" smtClean="0"/>
+              <a:rPr lang="en-US" noProof="0"/>
               <a:t>Fourth level</a:t>
             </a:r>
           </a:p>
           <a:p>
             <a:pPr lvl="4"/>
             <a:r>
-              <a:rPr lang="en-US" noProof="0" smtClean="0"/>
+              <a:rPr lang="en-US" noProof="0"/>
               <a:t>Fifth level</a:t>
             </a:r>
-            <a:endParaRPr lang="en-US" noProof="0"/>
           </a:p>
         </p:txBody>
       </p:sp>
@@ -2947,7 +2951,7 @@
   <p:clrMapOvr>
     <a:masterClrMapping/>
   </p:clrMapOvr>
-  <p:extLst mod="1">
+  <p:extLst>
     <p:ext uri="{DCECCB84-F9BA-43D5-87BE-67443E8EF086}">
       <p15:sldGuideLst xmlns:p15="http://schemas.microsoft.com/office/powerpoint/2012/main">
         <p15:guide id="1" orient="horz" pos="2160">
@@ -3544,38 +3548,37 @@
           <a:p>
             <a:pPr lvl="0"/>
             <a:r>
-              <a:rPr lang="en-US" noProof="0" smtClean="0"/>
+              <a:rPr lang="en-US" noProof="0"/>
               <a:t>Edit Master text styles</a:t>
             </a:r>
           </a:p>
           <a:p>
             <a:pPr lvl="1"/>
             <a:r>
-              <a:rPr lang="en-US" noProof="0" smtClean="0"/>
+              <a:rPr lang="en-US" noProof="0"/>
               <a:t>Second level</a:t>
             </a:r>
           </a:p>
           <a:p>
             <a:pPr lvl="2"/>
             <a:r>
-              <a:rPr lang="en-US" noProof="0" smtClean="0"/>
+              <a:rPr lang="en-US" noProof="0"/>
               <a:t>Third level</a:t>
             </a:r>
           </a:p>
           <a:p>
             <a:pPr lvl="3"/>
             <a:r>
-              <a:rPr lang="en-US" noProof="0" smtClean="0"/>
+              <a:rPr lang="en-US" noProof="0"/>
               <a:t>Fourth level</a:t>
             </a:r>
           </a:p>
           <a:p>
             <a:pPr lvl="4"/>
             <a:r>
-              <a:rPr lang="en-US" noProof="0" smtClean="0"/>
+              <a:rPr lang="en-US" noProof="0"/>
               <a:t>Fifth level</a:t>
             </a:r>
-            <a:endParaRPr lang="en-US" noProof="0"/>
           </a:p>
         </p:txBody>
       </p:sp>
@@ -3646,38 +3649,37 @@
           <a:p>
             <a:pPr lvl="0"/>
             <a:r>
-              <a:rPr lang="en-US" noProof="0" smtClean="0"/>
+              <a:rPr lang="en-US" noProof="0"/>
               <a:t>Edit Master text styles</a:t>
             </a:r>
           </a:p>
           <a:p>
             <a:pPr lvl="1"/>
             <a:r>
-              <a:rPr lang="en-US" noProof="0" smtClean="0"/>
+              <a:rPr lang="en-US" noProof="0"/>
               <a:t>Second level</a:t>
             </a:r>
           </a:p>
           <a:p>
             <a:pPr lvl="2"/>
             <a:r>
-              <a:rPr lang="en-US" noProof="0" smtClean="0"/>
+              <a:rPr lang="en-US" noProof="0"/>
               <a:t>Third level</a:t>
             </a:r>
           </a:p>
           <a:p>
             <a:pPr lvl="3"/>
             <a:r>
-              <a:rPr lang="en-US" noProof="0" smtClean="0"/>
+              <a:rPr lang="en-US" noProof="0"/>
               <a:t>Fourth level</a:t>
             </a:r>
           </a:p>
           <a:p>
             <a:pPr lvl="4"/>
             <a:r>
-              <a:rPr lang="en-US" noProof="0" smtClean="0"/>
+              <a:rPr lang="en-US" noProof="0"/>
               <a:t>Fifth level</a:t>
             </a:r>
-            <a:endParaRPr lang="en-US" noProof="0"/>
           </a:p>
         </p:txBody>
       </p:sp>
@@ -3691,7 +3693,7 @@
   <p:clrMapOvr>
     <a:masterClrMapping/>
   </p:clrMapOvr>
-  <p:extLst mod="1">
+  <p:extLst>
     <p:ext uri="{DCECCB84-F9BA-43D5-87BE-67443E8EF086}">
       <p15:sldGuideLst xmlns:p15="http://schemas.microsoft.com/office/powerpoint/2012/main">
         <p15:guide id="1" orient="horz" pos="2160">
@@ -4261,7 +4263,7 @@
           <a:p>
             <a:pPr marL="228600" lvl="0" indent="-228600"/>
             <a:r>
-              <a:rPr lang="en-US" noProof="0" smtClean="0"/>
+              <a:rPr lang="en-US" noProof="0"/>
               <a:t>Edit Master text styles</a:t>
             </a:r>
           </a:p>
@@ -4339,7 +4341,7 @@
           <a:p>
             <a:pPr lvl="0"/>
             <a:r>
-              <a:rPr lang="en-US" noProof="0" smtClean="0"/>
+              <a:rPr lang="en-US" noProof="0"/>
               <a:t>Edit Master text styles</a:t>
             </a:r>
           </a:p>
@@ -4412,38 +4414,37 @@
           <a:p>
             <a:pPr lvl="0"/>
             <a:r>
-              <a:rPr lang="en-US" noProof="0" smtClean="0"/>
+              <a:rPr lang="en-US" noProof="0"/>
               <a:t>Edit Master text styles</a:t>
             </a:r>
           </a:p>
           <a:p>
             <a:pPr lvl="1"/>
             <a:r>
-              <a:rPr lang="en-US" noProof="0" smtClean="0"/>
+              <a:rPr lang="en-US" noProof="0"/>
               <a:t>Second level</a:t>
             </a:r>
           </a:p>
           <a:p>
             <a:pPr lvl="2"/>
             <a:r>
-              <a:rPr lang="en-US" noProof="0" smtClean="0"/>
+              <a:rPr lang="en-US" noProof="0"/>
               <a:t>Third level</a:t>
             </a:r>
           </a:p>
           <a:p>
             <a:pPr lvl="3"/>
             <a:r>
-              <a:rPr lang="en-US" noProof="0" smtClean="0"/>
+              <a:rPr lang="en-US" noProof="0"/>
               <a:t>Fourth level</a:t>
             </a:r>
           </a:p>
           <a:p>
             <a:pPr lvl="4"/>
             <a:r>
-              <a:rPr lang="en-US" noProof="0" smtClean="0"/>
+              <a:rPr lang="en-US" noProof="0"/>
               <a:t>Fifth level</a:t>
             </a:r>
-            <a:endParaRPr lang="en-US" noProof="0"/>
           </a:p>
         </p:txBody>
       </p:sp>
@@ -4514,38 +4515,37 @@
           <a:p>
             <a:pPr lvl="0"/>
             <a:r>
-              <a:rPr lang="en-US" noProof="0" smtClean="0"/>
+              <a:rPr lang="en-US" noProof="0"/>
               <a:t>Edit Master text styles</a:t>
             </a:r>
           </a:p>
           <a:p>
             <a:pPr lvl="1"/>
             <a:r>
-              <a:rPr lang="en-US" noProof="0" smtClean="0"/>
+              <a:rPr lang="en-US" noProof="0"/>
               <a:t>Second level</a:t>
             </a:r>
           </a:p>
           <a:p>
             <a:pPr lvl="2"/>
             <a:r>
-              <a:rPr lang="en-US" noProof="0" smtClean="0"/>
+              <a:rPr lang="en-US" noProof="0"/>
               <a:t>Third level</a:t>
             </a:r>
           </a:p>
           <a:p>
             <a:pPr lvl="3"/>
             <a:r>
-              <a:rPr lang="en-US" noProof="0" smtClean="0"/>
+              <a:rPr lang="en-US" noProof="0"/>
               <a:t>Fourth level</a:t>
             </a:r>
           </a:p>
           <a:p>
             <a:pPr lvl="4"/>
             <a:r>
-              <a:rPr lang="en-US" noProof="0" smtClean="0"/>
+              <a:rPr lang="en-US" noProof="0"/>
               <a:t>Fifth level</a:t>
             </a:r>
-            <a:endParaRPr lang="en-US" noProof="0"/>
           </a:p>
         </p:txBody>
       </p:sp>
@@ -4559,7 +4559,7 @@
   <p:clrMapOvr>
     <a:masterClrMapping/>
   </p:clrMapOvr>
-  <p:extLst mod="1">
+  <p:extLst>
     <p:ext uri="{DCECCB84-F9BA-43D5-87BE-67443E8EF086}">
       <p15:sldGuideLst xmlns:p15="http://schemas.microsoft.com/office/powerpoint/2012/main">
         <p15:guide id="1" orient="horz" pos="2160">
@@ -4962,7 +4962,7 @@
           <a:p>
             <a:pPr lvl="0"/>
             <a:r>
-              <a:rPr lang="en-US" noProof="0" smtClean="0"/>
+              <a:rPr lang="en-US" noProof="0"/>
               <a:t>Edit Master text styles</a:t>
             </a:r>
           </a:p>
@@ -5027,38 +5027,37 @@
           <a:p>
             <a:pPr lvl="0"/>
             <a:r>
-              <a:rPr lang="en-US" noProof="0" smtClean="0"/>
+              <a:rPr lang="en-US" noProof="0"/>
               <a:t>Edit Master text styles</a:t>
             </a:r>
           </a:p>
           <a:p>
             <a:pPr lvl="1"/>
             <a:r>
-              <a:rPr lang="en-US" noProof="0" smtClean="0"/>
+              <a:rPr lang="en-US" noProof="0"/>
               <a:t>Second level</a:t>
             </a:r>
           </a:p>
           <a:p>
             <a:pPr lvl="2"/>
             <a:r>
-              <a:rPr lang="en-US" noProof="0" smtClean="0"/>
+              <a:rPr lang="en-US" noProof="0"/>
               <a:t>Third level</a:t>
             </a:r>
           </a:p>
           <a:p>
             <a:pPr lvl="3"/>
             <a:r>
-              <a:rPr lang="en-US" noProof="0" smtClean="0"/>
+              <a:rPr lang="en-US" noProof="0"/>
               <a:t>Fourth level</a:t>
             </a:r>
           </a:p>
           <a:p>
             <a:pPr lvl="4"/>
             <a:r>
-              <a:rPr lang="en-US" noProof="0" smtClean="0"/>
+              <a:rPr lang="en-US" noProof="0"/>
               <a:t>Fifth level</a:t>
             </a:r>
-            <a:endParaRPr lang="en-US" noProof="0"/>
           </a:p>
         </p:txBody>
       </p:sp>
@@ -5072,7 +5071,7 @@
   <p:clrMapOvr>
     <a:masterClrMapping/>
   </p:clrMapOvr>
-  <p:extLst mod="1">
+  <p:extLst>
     <p:ext uri="{DCECCB84-F9BA-43D5-87BE-67443E8EF086}">
       <p15:sldGuideLst xmlns:p15="http://schemas.microsoft.com/office/powerpoint/2012/main">
         <p15:guide id="1" orient="horz" pos="2160">
@@ -5485,7 +5484,7 @@
           <a:p>
             <a:pPr lvl="0"/>
             <a:r>
-              <a:rPr lang="en-US" noProof="0" smtClean="0"/>
+              <a:rPr lang="en-US" noProof="0"/>
               <a:t>Edit Master text styles</a:t>
             </a:r>
           </a:p>
@@ -5558,7 +5557,7 @@
           </a:lstStyle>
           <a:p>
             <a:r>
-              <a:rPr lang="en-US" noProof="0" smtClean="0"/>
+              <a:rPr lang="en-US" noProof="0"/>
               <a:t>Click icon to add picture</a:t>
             </a:r>
             <a:endParaRPr lang="en-US" noProof="0" dirty="0"/>
@@ -5575,7 +5574,7 @@
   <p:clrMapOvr>
     <a:masterClrMapping/>
   </p:clrMapOvr>
-  <p:extLst mod="1">
+  <p:extLst>
     <p:ext uri="{DCECCB84-F9BA-43D5-87BE-67443E8EF086}">
       <p15:sldGuideLst xmlns:p15="http://schemas.microsoft.com/office/powerpoint/2012/main">
         <p15:guide id="1" orient="horz" pos="2160">
@@ -6032,7 +6031,7 @@
   <p:clrMapOvr>
     <a:masterClrMapping/>
   </p:clrMapOvr>
-  <p:extLst mod="1">
+  <p:extLst>
     <p:ext uri="{DCECCB84-F9BA-43D5-87BE-67443E8EF086}">
       <p15:sldGuideLst xmlns:p15="http://schemas.microsoft.com/office/powerpoint/2012/main">
         <p15:guide id="1" orient="horz" pos="142">
@@ -6494,10 +6493,9 @@
           </a:lstStyle>
           <a:p>
             <a:r>
-              <a:rPr lang="en-US" noProof="0" smtClean="0"/>
+              <a:rPr lang="en-US" noProof="0"/>
               <a:t>Click to edit Master title style</a:t>
             </a:r>
-            <a:endParaRPr lang="en-US" noProof="0"/>
           </a:p>
         </p:txBody>
       </p:sp>
@@ -6511,7 +6509,7 @@
   <p:clrMapOvr>
     <a:masterClrMapping/>
   </p:clrMapOvr>
-  <p:extLst mod="1">
+  <p:extLst>
     <p:ext uri="{DCECCB84-F9BA-43D5-87BE-67443E8EF086}">
       <p15:sldGuideLst xmlns:p15="http://schemas.microsoft.com/office/powerpoint/2012/main">
         <p15:guide id="1" orient="horz" pos="142">
@@ -6973,10 +6971,9 @@
           </a:lstStyle>
           <a:p>
             <a:r>
-              <a:rPr lang="en-US" noProof="0" smtClean="0"/>
+              <a:rPr lang="en-US" noProof="0"/>
               <a:t>Click to edit Master title style</a:t>
             </a:r>
-            <a:endParaRPr lang="en-US" noProof="0"/>
           </a:p>
         </p:txBody>
       </p:sp>
@@ -7024,7 +7021,7 @@
           <a:p>
             <a:pPr lvl="0"/>
             <a:r>
-              <a:rPr lang="en-US" noProof="0" smtClean="0"/>
+              <a:rPr lang="en-US" noProof="0"/>
               <a:t>Edit Master text styles</a:t>
             </a:r>
           </a:p>
@@ -7040,7 +7037,7 @@
   <p:clrMapOvr>
     <a:masterClrMapping/>
   </p:clrMapOvr>
-  <p:extLst mod="1">
+  <p:extLst>
     <p:ext uri="{DCECCB84-F9BA-43D5-87BE-67443E8EF086}">
       <p15:sldGuideLst xmlns:p15="http://schemas.microsoft.com/office/powerpoint/2012/main">
         <p15:guide id="1" orient="horz" pos="142">
@@ -7709,7 +7706,7 @@
           </a:lstStyle>
           <a:p>
             <a:r>
-              <a:rPr lang="en-US" noProof="0" smtClean="0"/>
+              <a:rPr lang="en-US" noProof="0"/>
               <a:t>Click icon to add picture</a:t>
             </a:r>
             <a:endParaRPr lang="en-US" noProof="0" dirty="0"/>
@@ -7823,7 +7820,7 @@
   <p:clrMapOvr>
     <a:masterClrMapping/>
   </p:clrMapOvr>
-  <p:extLst mod="1">
+  <p:extLst>
     <p:ext uri="{DCECCB84-F9BA-43D5-87BE-67443E8EF086}">
       <p15:sldGuideLst xmlns:p15="http://schemas.microsoft.com/office/powerpoint/2012/main">
         <p15:guide id="1" orient="horz" pos="2183" userDrawn="1">
@@ -7901,10 +7898,9 @@
           <a:lstStyle/>
           <a:p>
             <a:r>
-              <a:rPr lang="en-US" smtClean="0"/>
+              <a:rPr lang="en-US"/>
               <a:t>Click to edit Master title style</a:t>
             </a:r>
-            <a:endParaRPr lang="en-US"/>
           </a:p>
         </p:txBody>
       </p:sp>
@@ -8022,38 +8018,37 @@
           <a:p>
             <a:pPr lvl="0"/>
             <a:r>
-              <a:rPr lang="en-US" noProof="0" smtClean="0"/>
+              <a:rPr lang="en-US" noProof="0"/>
               <a:t>Edit Master text styles</a:t>
             </a:r>
           </a:p>
           <a:p>
             <a:pPr lvl="1"/>
             <a:r>
-              <a:rPr lang="en-US" noProof="0" smtClean="0"/>
+              <a:rPr lang="en-US" noProof="0"/>
               <a:t>Second level</a:t>
             </a:r>
           </a:p>
           <a:p>
             <a:pPr lvl="2"/>
             <a:r>
-              <a:rPr lang="en-US" noProof="0" smtClean="0"/>
+              <a:rPr lang="en-US" noProof="0"/>
               <a:t>Third level</a:t>
             </a:r>
           </a:p>
           <a:p>
             <a:pPr lvl="3"/>
             <a:r>
-              <a:rPr lang="en-US" noProof="0" smtClean="0"/>
+              <a:rPr lang="en-US" noProof="0"/>
               <a:t>Fourth level</a:t>
             </a:r>
           </a:p>
           <a:p>
             <a:pPr lvl="4"/>
             <a:r>
-              <a:rPr lang="en-US" noProof="0" smtClean="0"/>
+              <a:rPr lang="en-US" noProof="0"/>
               <a:t>Fifth level</a:t>
             </a:r>
-            <a:endParaRPr lang="en-US" noProof="0"/>
           </a:p>
         </p:txBody>
       </p:sp>
@@ -8504,7 +8499,7 @@
           </a:lstStyle>
           <a:p>
             <a:r>
-              <a:rPr lang="en-US" noProof="0" smtClean="0"/>
+              <a:rPr lang="en-US" noProof="0"/>
               <a:t>Click icon to add picture</a:t>
             </a:r>
             <a:endParaRPr lang="en-US" noProof="0" dirty="0"/>
@@ -8578,7 +8573,7 @@
   <p:clrMapOvr>
     <a:masterClrMapping/>
   </p:clrMapOvr>
-  <p:extLst mod="1">
+  <p:extLst>
     <p:ext uri="{DCECCB84-F9BA-43D5-87BE-67443E8EF086}">
       <p15:sldGuideLst xmlns:p15="http://schemas.microsoft.com/office/powerpoint/2012/main">
         <p15:guide id="1" orient="horz" pos="142">
@@ -8752,7 +8747,7 @@
           </a:lstStyle>
           <a:p>
             <a:r>
-              <a:rPr lang="en-US" noProof="0" smtClean="0"/>
+              <a:rPr lang="en-US" noProof="0"/>
               <a:t>Click icon to add picture</a:t>
             </a:r>
             <a:endParaRPr lang="en-US" noProof="0" dirty="0"/>
@@ -8843,38 +8838,37 @@
           <a:p>
             <a:pPr lvl="0"/>
             <a:r>
-              <a:rPr lang="en-US" noProof="0" smtClean="0"/>
+              <a:rPr lang="en-US" noProof="0"/>
               <a:t>Edit Master text styles</a:t>
             </a:r>
           </a:p>
           <a:p>
             <a:pPr lvl="1"/>
             <a:r>
-              <a:rPr lang="en-US" noProof="0" smtClean="0"/>
+              <a:rPr lang="en-US" noProof="0"/>
               <a:t>Second level</a:t>
             </a:r>
           </a:p>
           <a:p>
             <a:pPr lvl="2"/>
             <a:r>
-              <a:rPr lang="en-US" noProof="0" smtClean="0"/>
+              <a:rPr lang="en-US" noProof="0"/>
               <a:t>Third level</a:t>
             </a:r>
           </a:p>
           <a:p>
             <a:pPr lvl="3"/>
             <a:r>
-              <a:rPr lang="en-US" noProof="0" smtClean="0"/>
+              <a:rPr lang="en-US" noProof="0"/>
               <a:t>Fourth level</a:t>
             </a:r>
           </a:p>
           <a:p>
             <a:pPr lvl="4"/>
             <a:r>
-              <a:rPr lang="en-US" noProof="0" smtClean="0"/>
+              <a:rPr lang="en-US" noProof="0"/>
               <a:t>Fifth level</a:t>
             </a:r>
-            <a:endParaRPr lang="en-US" noProof="0"/>
           </a:p>
         </p:txBody>
       </p:sp>
@@ -9194,7 +9188,7 @@
   <p:clrMapOvr>
     <a:masterClrMapping/>
   </p:clrMapOvr>
-  <p:extLst mod="1">
+  <p:extLst>
     <p:ext uri="{DCECCB84-F9BA-43D5-87BE-67443E8EF086}">
       <p15:sldGuideLst xmlns:p15="http://schemas.microsoft.com/office/powerpoint/2012/main">
         <p15:guide id="1" orient="horz" pos="142">
@@ -9588,7 +9582,7 @@
           <a:p>
             <a:pPr lvl="0"/>
             <a:r>
-              <a:rPr lang="en-US" noProof="0" smtClean="0"/>
+              <a:rPr lang="en-US" noProof="0"/>
               <a:t>Edit Master text styles</a:t>
             </a:r>
           </a:p>
@@ -9667,7 +9661,7 @@
               </a:buClr>
             </a:pPr>
             <a:r>
-              <a:rPr lang="en-US" noProof="0" smtClean="0"/>
+              <a:rPr lang="en-US" noProof="0"/>
               <a:t>Edit Master text styles</a:t>
             </a:r>
           </a:p>
@@ -9678,7 +9672,7 @@
               </a:buClr>
             </a:pPr>
             <a:r>
-              <a:rPr lang="en-US" noProof="0" smtClean="0"/>
+              <a:rPr lang="en-US" noProof="0"/>
               <a:t>Second level</a:t>
             </a:r>
           </a:p>
@@ -9689,7 +9683,7 @@
               </a:buClr>
             </a:pPr>
             <a:r>
-              <a:rPr lang="en-US" noProof="0" smtClean="0"/>
+              <a:rPr lang="en-US" noProof="0"/>
               <a:t>Third level</a:t>
             </a:r>
           </a:p>
@@ -9700,7 +9694,7 @@
               </a:buClr>
             </a:pPr>
             <a:r>
-              <a:rPr lang="en-US" noProof="0" smtClean="0"/>
+              <a:rPr lang="en-US" noProof="0"/>
               <a:t>Fourth level</a:t>
             </a:r>
           </a:p>
@@ -9711,10 +9705,9 @@
               </a:buClr>
             </a:pPr>
             <a:r>
-              <a:rPr lang="en-US" noProof="0" smtClean="0"/>
+              <a:rPr lang="en-US" noProof="0"/>
               <a:t>Fifth level</a:t>
             </a:r>
-            <a:endParaRPr lang="en-US" noProof="0"/>
           </a:p>
         </p:txBody>
       </p:sp>
@@ -9795,7 +9788,7 @@
           <a:p>
             <a:pPr lvl="0"/>
             <a:r>
-              <a:rPr lang="en-US" noProof="0" smtClean="0"/>
+              <a:rPr lang="en-US" noProof="0"/>
               <a:t>Edit Master text styles</a:t>
             </a:r>
           </a:p>
@@ -9874,7 +9867,7 @@
               </a:buClr>
             </a:pPr>
             <a:r>
-              <a:rPr lang="en-US" noProof="0" smtClean="0"/>
+              <a:rPr lang="en-US" noProof="0"/>
               <a:t>Edit Master text styles</a:t>
             </a:r>
           </a:p>
@@ -9885,7 +9878,7 @@
               </a:buClr>
             </a:pPr>
             <a:r>
-              <a:rPr lang="en-US" noProof="0" smtClean="0"/>
+              <a:rPr lang="en-US" noProof="0"/>
               <a:t>Second level</a:t>
             </a:r>
           </a:p>
@@ -9896,7 +9889,7 @@
               </a:buClr>
             </a:pPr>
             <a:r>
-              <a:rPr lang="en-US" noProof="0" smtClean="0"/>
+              <a:rPr lang="en-US" noProof="0"/>
               <a:t>Third level</a:t>
             </a:r>
           </a:p>
@@ -9907,7 +9900,7 @@
               </a:buClr>
             </a:pPr>
             <a:r>
-              <a:rPr lang="en-US" noProof="0" smtClean="0"/>
+              <a:rPr lang="en-US" noProof="0"/>
               <a:t>Fourth level</a:t>
             </a:r>
           </a:p>
@@ -9918,10 +9911,9 @@
               </a:buClr>
             </a:pPr>
             <a:r>
-              <a:rPr lang="en-US" noProof="0" smtClean="0"/>
+              <a:rPr lang="en-US" noProof="0"/>
               <a:t>Fifth level</a:t>
             </a:r>
-            <a:endParaRPr lang="en-US" noProof="0"/>
           </a:p>
         </p:txBody>
       </p:sp>
@@ -10191,7 +10183,7 @@
   <p:clrMapOvr>
     <a:masterClrMapping/>
   </p:clrMapOvr>
-  <p:extLst mod="1">
+  <p:extLst>
     <p:ext uri="{DCECCB84-F9BA-43D5-87BE-67443E8EF086}">
       <p15:sldGuideLst xmlns:p15="http://schemas.microsoft.com/office/powerpoint/2012/main">
         <p15:guide id="1" orient="horz" pos="2160">
@@ -10846,7 +10838,7 @@
           <a:p>
             <a:pPr lvl="0"/>
             <a:r>
-              <a:rPr lang="en-US" noProof="0" smtClean="0"/>
+              <a:rPr lang="en-US" noProof="0"/>
               <a:t>Click icon to add chart</a:t>
             </a:r>
             <a:endParaRPr lang="en-US" noProof="0" dirty="0"/>
@@ -10863,7 +10855,7 @@
   <p:clrMapOvr>
     <a:masterClrMapping/>
   </p:clrMapOvr>
-  <p:extLst mod="1">
+  <p:extLst>
     <p:ext uri="{DCECCB84-F9BA-43D5-87BE-67443E8EF086}">
       <p15:sldGuideLst xmlns:p15="http://schemas.microsoft.com/office/powerpoint/2012/main">
         <p15:guide id="1" orient="horz" pos="142">
@@ -11429,7 +11421,7 @@
           <a:p>
             <a:pPr lvl="0"/>
             <a:r>
-              <a:rPr lang="en-US" noProof="0" smtClean="0"/>
+              <a:rPr lang="en-US" noProof="0"/>
               <a:t>Click icon to add table</a:t>
             </a:r>
             <a:endParaRPr lang="en-US" noProof="0" dirty="0"/>
@@ -11446,7 +11438,7 @@
   <p:clrMapOvr>
     <a:masterClrMapping/>
   </p:clrMapOvr>
-  <p:extLst mod="1">
+  <p:extLst>
     <p:ext uri="{DCECCB84-F9BA-43D5-87BE-67443E8EF086}">
       <p15:sldGuideLst xmlns:p15="http://schemas.microsoft.com/office/powerpoint/2012/main">
         <p15:guide id="1" orient="horz" pos="142">
@@ -11746,7 +11738,7 @@
   <p:clrMapOvr>
     <a:masterClrMapping/>
   </p:clrMapOvr>
-  <p:extLst mod="1">
+  <p:extLst>
     <p:ext uri="{DCECCB84-F9BA-43D5-87BE-67443E8EF086}">
       <p15:sldGuideLst xmlns:p15="http://schemas.microsoft.com/office/powerpoint/2012/main">
         <p15:guide id="1" orient="horz" pos="2160" userDrawn="1">
@@ -13623,7 +13615,7 @@
           </a:lstStyle>
           <a:p>
             <a:r>
-              <a:rPr lang="en-US" noProof="0" smtClean="0"/>
+              <a:rPr lang="en-US" noProof="0"/>
               <a:t>Click icon to add picture</a:t>
             </a:r>
             <a:endParaRPr lang="en-US" noProof="0" dirty="0"/>
@@ -13686,7 +13678,7 @@
   <p:clrMapOvr>
     <a:masterClrMapping/>
   </p:clrMapOvr>
-  <p:extLst mod="1">
+  <p:extLst>
     <p:ext uri="{DCECCB84-F9BA-43D5-87BE-67443E8EF086}">
       <p15:sldGuideLst xmlns:p15="http://schemas.microsoft.com/office/powerpoint/2012/main">
         <p15:guide id="1" orient="horz" pos="2160">
@@ -13874,10 +13866,9 @@
           <a:lstStyle/>
           <a:p>
             <a:r>
-              <a:rPr lang="en-US" noProof="0" smtClean="0"/>
+              <a:rPr lang="en-US" noProof="0"/>
               <a:t>Click to edit Master title style</a:t>
             </a:r>
-            <a:endParaRPr lang="en-US" noProof="0"/>
           </a:p>
         </p:txBody>
       </p:sp>
@@ -14235,7 +14226,7 @@
                 <a16:creationId xmlns:a16="http://schemas.microsoft.com/office/drawing/2014/main" id="{257F6BCE-75BB-4ECD-BEA5-21C36A9CC0E9}"/>
               </a:ext>
               <a:ext uri="{C183D7F6-B498-43B3-948B-1728B52AA6E4}">
-                <adec:decorative xmlns="" xmlns:adec="http://schemas.microsoft.com/office/drawing/2017/decorative" val="0"/>
+                <adec:decorative xmlns:adec="http://schemas.microsoft.com/office/drawing/2017/decorative" val="0"/>
               </a:ext>
             </a:extLst>
           </p:cNvPr>
@@ -14273,7 +14264,7 @@
                 <a16:creationId xmlns:a16="http://schemas.microsoft.com/office/drawing/2014/main" id="{0E6B042D-E9CB-40E0-AAE9-6AD11F53E044}"/>
               </a:ext>
               <a:ext uri="{C183D7F6-B498-43B3-948B-1728B52AA6E4}">
-                <adec:decorative xmlns="" xmlns:adec="http://schemas.microsoft.com/office/drawing/2017/decorative" val="1"/>
+                <adec:decorative xmlns:adec="http://schemas.microsoft.com/office/drawing/2017/decorative" val="1"/>
               </a:ext>
             </a:extLst>
           </p:cNvPr>
@@ -14379,7 +14370,7 @@
             <a:p>
               <a:pPr algn="ctr"/>
               <a:r>
-                <a:rPr lang="en-US" sz="2800" dirty="0" smtClean="0">
+                <a:rPr lang="en-US" sz="2800" dirty="0">
                   <a:solidFill>
                     <a:srgbClr val="01456F"/>
                   </a:solidFill>
@@ -14387,17 +14378,11 @@
                 </a:rPr>
                 <a:t>CREDIT</a:t>
               </a:r>
-              <a:endParaRPr lang="en-US" sz="2800" dirty="0" smtClean="0">
-                <a:solidFill>
-                  <a:srgbClr val="01456F"/>
-                </a:solidFill>
-                <a:latin typeface="Arial Black" panose="020B0A04020102020204" pitchFamily="34" charset="0"/>
-              </a:endParaRPr>
             </a:p>
             <a:p>
               <a:pPr algn="ctr"/>
               <a:r>
-                <a:rPr lang="en-US" sz="2800" dirty="0" smtClean="0">
+                <a:rPr lang="en-US" sz="2800" dirty="0">
                   <a:solidFill>
                     <a:srgbClr val="01456F"/>
                   </a:solidFill>
@@ -14409,7 +14394,7 @@
             <a:p>
               <a:pPr algn="ctr"/>
               <a:r>
-                <a:rPr lang="en-US" sz="2800" dirty="0" smtClean="0">
+                <a:rPr lang="en-US" sz="2800" dirty="0">
                   <a:solidFill>
                     <a:srgbClr val="01456F"/>
                   </a:solidFill>
@@ -14417,12 +14402,6 @@
                 </a:rPr>
                 <a:t>UNIT</a:t>
               </a:r>
-              <a:endParaRPr lang="en-US" sz="2800" dirty="0">
-                <a:solidFill>
-                  <a:srgbClr val="01456F"/>
-                </a:solidFill>
-                <a:latin typeface="Arial Black" panose="020B0A04020102020204" pitchFamily="34" charset="0"/>
-              </a:endParaRPr>
             </a:p>
           </p:txBody>
         </p:sp>
@@ -14495,7 +14474,7 @@
           <a:p>
             <a:pPr algn="ctr"/>
             <a:r>
-              <a:rPr lang="en-US" sz="2800" dirty="0" smtClean="0"/>
+              <a:rPr lang="en-US" sz="2800" dirty="0"/>
               <a:t>Data Analysis Board</a:t>
             </a:r>
             <a:endParaRPr lang="en-US" sz="2800" b="0" dirty="0"/>
@@ -14530,58 +14509,44 @@
           <a:p>
             <a:pPr algn="ctr"/>
             <a:r>
-              <a:rPr lang="en-US" sz="1400" dirty="0" smtClean="0"/>
+              <a:rPr lang="en-US" sz="1400" b="1" dirty="0"/>
               <a:t>Presented By- </a:t>
             </a:r>
           </a:p>
           <a:p>
             <a:pPr algn="ctr"/>
             <a:r>
-              <a:rPr lang="en-US" sz="1400" b="1" dirty="0" smtClean="0"/>
+              <a:rPr lang="en-US" sz="1400" b="1" dirty="0"/>
               <a:t>Group 7</a:t>
             </a:r>
           </a:p>
           <a:p>
             <a:pPr algn="ctr"/>
             <a:r>
-              <a:rPr lang="en-US" sz="1400" dirty="0"/>
+              <a:rPr lang="en-US" sz="1400" b="1" dirty="0"/>
               <a:t>Jai Singh</a:t>
             </a:r>
           </a:p>
           <a:p>
             <a:pPr algn="ctr"/>
             <a:r>
-              <a:rPr lang="en-US" sz="1400" dirty="0" err="1" smtClean="0"/>
-              <a:t>Abhijit</a:t>
-            </a:r>
-            <a:r>
-              <a:rPr lang="en-US" sz="1400" dirty="0" smtClean="0"/>
-              <a:t> </a:t>
-            </a:r>
-            <a:r>
-              <a:rPr lang="en-US" sz="1400" dirty="0" err="1" smtClean="0"/>
-              <a:t>Saikia</a:t>
-            </a:r>
-            <a:endParaRPr lang="en-US" sz="1400" dirty="0" smtClean="0"/>
+              <a:rPr lang="en-US" sz="1400" b="1" dirty="0"/>
+              <a:t>Abhijit Saikia</a:t>
+            </a:r>
           </a:p>
           <a:p>
             <a:pPr algn="ctr"/>
             <a:r>
-              <a:rPr lang="en-US" sz="1400" dirty="0" smtClean="0"/>
+              <a:rPr lang="en-US" sz="1400" b="1" dirty="0"/>
               <a:t>Himani Sunariya</a:t>
             </a:r>
           </a:p>
           <a:p>
             <a:pPr algn="ctr"/>
             <a:r>
-              <a:rPr lang="en-US" sz="1400" dirty="0" smtClean="0"/>
-              <a:t>Sanjeev Kumar </a:t>
-            </a:r>
-            <a:r>
-              <a:rPr lang="en-US" sz="1400" dirty="0" err="1" smtClean="0"/>
-              <a:t>Tripathi</a:t>
-            </a:r>
-            <a:endParaRPr lang="en-US" sz="1400" dirty="0"/>
+              <a:rPr lang="en-US" sz="1400" b="1" dirty="0"/>
+              <a:t>Sanjeev Kumar Tripathi</a:t>
+            </a:r>
           </a:p>
         </p:txBody>
       </p:sp>
@@ -14598,7 +14563,7 @@
 </p:sld>
 </file>
 
-<file path=ppt/slides/slide2.xml><?xml version="1.0" encoding="utf-8"?>
+<file path=ppt/slides/slide10.xml><?xml version="1.0" encoding="utf-8"?>
 <p:sld xmlns:a="http://schemas.openxmlformats.org/drawingml/2006/main" xmlns:r="http://schemas.openxmlformats.org/officeDocument/2006/relationships" xmlns:p="http://schemas.openxmlformats.org/presentationml/2006/main">
   <p:cSld>
     <p:spTree>
@@ -14617,309 +14582,10 @@
       </p:grpSpPr>
       <p:sp>
         <p:nvSpPr>
-          <p:cNvPr id="4" name="Title 3">
+          <p:cNvPr id="2" name="Slide Number Placeholder 1">
             <a:extLst>
               <a:ext uri="{FF2B5EF4-FFF2-40B4-BE49-F238E27FC236}">
-                <a16:creationId xmlns:a16="http://schemas.microsoft.com/office/drawing/2014/main" id="{1ABE11BF-33A5-4653-A144-CCCBACF58C30}"/>
-              </a:ext>
-            </a:extLst>
-          </p:cNvPr>
-          <p:cNvSpPr>
-            <a:spLocks noGrp="1"/>
-          </p:cNvSpPr>
-          <p:nvPr>
-            <p:ph type="title"/>
-          </p:nvPr>
-        </p:nvSpPr>
-        <p:spPr>
-          <a:xfrm>
-            <a:off x="1414040" y="2611315"/>
-            <a:ext cx="2782848" cy="566211"/>
-          </a:xfrm>
-        </p:spPr>
-        <p:txBody>
-          <a:bodyPr>
-            <a:noAutofit/>
-          </a:bodyPr>
-          <a:lstStyle/>
-          <a:p>
-            <a:pPr algn="ctr"/>
-            <a:r>
-              <a:rPr lang="en-US" sz="4000" dirty="0" smtClean="0"/>
-              <a:t>Overview</a:t>
-            </a:r>
-            <a:endParaRPr lang="en-US" sz="4000" b="0" dirty="0"/>
-          </a:p>
-        </p:txBody>
-      </p:sp>
-      <p:sp>
-        <p:nvSpPr>
-          <p:cNvPr id="9" name="Text Placeholder 8">
-            <a:extLst>
-              <a:ext uri="{FF2B5EF4-FFF2-40B4-BE49-F238E27FC236}">
-                <a16:creationId xmlns:a16="http://schemas.microsoft.com/office/drawing/2014/main" id="{53469036-D1FB-4164-96AE-B6D8CECCFC96}"/>
-              </a:ext>
-            </a:extLst>
-          </p:cNvPr>
-          <p:cNvSpPr>
-            <a:spLocks noGrp="1"/>
-          </p:cNvSpPr>
-          <p:nvPr>
-            <p:ph type="body" sz="quarter" idx="13"/>
-          </p:nvPr>
-        </p:nvSpPr>
-        <p:spPr>
-          <a:xfrm>
-            <a:off x="536439" y="3261577"/>
-            <a:ext cx="4740439" cy="352428"/>
-          </a:xfrm>
-        </p:spPr>
-        <p:txBody>
-          <a:bodyPr/>
-          <a:lstStyle/>
-          <a:p>
-            <a:pPr algn="ctr"/>
-            <a:r>
-              <a:rPr lang="en-US" dirty="0" smtClean="0"/>
-              <a:t>Of </a:t>
-            </a:r>
-            <a:r>
-              <a:rPr lang="en-US" dirty="0" smtClean="0"/>
-              <a:t>Credit </a:t>
-            </a:r>
-            <a:r>
-              <a:rPr lang="en-US" dirty="0" smtClean="0"/>
-              <a:t>Monitoring Unit</a:t>
-            </a:r>
-            <a:endParaRPr lang="en-US" dirty="0"/>
-          </a:p>
-        </p:txBody>
-      </p:sp>
-      <p:sp>
-        <p:nvSpPr>
-          <p:cNvPr id="7" name="Content Placeholder 6">
-            <a:extLst>
-              <a:ext uri="{FF2B5EF4-FFF2-40B4-BE49-F238E27FC236}">
-                <a16:creationId xmlns:a16="http://schemas.microsoft.com/office/drawing/2014/main" id="{2482DBEC-EE72-4155-ACC5-87E80C5606A9}"/>
-              </a:ext>
-            </a:extLst>
-          </p:cNvPr>
-          <p:cNvSpPr>
-            <a:spLocks noGrp="1"/>
-          </p:cNvSpPr>
-          <p:nvPr>
-            <p:ph idx="1"/>
-          </p:nvPr>
-        </p:nvSpPr>
-        <p:spPr>
-          <a:xfrm>
-            <a:off x="471998" y="3798276"/>
-            <a:ext cx="4942829" cy="1030367"/>
-          </a:xfrm>
-        </p:spPr>
-        <p:txBody>
-          <a:bodyPr>
-            <a:noAutofit/>
-          </a:bodyPr>
-          <a:lstStyle/>
-          <a:p>
-            <a:pPr marL="0" indent="0" algn="just">
-              <a:buNone/>
-            </a:pPr>
-            <a:r>
-              <a:rPr lang="en-US" sz="1600" dirty="0">
-                <a:solidFill>
-                  <a:srgbClr val="000000"/>
-                </a:solidFill>
-              </a:rPr>
-              <a:t>The </a:t>
-            </a:r>
-            <a:r>
-              <a:rPr lang="en-US" sz="1600" dirty="0" smtClean="0">
-                <a:solidFill>
-                  <a:srgbClr val="000000"/>
-                </a:solidFill>
-              </a:rPr>
-              <a:t>Credit </a:t>
-            </a:r>
-            <a:r>
-              <a:rPr lang="en-US" sz="1600" dirty="0" smtClean="0">
-                <a:solidFill>
-                  <a:srgbClr val="000000"/>
-                </a:solidFill>
-              </a:rPr>
-              <a:t>Monitoring Unit is a </a:t>
-            </a:r>
-            <a:r>
-              <a:rPr lang="en-US" sz="1600" dirty="0">
-                <a:solidFill>
-                  <a:srgbClr val="000000"/>
-                </a:solidFill>
-              </a:rPr>
-              <a:t>Java based web </a:t>
-            </a:r>
-            <a:r>
-              <a:rPr lang="en-US" sz="1600" dirty="0" smtClean="0">
-                <a:solidFill>
-                  <a:srgbClr val="000000"/>
-                </a:solidFill>
-              </a:rPr>
-              <a:t>application. It is designed to analyze data on basis of assigned parameters using graphs. For detail view data can also be viewed in data table. </a:t>
-            </a:r>
-            <a:endParaRPr lang="en-US" sz="1600" dirty="0">
-              <a:solidFill>
-                <a:srgbClr val="000000"/>
-              </a:solidFill>
-            </a:endParaRPr>
-          </a:p>
-          <a:p>
-            <a:pPr algn="just"/>
-            <a:endParaRPr lang="en-US" sz="1800" dirty="0"/>
-          </a:p>
-          <a:p>
-            <a:pPr marL="0" indent="0" algn="just">
-              <a:buNone/>
-            </a:pPr>
-            <a:endParaRPr lang="en-US" sz="1800" dirty="0">
-              <a:solidFill>
-                <a:srgbClr val="000000"/>
-              </a:solidFill>
-            </a:endParaRPr>
-          </a:p>
-        </p:txBody>
-      </p:sp>
-      <p:pic>
-        <p:nvPicPr>
-          <p:cNvPr id="13" name="Picture Placeholder 12">
-            <a:extLst>
-              <a:ext uri="{FF2B5EF4-FFF2-40B4-BE49-F238E27FC236}">
-                <a16:creationId xmlns:a16="http://schemas.microsoft.com/office/drawing/2014/main" id="{066FE296-3466-420F-AD6C-D3A37B973B7D}"/>
-              </a:ext>
-            </a:extLst>
-          </p:cNvPr>
-          <p:cNvPicPr>
-            <a:picLocks noGrp="1" noChangeAspect="1"/>
-          </p:cNvPicPr>
-          <p:nvPr>
-            <p:ph type="pic" sz="quarter" idx="10"/>
-          </p:nvPr>
-        </p:nvPicPr>
-        <p:blipFill>
-          <a:blip r:embed="rId2">
-            <a:extLst>
-              <a:ext uri="{28A0092B-C50C-407E-A947-70E740481C1C}">
-                <a14:useLocalDpi xmlns:a14="http://schemas.microsoft.com/office/drawing/2010/main" val="0"/>
-              </a:ext>
-            </a:extLst>
-          </a:blip>
-          <a:stretch>
-            <a:fillRect/>
-          </a:stretch>
-        </p:blipFill>
-        <p:spPr>
-          <a:xfrm>
-            <a:off x="6632766" y="-1"/>
-            <a:ext cx="5559233" cy="6875585"/>
-          </a:xfrm>
-        </p:spPr>
-      </p:pic>
-      <p:sp>
-        <p:nvSpPr>
-          <p:cNvPr id="12" name="Slide Number Placeholder 11">
-            <a:extLst>
-              <a:ext uri="{FF2B5EF4-FFF2-40B4-BE49-F238E27FC236}">
-                <a16:creationId xmlns:a16="http://schemas.microsoft.com/office/drawing/2014/main" id="{FBA1BB58-7555-4382-B178-7ED04E137E77}"/>
-              </a:ext>
-            </a:extLst>
-          </p:cNvPr>
-          <p:cNvSpPr>
-            <a:spLocks noGrp="1"/>
-          </p:cNvSpPr>
-          <p:nvPr>
-            <p:ph type="sldNum" sz="quarter" idx="15"/>
-          </p:nvPr>
-        </p:nvSpPr>
-        <p:spPr>
-          <a:xfrm>
-            <a:off x="12086494" y="6765925"/>
-            <a:ext cx="96713" cy="92075"/>
-          </a:xfrm>
-        </p:spPr>
-        <p:txBody>
-          <a:bodyPr/>
-          <a:lstStyle/>
-          <a:p>
-            <a:r>
-              <a:rPr lang="en-US" dirty="0"/>
-              <a:t>.</a:t>
-            </a:r>
-          </a:p>
-        </p:txBody>
-      </p:sp>
-    </p:spTree>
-    <p:extLst>
-      <p:ext uri="{BB962C8B-B14F-4D97-AF65-F5344CB8AC3E}">
-        <p14:creationId xmlns:p14="http://schemas.microsoft.com/office/powerpoint/2010/main" val="972005540"/>
-      </p:ext>
-    </p:extLst>
-  </p:cSld>
-  <p:clrMapOvr>
-    <a:masterClrMapping/>
-  </p:clrMapOvr>
-</p:sld>
-</file>
-
-<file path=ppt/slides/slide3.xml><?xml version="1.0" encoding="utf-8"?>
-<p:sld xmlns:a="http://schemas.openxmlformats.org/drawingml/2006/main" xmlns:r="http://schemas.openxmlformats.org/officeDocument/2006/relationships" xmlns:p="http://schemas.openxmlformats.org/presentationml/2006/main">
-  <p:cSld>
-    <p:spTree>
-      <p:nvGrpSpPr>
-        <p:cNvPr id="1" name=""/>
-        <p:cNvGrpSpPr/>
-        <p:nvPr/>
-      </p:nvGrpSpPr>
-      <p:grpSpPr>
-        <a:xfrm>
-          <a:off x="0" y="0"/>
-          <a:ext cx="0" cy="0"/>
-          <a:chOff x="0" y="0"/>
-          <a:chExt cx="0" cy="0"/>
-        </a:xfrm>
-      </p:grpSpPr>
-      <p:sp>
-        <p:nvSpPr>
-          <p:cNvPr id="35" name="Footer Placeholder 34">
-            <a:extLst>
-              <a:ext uri="{FF2B5EF4-FFF2-40B4-BE49-F238E27FC236}">
-                <a16:creationId xmlns:a16="http://schemas.microsoft.com/office/drawing/2014/main" id="{6390A22B-EC07-E942-A46F-F36FDD7FDB9D}"/>
-              </a:ext>
-            </a:extLst>
-          </p:cNvPr>
-          <p:cNvSpPr>
-            <a:spLocks noGrp="1"/>
-          </p:cNvSpPr>
-          <p:nvPr>
-            <p:ph type="ftr" sz="quarter" idx="10"/>
-          </p:nvPr>
-        </p:nvSpPr>
-        <p:spPr/>
-        <p:txBody>
-          <a:bodyPr/>
-          <a:lstStyle/>
-          <a:p>
-            <a:r>
-              <a:rPr lang="en-US" dirty="0"/>
-              <a:t>.</a:t>
-            </a:r>
-          </a:p>
-        </p:txBody>
-      </p:sp>
-      <p:sp>
-        <p:nvSpPr>
-          <p:cNvPr id="10" name="Slide Number Placeholder 9">
-            <a:extLst>
-              <a:ext uri="{FF2B5EF4-FFF2-40B4-BE49-F238E27FC236}">
-                <a16:creationId xmlns:a16="http://schemas.microsoft.com/office/drawing/2014/main" id="{A267D224-5586-43DC-82CA-8605E158298B}"/>
+                <a16:creationId xmlns:a16="http://schemas.microsoft.com/office/drawing/2014/main" id="{3992BF91-1CA4-4DA0-9289-475AF6F142C8}"/>
               </a:ext>
             </a:extLst>
           </p:cNvPr>
@@ -14935,22 +14601,17 @@
           <a:bodyPr/>
           <a:lstStyle/>
           <a:p>
-            <a:r>
-              <a:rPr lang="en-US" dirty="0"/>
-              <a:t>.</a:t>
-            </a:r>
-          </a:p>
-        </p:txBody>
-      </p:sp>
-      <p:sp>
-        <p:nvSpPr>
-          <p:cNvPr id="41" name="Title 3">
-            <a:extLst>
-              <a:ext uri="{FF2B5EF4-FFF2-40B4-BE49-F238E27FC236}">
-                <a16:creationId xmlns:a16="http://schemas.microsoft.com/office/drawing/2014/main" id="{1ABD613F-111C-41D6-9F8E-8B2C42A5E047}"/>
-              </a:ext>
-            </a:extLst>
-          </p:cNvPr>
+            <a:fld id="{8699F50C-BE38-4BD0-BA84-9B090E1F2B9B}" type="slidenum">
+              <a:rPr lang="en-US" smtClean="0"/>
+              <a:t>10</a:t>
+            </a:fld>
+            <a:endParaRPr lang="en-US" dirty="0"/>
+          </a:p>
+        </p:txBody>
+      </p:sp>
+      <p:sp>
+        <p:nvSpPr>
+          <p:cNvPr id="7" name="Title 6"/>
           <p:cNvSpPr>
             <a:spLocks noGrp="1"/>
           </p:cNvSpPr>
@@ -14960,36 +14621,24 @@
         </p:nvSpPr>
         <p:spPr>
           <a:xfrm>
-            <a:off x="1606411" y="916221"/>
-            <a:ext cx="5328206" cy="425012"/>
-          </a:xfrm>
-        </p:spPr>
-        <p:txBody>
-          <a:bodyPr>
-            <a:noAutofit/>
-          </a:bodyPr>
+            <a:off x="4800533" y="1501498"/>
+            <a:ext cx="2839983" cy="1147968"/>
+          </a:xfrm>
+        </p:spPr>
+        <p:txBody>
+          <a:bodyPr/>
           <a:lstStyle/>
           <a:p>
-            <a:pPr algn="ctr"/>
-            <a:r>
-              <a:rPr lang="en-US" sz="4000" dirty="0" smtClean="0">
-                <a:solidFill>
-                  <a:schemeClr val="bg1"/>
-                </a:solidFill>
-              </a:rPr>
-              <a:t>Tools And Technology</a:t>
-            </a:r>
-            <a:endParaRPr lang="en-US" sz="4000" b="0" dirty="0">
-              <a:solidFill>
-                <a:schemeClr val="bg1"/>
-              </a:solidFill>
-            </a:endParaRPr>
+            <a:r>
+              <a:rPr lang="en-IN" dirty="0"/>
+              <a:t>Thank You</a:t>
+            </a:r>
           </a:p>
         </p:txBody>
       </p:sp>
       <p:pic>
         <p:nvPicPr>
-          <p:cNvPr id="59" name="Picture Placeholder 58">
+          <p:cNvPr id="8" name="Picture Placeholder 58">
             <a:extLst>
               <a:ext uri="{FF2B5EF4-FFF2-40B4-BE49-F238E27FC236}">
                 <a16:creationId xmlns:a16="http://schemas.microsoft.com/office/drawing/2014/main" id="{3FCCC668-2247-4814-9CC5-9C5D4B447AA3}"/>
@@ -14997,11 +14646,9 @@
             </a:extLst>
           </p:cNvPr>
           <p:cNvPicPr>
-            <a:picLocks noGrp="1" noChangeAspect="1"/>
+            <a:picLocks noChangeAspect="1"/>
           </p:cNvPicPr>
-          <p:nvPr>
-            <p:ph type="pic" sz="quarter" idx="4294967295"/>
-          </p:nvPr>
+          <p:nvPr/>
         </p:nvPicPr>
         <p:blipFill>
           <a:blip r:embed="rId2">
@@ -15060,397 +14707,10 @@
           </a:custGeom>
         </p:spPr>
       </p:pic>
-      <p:pic>
-        <p:nvPicPr>
-          <p:cNvPr id="9" name="Picture 8"/>
-          <p:cNvPicPr>
-            <a:picLocks noChangeAspect="1"/>
-          </p:cNvPicPr>
-          <p:nvPr/>
-        </p:nvPicPr>
-        <p:blipFill>
-          <a:blip r:embed="rId3">
-            <a:extLst>
-              <a:ext uri="{28A0092B-C50C-407E-A947-70E740481C1C}">
-                <a14:useLocalDpi xmlns:a14="http://schemas.microsoft.com/office/drawing/2010/main" val="0"/>
-              </a:ext>
-            </a:extLst>
-          </a:blip>
-          <a:stretch>
-            <a:fillRect/>
-          </a:stretch>
-        </p:blipFill>
-        <p:spPr>
-          <a:xfrm>
-            <a:off x="3662988" y="2270419"/>
-            <a:ext cx="1396354" cy="742612"/>
-          </a:xfrm>
-          <a:prstGeom prst="roundRect">
-            <a:avLst>
-              <a:gd name="adj" fmla="val 8594"/>
-            </a:avLst>
-          </a:prstGeom>
-          <a:solidFill>
-            <a:srgbClr val="FFFFFF">
-              <a:shade val="85000"/>
-            </a:srgbClr>
-          </a:solidFill>
-          <a:ln>
-            <a:noFill/>
-          </a:ln>
-          <a:effectLst>
-            <a:reflection blurRad="12700" stA="38000" endPos="28000" dist="5000" dir="5400000" sy="-100000" algn="bl" rotWithShape="0"/>
-          </a:effectLst>
-        </p:spPr>
-      </p:pic>
-      <p:pic>
-        <p:nvPicPr>
-          <p:cNvPr id="11" name="Picture 10"/>
-          <p:cNvPicPr>
-            <a:picLocks noChangeAspect="1"/>
-          </p:cNvPicPr>
-          <p:nvPr/>
-        </p:nvPicPr>
-        <p:blipFill>
-          <a:blip r:embed="rId4">
-            <a:extLst>
-              <a:ext uri="{28A0092B-C50C-407E-A947-70E740481C1C}">
-                <a14:useLocalDpi xmlns:a14="http://schemas.microsoft.com/office/drawing/2010/main" val="0"/>
-              </a:ext>
-            </a:extLst>
-          </a:blip>
-          <a:stretch>
-            <a:fillRect/>
-          </a:stretch>
-        </p:blipFill>
-        <p:spPr>
-          <a:xfrm>
-            <a:off x="3662988" y="3693288"/>
-            <a:ext cx="1396354" cy="742612"/>
-          </a:xfrm>
-          <a:prstGeom prst="roundRect">
-            <a:avLst>
-              <a:gd name="adj" fmla="val 8594"/>
-            </a:avLst>
-          </a:prstGeom>
-          <a:solidFill>
-            <a:srgbClr val="FFFFFF">
-              <a:shade val="85000"/>
-            </a:srgbClr>
-          </a:solidFill>
-          <a:ln>
-            <a:noFill/>
-          </a:ln>
-          <a:effectLst>
-            <a:reflection blurRad="12700" stA="38000" endPos="28000" dist="5000" dir="5400000" sy="-100000" algn="bl" rotWithShape="0"/>
-          </a:effectLst>
-        </p:spPr>
-      </p:pic>
-      <p:pic>
-        <p:nvPicPr>
-          <p:cNvPr id="12" name="Picture 11"/>
-          <p:cNvPicPr>
-            <a:picLocks noChangeAspect="1"/>
-          </p:cNvPicPr>
-          <p:nvPr/>
-        </p:nvPicPr>
-        <p:blipFill>
-          <a:blip r:embed="rId5">
-            <a:extLst>
-              <a:ext uri="{28A0092B-C50C-407E-A947-70E740481C1C}">
-                <a14:useLocalDpi xmlns:a14="http://schemas.microsoft.com/office/drawing/2010/main" val="0"/>
-              </a:ext>
-            </a:extLst>
-          </a:blip>
-          <a:stretch>
-            <a:fillRect/>
-          </a:stretch>
-        </p:blipFill>
-        <p:spPr>
-          <a:xfrm>
-            <a:off x="5749390" y="3693288"/>
-            <a:ext cx="1396354" cy="742612"/>
-          </a:xfrm>
-          <a:prstGeom prst="roundRect">
-            <a:avLst>
-              <a:gd name="adj" fmla="val 8594"/>
-            </a:avLst>
-          </a:prstGeom>
-          <a:solidFill>
-            <a:srgbClr val="FFFFFF">
-              <a:shade val="85000"/>
-            </a:srgbClr>
-          </a:solidFill>
-          <a:ln>
-            <a:noFill/>
-          </a:ln>
-          <a:effectLst>
-            <a:reflection blurRad="12700" stA="38000" endPos="28000" dist="5000" dir="5400000" sy="-100000" algn="bl" rotWithShape="0"/>
-          </a:effectLst>
-        </p:spPr>
-      </p:pic>
-      <p:pic>
-        <p:nvPicPr>
-          <p:cNvPr id="13" name="Picture 12"/>
-          <p:cNvPicPr>
-            <a:picLocks noChangeAspect="1"/>
-          </p:cNvPicPr>
-          <p:nvPr/>
-        </p:nvPicPr>
-        <p:blipFill>
-          <a:blip r:embed="rId6">
-            <a:extLst>
-              <a:ext uri="{28A0092B-C50C-407E-A947-70E740481C1C}">
-                <a14:useLocalDpi xmlns:a14="http://schemas.microsoft.com/office/drawing/2010/main" val="0"/>
-              </a:ext>
-            </a:extLst>
-          </a:blip>
-          <a:stretch>
-            <a:fillRect/>
-          </a:stretch>
-        </p:blipFill>
-        <p:spPr>
-          <a:xfrm>
-            <a:off x="5716195" y="5076154"/>
-            <a:ext cx="1462743" cy="742612"/>
-          </a:xfrm>
-          <a:prstGeom prst="roundRect">
-            <a:avLst>
-              <a:gd name="adj" fmla="val 8594"/>
-            </a:avLst>
-          </a:prstGeom>
-          <a:solidFill>
-            <a:srgbClr val="FFFFFF">
-              <a:shade val="85000"/>
-            </a:srgbClr>
-          </a:solidFill>
-          <a:ln>
-            <a:noFill/>
-          </a:ln>
-          <a:effectLst>
-            <a:reflection blurRad="12700" stA="38000" endPos="28000" dist="5000" dir="5400000" sy="-100000" algn="bl" rotWithShape="0"/>
-          </a:effectLst>
-        </p:spPr>
-      </p:pic>
-      <p:pic>
-        <p:nvPicPr>
-          <p:cNvPr id="14" name="Picture 13"/>
-          <p:cNvPicPr>
-            <a:picLocks noChangeAspect="1"/>
-          </p:cNvPicPr>
-          <p:nvPr/>
-        </p:nvPicPr>
-        <p:blipFill>
-          <a:blip r:embed="rId7">
-            <a:extLst>
-              <a:ext uri="{28A0092B-C50C-407E-A947-70E740481C1C}">
-                <a14:useLocalDpi xmlns:a14="http://schemas.microsoft.com/office/drawing/2010/main" val="0"/>
-              </a:ext>
-            </a:extLst>
-          </a:blip>
-          <a:stretch>
-            <a:fillRect/>
-          </a:stretch>
-        </p:blipFill>
-        <p:spPr>
-          <a:xfrm>
-            <a:off x="3662988" y="5076154"/>
-            <a:ext cx="1444241" cy="742612"/>
-          </a:xfrm>
-          <a:prstGeom prst="roundRect">
-            <a:avLst>
-              <a:gd name="adj" fmla="val 8594"/>
-            </a:avLst>
-          </a:prstGeom>
-          <a:solidFill>
-            <a:srgbClr val="FFFFFF">
-              <a:shade val="85000"/>
-            </a:srgbClr>
-          </a:solidFill>
-          <a:ln>
-            <a:noFill/>
-          </a:ln>
-          <a:effectLst>
-            <a:reflection blurRad="12700" stA="38000" endPos="28000" dist="5000" dir="5400000" sy="-100000" algn="bl" rotWithShape="0"/>
-          </a:effectLst>
-        </p:spPr>
-      </p:pic>
-      <p:pic>
-        <p:nvPicPr>
-          <p:cNvPr id="15" name="Picture 14"/>
-          <p:cNvPicPr>
-            <a:picLocks noChangeAspect="1"/>
-          </p:cNvPicPr>
-          <p:nvPr/>
-        </p:nvPicPr>
-        <p:blipFill>
-          <a:blip r:embed="rId8">
-            <a:extLst>
-              <a:ext uri="{28A0092B-C50C-407E-A947-70E740481C1C}">
-                <a14:useLocalDpi xmlns:a14="http://schemas.microsoft.com/office/drawing/2010/main" val="0"/>
-              </a:ext>
-            </a:extLst>
-          </a:blip>
-          <a:stretch>
-            <a:fillRect/>
-          </a:stretch>
-        </p:blipFill>
-        <p:spPr>
-          <a:xfrm>
-            <a:off x="5749390" y="2285384"/>
-            <a:ext cx="1444241" cy="742612"/>
-          </a:xfrm>
-          <a:prstGeom prst="roundRect">
-            <a:avLst>
-              <a:gd name="adj" fmla="val 8594"/>
-            </a:avLst>
-          </a:prstGeom>
-          <a:solidFill>
-            <a:srgbClr val="FFFFFF">
-              <a:shade val="85000"/>
-            </a:srgbClr>
-          </a:solidFill>
-          <a:ln>
-            <a:noFill/>
-          </a:ln>
-          <a:effectLst>
-            <a:reflection blurRad="12700" stA="38000" endPos="28000" dist="5000" dir="5400000" sy="-100000" algn="bl" rotWithShape="0"/>
-          </a:effectLst>
-        </p:spPr>
-      </p:pic>
-      <p:pic>
-        <p:nvPicPr>
-          <p:cNvPr id="5" name="Picture 4"/>
-          <p:cNvPicPr>
-            <a:picLocks noChangeAspect="1"/>
-          </p:cNvPicPr>
-          <p:nvPr/>
-        </p:nvPicPr>
-        <p:blipFill>
-          <a:blip r:embed="rId9">
-            <a:extLst>
-              <a:ext uri="{28A0092B-C50C-407E-A947-70E740481C1C}">
-                <a14:useLocalDpi xmlns:a14="http://schemas.microsoft.com/office/drawing/2010/main" val="0"/>
-              </a:ext>
-            </a:extLst>
-          </a:blip>
-          <a:stretch>
-            <a:fillRect/>
-          </a:stretch>
-        </p:blipFill>
-        <p:spPr>
-          <a:xfrm>
-            <a:off x="1493418" y="3682151"/>
-            <a:ext cx="1442576" cy="739848"/>
-          </a:xfrm>
-          <a:prstGeom prst="roundRect">
-            <a:avLst>
-              <a:gd name="adj" fmla="val 8594"/>
-            </a:avLst>
-          </a:prstGeom>
-          <a:solidFill>
-            <a:srgbClr val="FFFFFF">
-              <a:shade val="85000"/>
-            </a:srgbClr>
-          </a:solidFill>
-          <a:ln>
-            <a:noFill/>
-          </a:ln>
-          <a:effectLst>
-            <a:reflection blurRad="12700" stA="38000" endPos="28000" dist="5000" dir="5400000" sy="-100000" algn="bl" rotWithShape="0"/>
-          </a:effectLst>
-        </p:spPr>
-      </p:pic>
-      <p:pic>
-        <p:nvPicPr>
-          <p:cNvPr id="6" name="Picture 5"/>
-          <p:cNvPicPr>
-            <a:picLocks noChangeAspect="1"/>
-          </p:cNvPicPr>
-          <p:nvPr/>
-        </p:nvPicPr>
-        <p:blipFill>
-          <a:blip r:embed="rId10">
-            <a:extLst>
-              <a:ext uri="{28A0092B-C50C-407E-A947-70E740481C1C}">
-                <a14:useLocalDpi xmlns:a14="http://schemas.microsoft.com/office/drawing/2010/main" val="0"/>
-              </a:ext>
-            </a:extLst>
-          </a:blip>
-          <a:stretch>
-            <a:fillRect/>
-          </a:stretch>
-        </p:blipFill>
-        <p:spPr>
-          <a:xfrm>
-            <a:off x="1493418" y="2287002"/>
-            <a:ext cx="1479522" cy="740994"/>
-          </a:xfrm>
-          <a:prstGeom prst="roundRect">
-            <a:avLst>
-              <a:gd name="adj" fmla="val 8594"/>
-            </a:avLst>
-          </a:prstGeom>
-          <a:solidFill>
-            <a:srgbClr val="FFFFFF">
-              <a:shade val="85000"/>
-            </a:srgbClr>
-          </a:solidFill>
-          <a:ln>
-            <a:noFill/>
-          </a:ln>
-          <a:effectLst>
-            <a:reflection blurRad="12700" stA="38000" endPos="28000" dist="5000" dir="5400000" sy="-100000" algn="bl" rotWithShape="0"/>
-          </a:effectLst>
-        </p:spPr>
-      </p:pic>
-      <p:pic>
-        <p:nvPicPr>
-          <p:cNvPr id="2" name="Picture 1"/>
-          <p:cNvPicPr>
-            <a:picLocks noChangeAspect="1"/>
-          </p:cNvPicPr>
-          <p:nvPr/>
-        </p:nvPicPr>
-        <p:blipFill>
-          <a:blip r:embed="rId11">
-            <a:extLst>
-              <a:ext uri="{28A0092B-C50C-407E-A947-70E740481C1C}">
-                <a14:useLocalDpi xmlns:a14="http://schemas.microsoft.com/office/drawing/2010/main" val="0"/>
-              </a:ext>
-            </a:extLst>
-          </a:blip>
-          <a:stretch>
-            <a:fillRect/>
-          </a:stretch>
-        </p:blipFill>
-        <p:spPr>
-          <a:xfrm rot="10800000" flipH="1" flipV="1">
-            <a:off x="1510197" y="5076154"/>
-            <a:ext cx="1462743" cy="774820"/>
-          </a:xfrm>
-          <a:prstGeom prst="roundRect">
-            <a:avLst>
-              <a:gd name="adj" fmla="val 8594"/>
-            </a:avLst>
-          </a:prstGeom>
-          <a:solidFill>
-            <a:srgbClr val="FFFFFF">
-              <a:shade val="85000"/>
-            </a:srgbClr>
-          </a:solidFill>
-          <a:ln>
-            <a:noFill/>
-          </a:ln>
-          <a:effectLst>
-            <a:reflection blurRad="12700" stA="38000" endPos="28000" dist="5000" dir="5400000" sy="-100000" algn="bl" rotWithShape="0"/>
-          </a:effectLst>
-        </p:spPr>
-      </p:pic>
     </p:spTree>
     <p:extLst>
       <p:ext uri="{BB962C8B-B14F-4D97-AF65-F5344CB8AC3E}">
-        <p14:creationId xmlns:p14="http://schemas.microsoft.com/office/powerpoint/2010/main" val="3205466602"/>
+        <p14:creationId xmlns:p14="http://schemas.microsoft.com/office/powerpoint/2010/main" val="59582380"/>
       </p:ext>
     </p:extLst>
   </p:cSld>
@@ -15460,7 +14720,7 @@
 </p:sld>
 </file>
 
-<file path=ppt/slides/slide4.xml><?xml version="1.0" encoding="utf-8"?>
+<file path=ppt/slides/slide2.xml><?xml version="1.0" encoding="utf-8"?>
 <p:sld xmlns:a="http://schemas.openxmlformats.org/drawingml/2006/main" xmlns:r="http://schemas.openxmlformats.org/officeDocument/2006/relationships" xmlns:p="http://schemas.openxmlformats.org/presentationml/2006/main">
   <p:cSld>
     <p:spTree>
@@ -15479,7 +14739,238 @@
       </p:grpSpPr>
       <p:sp>
         <p:nvSpPr>
-          <p:cNvPr id="2" name="Footer Placeholder 1"/>
+          <p:cNvPr id="4" name="Title 3">
+            <a:extLst>
+              <a:ext uri="{FF2B5EF4-FFF2-40B4-BE49-F238E27FC236}">
+                <a16:creationId xmlns:a16="http://schemas.microsoft.com/office/drawing/2014/main" id="{1ABE11BF-33A5-4653-A144-CCCBACF58C30}"/>
+              </a:ext>
+            </a:extLst>
+          </p:cNvPr>
+          <p:cNvSpPr>
+            <a:spLocks noGrp="1"/>
+          </p:cNvSpPr>
+          <p:nvPr>
+            <p:ph type="title"/>
+          </p:nvPr>
+        </p:nvSpPr>
+        <p:spPr>
+          <a:xfrm>
+            <a:off x="1414040" y="2611315"/>
+            <a:ext cx="2782848" cy="566211"/>
+          </a:xfrm>
+        </p:spPr>
+        <p:txBody>
+          <a:bodyPr>
+            <a:noAutofit/>
+          </a:bodyPr>
+          <a:lstStyle/>
+          <a:p>
+            <a:pPr algn="ctr"/>
+            <a:r>
+              <a:rPr lang="en-US" sz="4000" dirty="0"/>
+              <a:t>Overview</a:t>
+            </a:r>
+            <a:endParaRPr lang="en-US" sz="4000" b="0" dirty="0"/>
+          </a:p>
+        </p:txBody>
+      </p:sp>
+      <p:sp>
+        <p:nvSpPr>
+          <p:cNvPr id="9" name="Text Placeholder 8">
+            <a:extLst>
+              <a:ext uri="{FF2B5EF4-FFF2-40B4-BE49-F238E27FC236}">
+                <a16:creationId xmlns:a16="http://schemas.microsoft.com/office/drawing/2014/main" id="{53469036-D1FB-4164-96AE-B6D8CECCFC96}"/>
+              </a:ext>
+            </a:extLst>
+          </p:cNvPr>
+          <p:cNvSpPr>
+            <a:spLocks noGrp="1"/>
+          </p:cNvSpPr>
+          <p:nvPr>
+            <p:ph type="body" sz="quarter" idx="13"/>
+          </p:nvPr>
+        </p:nvSpPr>
+        <p:spPr>
+          <a:xfrm>
+            <a:off x="536439" y="3261577"/>
+            <a:ext cx="4740439" cy="352428"/>
+          </a:xfrm>
+        </p:spPr>
+        <p:txBody>
+          <a:bodyPr/>
+          <a:lstStyle/>
+          <a:p>
+            <a:pPr algn="ctr"/>
+            <a:r>
+              <a:rPr lang="en-US" b="1" dirty="0"/>
+              <a:t>Of Credit Monitoring Unit</a:t>
+            </a:r>
+          </a:p>
+        </p:txBody>
+      </p:sp>
+      <p:sp>
+        <p:nvSpPr>
+          <p:cNvPr id="7" name="Content Placeholder 6">
+            <a:extLst>
+              <a:ext uri="{FF2B5EF4-FFF2-40B4-BE49-F238E27FC236}">
+                <a16:creationId xmlns:a16="http://schemas.microsoft.com/office/drawing/2014/main" id="{2482DBEC-EE72-4155-ACC5-87E80C5606A9}"/>
+              </a:ext>
+            </a:extLst>
+          </p:cNvPr>
+          <p:cNvSpPr>
+            <a:spLocks noGrp="1"/>
+          </p:cNvSpPr>
+          <p:nvPr>
+            <p:ph idx="1"/>
+          </p:nvPr>
+        </p:nvSpPr>
+        <p:spPr>
+          <a:xfrm>
+            <a:off x="471998" y="3798276"/>
+            <a:ext cx="4942829" cy="1030367"/>
+          </a:xfrm>
+        </p:spPr>
+        <p:txBody>
+          <a:bodyPr>
+            <a:noAutofit/>
+          </a:bodyPr>
+          <a:lstStyle/>
+          <a:p>
+            <a:pPr marL="0" indent="0" algn="just">
+              <a:buNone/>
+            </a:pPr>
+            <a:r>
+              <a:rPr lang="en-US" sz="1600" b="1" dirty="0">
+                <a:solidFill>
+                  <a:srgbClr val="000000"/>
+                </a:solidFill>
+              </a:rPr>
+              <a:t>The Credit Monitoring Unit is a Java based web application. It is designed to analyze data on basis of assigned parameters using graphs. For detail view data can also be viewed in data table. </a:t>
+            </a:r>
+          </a:p>
+          <a:p>
+            <a:pPr algn="just"/>
+            <a:endParaRPr lang="en-US" sz="1800" dirty="0"/>
+          </a:p>
+          <a:p>
+            <a:pPr marL="0" indent="0" algn="just">
+              <a:buNone/>
+            </a:pPr>
+            <a:endParaRPr lang="en-US" sz="1800" dirty="0">
+              <a:solidFill>
+                <a:srgbClr val="000000"/>
+              </a:solidFill>
+            </a:endParaRPr>
+          </a:p>
+        </p:txBody>
+      </p:sp>
+      <p:pic>
+        <p:nvPicPr>
+          <p:cNvPr id="13" name="Picture Placeholder 12">
+            <a:extLst>
+              <a:ext uri="{FF2B5EF4-FFF2-40B4-BE49-F238E27FC236}">
+                <a16:creationId xmlns:a16="http://schemas.microsoft.com/office/drawing/2014/main" id="{066FE296-3466-420F-AD6C-D3A37B973B7D}"/>
+              </a:ext>
+            </a:extLst>
+          </p:cNvPr>
+          <p:cNvPicPr>
+            <a:picLocks noGrp="1" noChangeAspect="1"/>
+          </p:cNvPicPr>
+          <p:nvPr>
+            <p:ph type="pic" sz="quarter" idx="10"/>
+          </p:nvPr>
+        </p:nvPicPr>
+        <p:blipFill>
+          <a:blip r:embed="rId2">
+            <a:extLst>
+              <a:ext uri="{28A0092B-C50C-407E-A947-70E740481C1C}">
+                <a14:useLocalDpi xmlns:a14="http://schemas.microsoft.com/office/drawing/2010/main" val="0"/>
+              </a:ext>
+            </a:extLst>
+          </a:blip>
+          <a:stretch>
+            <a:fillRect/>
+          </a:stretch>
+        </p:blipFill>
+        <p:spPr>
+          <a:xfrm>
+            <a:off x="6632766" y="-1"/>
+            <a:ext cx="5559233" cy="6875585"/>
+          </a:xfrm>
+        </p:spPr>
+      </p:pic>
+      <p:sp>
+        <p:nvSpPr>
+          <p:cNvPr id="12" name="Slide Number Placeholder 11">
+            <a:extLst>
+              <a:ext uri="{FF2B5EF4-FFF2-40B4-BE49-F238E27FC236}">
+                <a16:creationId xmlns:a16="http://schemas.microsoft.com/office/drawing/2014/main" id="{FBA1BB58-7555-4382-B178-7ED04E137E77}"/>
+              </a:ext>
+            </a:extLst>
+          </p:cNvPr>
+          <p:cNvSpPr>
+            <a:spLocks noGrp="1"/>
+          </p:cNvSpPr>
+          <p:nvPr>
+            <p:ph type="sldNum" sz="quarter" idx="15"/>
+          </p:nvPr>
+        </p:nvSpPr>
+        <p:spPr>
+          <a:xfrm>
+            <a:off x="12086494" y="6765925"/>
+            <a:ext cx="96713" cy="92075"/>
+          </a:xfrm>
+        </p:spPr>
+        <p:txBody>
+          <a:bodyPr/>
+          <a:lstStyle/>
+          <a:p>
+            <a:r>
+              <a:rPr lang="en-US" dirty="0"/>
+              <a:t>.</a:t>
+            </a:r>
+          </a:p>
+        </p:txBody>
+      </p:sp>
+    </p:spTree>
+    <p:extLst>
+      <p:ext uri="{BB962C8B-B14F-4D97-AF65-F5344CB8AC3E}">
+        <p14:creationId xmlns:p14="http://schemas.microsoft.com/office/powerpoint/2010/main" val="972005540"/>
+      </p:ext>
+    </p:extLst>
+  </p:cSld>
+  <p:clrMapOvr>
+    <a:masterClrMapping/>
+  </p:clrMapOvr>
+</p:sld>
+</file>
+
+<file path=ppt/slides/slide3.xml><?xml version="1.0" encoding="utf-8"?>
+<p:sld xmlns:a="http://schemas.openxmlformats.org/drawingml/2006/main" xmlns:r="http://schemas.openxmlformats.org/officeDocument/2006/relationships" xmlns:p="http://schemas.openxmlformats.org/presentationml/2006/main">
+  <p:cSld>
+    <p:spTree>
+      <p:nvGrpSpPr>
+        <p:cNvPr id="1" name=""/>
+        <p:cNvGrpSpPr/>
+        <p:nvPr/>
+      </p:nvGrpSpPr>
+      <p:grpSpPr>
+        <a:xfrm>
+          <a:off x="0" y="0"/>
+          <a:ext cx="0" cy="0"/>
+          <a:chOff x="0" y="0"/>
+          <a:chExt cx="0" cy="0"/>
+        </a:xfrm>
+      </p:grpSpPr>
+      <p:sp>
+        <p:nvSpPr>
+          <p:cNvPr id="35" name="Footer Placeholder 34">
+            <a:extLst>
+              <a:ext uri="{FF2B5EF4-FFF2-40B4-BE49-F238E27FC236}">
+                <a16:creationId xmlns:a16="http://schemas.microsoft.com/office/drawing/2014/main" id="{6390A22B-EC07-E942-A46F-F36FDD7FDB9D}"/>
+              </a:ext>
+            </a:extLst>
+          </p:cNvPr>
           <p:cNvSpPr>
             <a:spLocks noGrp="1"/>
           </p:cNvSpPr>
@@ -15487,12 +14978,7 @@
             <p:ph type="ftr" sz="quarter" idx="10"/>
           </p:nvPr>
         </p:nvSpPr>
-        <p:spPr>
-          <a:xfrm>
-            <a:off x="87923" y="6684059"/>
-            <a:ext cx="150397" cy="45719"/>
-          </a:xfrm>
-        </p:spPr>
+        <p:spPr/>
         <p:txBody>
           <a:bodyPr/>
           <a:lstStyle/>
@@ -15501,13 +14987,18 @@
               <a:rPr lang="en-US" dirty="0"/>
               <a:t>.</a:t>
             </a:r>
-            <a:endParaRPr lang="en-US" noProof="0" dirty="0"/>
-          </a:p>
-        </p:txBody>
-      </p:sp>
-      <p:sp>
-        <p:nvSpPr>
-          <p:cNvPr id="3" name="Slide Number Placeholder 2"/>
+          </a:p>
+        </p:txBody>
+      </p:sp>
+      <p:sp>
+        <p:nvSpPr>
+          <p:cNvPr id="10" name="Slide Number Placeholder 9">
+            <a:extLst>
+              <a:ext uri="{FF2B5EF4-FFF2-40B4-BE49-F238E27FC236}">
+                <a16:creationId xmlns:a16="http://schemas.microsoft.com/office/drawing/2014/main" id="{A267D224-5586-43DC-82CA-8605E158298B}"/>
+              </a:ext>
+            </a:extLst>
+          </p:cNvPr>
           <p:cNvSpPr>
             <a:spLocks noGrp="1"/>
           </p:cNvSpPr>
@@ -15515,12 +15006,7 @@
             <p:ph type="sldNum" sz="quarter" idx="11"/>
           </p:nvPr>
         </p:nvSpPr>
-        <p:spPr>
-          <a:xfrm>
-            <a:off x="11296440" y="6364653"/>
-            <a:ext cx="740227" cy="365125"/>
-          </a:xfrm>
-        </p:spPr>
+        <p:spPr/>
         <p:txBody>
           <a:bodyPr/>
           <a:lstStyle/>
@@ -15529,13 +15015,18 @@
               <a:rPr lang="en-US" dirty="0"/>
               <a:t>.</a:t>
             </a:r>
-            <a:endParaRPr lang="en-US" noProof="0" dirty="0"/>
-          </a:p>
-        </p:txBody>
-      </p:sp>
-      <p:sp>
-        <p:nvSpPr>
-          <p:cNvPr id="4" name="Title 3"/>
+          </a:p>
+        </p:txBody>
+      </p:sp>
+      <p:sp>
+        <p:nvSpPr>
+          <p:cNvPr id="41" name="Title 3">
+            <a:extLst>
+              <a:ext uri="{FF2B5EF4-FFF2-40B4-BE49-F238E27FC236}">
+                <a16:creationId xmlns:a16="http://schemas.microsoft.com/office/drawing/2014/main" id="{1ABD613F-111C-41D6-9F8E-8B2C42A5E047}"/>
+              </a:ext>
+            </a:extLst>
+          </p:cNvPr>
           <p:cNvSpPr>
             <a:spLocks noGrp="1"/>
           </p:cNvSpPr>
@@ -15545,24 +15036,36 @@
         </p:nvSpPr>
         <p:spPr>
           <a:xfrm>
-            <a:off x="2395930" y="68352"/>
-            <a:ext cx="5987630" cy="1147968"/>
-          </a:xfrm>
-        </p:spPr>
-        <p:txBody>
-          <a:bodyPr/>
+            <a:off x="1606411" y="916221"/>
+            <a:ext cx="5328206" cy="425012"/>
+          </a:xfrm>
+        </p:spPr>
+        <p:txBody>
+          <a:bodyPr>
+            <a:noAutofit/>
+          </a:bodyPr>
           <a:lstStyle/>
           <a:p>
-            <a:r>
-              <a:rPr lang="en-IN" dirty="0"/>
-              <a:t>Application Architecture</a:t>
-            </a:r>
+            <a:pPr algn="ctr"/>
+            <a:r>
+              <a:rPr lang="en-US" sz="4000" dirty="0">
+                <a:solidFill>
+                  <a:schemeClr val="bg1"/>
+                </a:solidFill>
+              </a:rPr>
+              <a:t>Tools And Technology</a:t>
+            </a:r>
+            <a:endParaRPr lang="en-US" sz="4000" b="0" dirty="0">
+              <a:solidFill>
+                <a:schemeClr val="bg1"/>
+              </a:solidFill>
+            </a:endParaRPr>
           </a:p>
         </p:txBody>
       </p:sp>
       <p:pic>
         <p:nvPicPr>
-          <p:cNvPr id="5" name="Picture Placeholder 58">
+          <p:cNvPr id="59" name="Picture Placeholder 58">
             <a:extLst>
               <a:ext uri="{FF2B5EF4-FFF2-40B4-BE49-F238E27FC236}">
                 <a16:creationId xmlns:a16="http://schemas.microsoft.com/office/drawing/2014/main" id="{3FCCC668-2247-4814-9CC5-9C5D4B447AA3}"/>
@@ -15570,9 +15073,11 @@
             </a:extLst>
           </p:cNvPr>
           <p:cNvPicPr>
-            <a:picLocks noChangeAspect="1"/>
+            <a:picLocks noGrp="1" noChangeAspect="1"/>
           </p:cNvPicPr>
-          <p:nvPr/>
+          <p:nvPr>
+            <p:ph type="pic" sz="quarter" idx="4294967295"/>
+          </p:nvPr>
         </p:nvPicPr>
         <p:blipFill>
           <a:blip r:embed="rId2">
@@ -15631,1534 +15136,397 @@
           </a:custGeom>
         </p:spPr>
       </p:pic>
-      <p:sp>
-        <p:nvSpPr>
-          <p:cNvPr id="6" name="Can 5"/>
-          <p:cNvSpPr/>
+      <p:pic>
+        <p:nvPicPr>
+          <p:cNvPr id="9" name="Picture 8"/>
+          <p:cNvPicPr>
+            <a:picLocks noChangeAspect="1"/>
+          </p:cNvPicPr>
           <p:nvPr/>
-        </p:nvSpPr>
+        </p:nvPicPr>
+        <p:blipFill>
+          <a:blip r:embed="rId3">
+            <a:extLst>
+              <a:ext uri="{28A0092B-C50C-407E-A947-70E740481C1C}">
+                <a14:useLocalDpi xmlns:a14="http://schemas.microsoft.com/office/drawing/2010/main" val="0"/>
+              </a:ext>
+            </a:extLst>
+          </a:blip>
+          <a:stretch>
+            <a:fillRect/>
+          </a:stretch>
+        </p:blipFill>
         <p:spPr>
           <a:xfrm>
-            <a:off x="337435" y="1645732"/>
-            <a:ext cx="1068239" cy="1036735"/>
-          </a:xfrm>
-          <a:prstGeom prst="can">
-            <a:avLst/>
+            <a:off x="3662988" y="2270419"/>
+            <a:ext cx="1396354" cy="742612"/>
+          </a:xfrm>
+          <a:prstGeom prst="roundRect">
+            <a:avLst>
+              <a:gd name="adj" fmla="val 8594"/>
+            </a:avLst>
           </a:prstGeom>
           <a:solidFill>
-            <a:schemeClr val="accent1">
-              <a:lumMod val="10000"/>
-              <a:lumOff val="90000"/>
-            </a:schemeClr>
+            <a:srgbClr val="FFFFFF">
+              <a:shade val="85000"/>
+            </a:srgbClr>
           </a:solidFill>
           <a:ln>
-            <a:solidFill>
-              <a:schemeClr val="bg1"/>
-            </a:solidFill>
+            <a:noFill/>
           </a:ln>
-        </p:spPr>
-        <p:style>
-          <a:lnRef idx="2">
-            <a:schemeClr val="accent1">
-              <a:shade val="50000"/>
-            </a:schemeClr>
-          </a:lnRef>
-          <a:fillRef idx="1">
-            <a:schemeClr val="accent1"/>
-          </a:fillRef>
-          <a:effectRef idx="0">
-            <a:schemeClr val="accent1"/>
-          </a:effectRef>
-          <a:fontRef idx="minor">
-            <a:schemeClr val="lt1"/>
-          </a:fontRef>
-        </p:style>
-        <p:txBody>
-          <a:bodyPr rtlCol="0" anchor="ctr"/>
-          <a:lstStyle/>
-          <a:p>
-            <a:pPr algn="ctr"/>
-            <a:endParaRPr lang="en-IN"/>
-          </a:p>
-        </p:txBody>
-      </p:sp>
-      <p:sp>
-        <p:nvSpPr>
-          <p:cNvPr id="8" name="TextBox 7"/>
-          <p:cNvSpPr txBox="1"/>
+          <a:effectLst>
+            <a:reflection blurRad="12700" stA="38000" endPos="28000" dist="5000" dir="5400000" sy="-100000" algn="bl" rotWithShape="0"/>
+          </a:effectLst>
+        </p:spPr>
+      </p:pic>
+      <p:pic>
+        <p:nvPicPr>
+          <p:cNvPr id="11" name="Picture 10"/>
+          <p:cNvPicPr>
+            <a:picLocks noChangeAspect="1"/>
+          </p:cNvPicPr>
           <p:nvPr/>
-        </p:nvSpPr>
+        </p:nvPicPr>
+        <p:blipFill>
+          <a:blip r:embed="rId4">
+            <a:extLst>
+              <a:ext uri="{28A0092B-C50C-407E-A947-70E740481C1C}">
+                <a14:useLocalDpi xmlns:a14="http://schemas.microsoft.com/office/drawing/2010/main" val="0"/>
+              </a:ext>
+            </a:extLst>
+          </a:blip>
+          <a:stretch>
+            <a:fillRect/>
+          </a:stretch>
+        </p:blipFill>
         <p:spPr>
           <a:xfrm>
-            <a:off x="490740" y="1874294"/>
-            <a:ext cx="761628" cy="761747"/>
-          </a:xfrm>
-          <a:prstGeom prst="rect">
-            <a:avLst/>
-          </a:prstGeom>
-          <a:noFill/>
-        </p:spPr>
-        <p:txBody>
-          <a:bodyPr wrap="square" rtlCol="0">
-            <a:spAutoFit/>
-          </a:bodyPr>
-          <a:lstStyle/>
-          <a:p>
-            <a:pPr algn="ctr"/>
-            <a:r>
-              <a:rPr lang="en-IN" sz="1050" dirty="0"/>
-              <a:t> </a:t>
-            </a:r>
-            <a:r>
-              <a:rPr lang="en-IN" sz="1050" b="1" dirty="0" smtClean="0"/>
-              <a:t>Database:</a:t>
-            </a:r>
-          </a:p>
-          <a:p>
-            <a:pPr algn="ctr"/>
-            <a:r>
-              <a:rPr lang="en-IN" sz="1050" b="1" dirty="0" smtClean="0">
-                <a:solidFill>
-                  <a:srgbClr val="FF0000"/>
-                </a:solidFill>
-              </a:rPr>
-              <a:t>27017</a:t>
-            </a:r>
-            <a:r>
-              <a:rPr lang="en-IN" sz="1050" dirty="0" smtClean="0"/>
-              <a:t> </a:t>
-            </a:r>
-            <a:endParaRPr lang="en-IN" sz="1050" dirty="0"/>
-          </a:p>
-          <a:p>
-            <a:endParaRPr lang="en-IN" sz="1200" dirty="0"/>
-          </a:p>
-        </p:txBody>
-      </p:sp>
-      <p:sp>
-        <p:nvSpPr>
-          <p:cNvPr id="9" name="Down Arrow 8"/>
-          <p:cNvSpPr/>
-          <p:nvPr/>
-        </p:nvSpPr>
-        <p:spPr>
-          <a:xfrm>
-            <a:off x="895720" y="2778193"/>
-            <a:ext cx="325316" cy="589353"/>
-          </a:xfrm>
-          <a:prstGeom prst="downArrow">
-            <a:avLst/>
+            <a:off x="3662988" y="3693288"/>
+            <a:ext cx="1396354" cy="742612"/>
+          </a:xfrm>
+          <a:prstGeom prst="roundRect">
+            <a:avLst>
+              <a:gd name="adj" fmla="val 8594"/>
+            </a:avLst>
           </a:prstGeom>
           <a:solidFill>
-            <a:schemeClr val="accent1">
-              <a:lumMod val="25000"/>
-              <a:lumOff val="75000"/>
-            </a:schemeClr>
-          </a:solidFill>
-        </p:spPr>
-        <p:style>
-          <a:lnRef idx="2">
-            <a:schemeClr val="accent1">
-              <a:shade val="50000"/>
-            </a:schemeClr>
-          </a:lnRef>
-          <a:fillRef idx="1">
-            <a:schemeClr val="accent1"/>
-          </a:fillRef>
-          <a:effectRef idx="0">
-            <a:schemeClr val="accent1"/>
-          </a:effectRef>
-          <a:fontRef idx="minor">
-            <a:schemeClr val="lt1"/>
-          </a:fontRef>
-        </p:style>
-        <p:txBody>
-          <a:bodyPr rtlCol="0" anchor="ctr"/>
-          <a:lstStyle/>
-          <a:p>
-            <a:pPr algn="ctr"/>
-            <a:endParaRPr lang="en-IN"/>
-          </a:p>
-        </p:txBody>
-      </p:sp>
-      <p:sp>
-        <p:nvSpPr>
-          <p:cNvPr id="10" name="Down Arrow 9"/>
-          <p:cNvSpPr/>
-          <p:nvPr/>
-        </p:nvSpPr>
-        <p:spPr>
-          <a:xfrm>
-            <a:off x="459408" y="2778194"/>
-            <a:ext cx="325316" cy="589353"/>
-          </a:xfrm>
-          <a:prstGeom prst="downArrow">
-            <a:avLst/>
-          </a:prstGeom>
-          <a:solidFill>
-            <a:schemeClr val="accent1">
-              <a:lumMod val="25000"/>
-              <a:lumOff val="75000"/>
-            </a:schemeClr>
-          </a:solidFill>
-        </p:spPr>
-        <p:style>
-          <a:lnRef idx="2">
-            <a:schemeClr val="accent1">
-              <a:shade val="50000"/>
-            </a:schemeClr>
-          </a:lnRef>
-          <a:fillRef idx="1">
-            <a:schemeClr val="accent1"/>
-          </a:fillRef>
-          <a:effectRef idx="0">
-            <a:schemeClr val="accent1"/>
-          </a:effectRef>
-          <a:fontRef idx="minor">
-            <a:schemeClr val="lt1"/>
-          </a:fontRef>
-        </p:style>
-        <p:txBody>
-          <a:bodyPr rtlCol="0" anchor="ctr"/>
-          <a:lstStyle/>
-          <a:p>
-            <a:pPr algn="ctr"/>
-            <a:endParaRPr lang="en-IN"/>
-          </a:p>
-        </p:txBody>
-      </p:sp>
-      <p:sp>
-        <p:nvSpPr>
-          <p:cNvPr id="11" name="Rectangle 10"/>
-          <p:cNvSpPr/>
-          <p:nvPr/>
-        </p:nvSpPr>
-        <p:spPr>
-          <a:xfrm>
-            <a:off x="238319" y="3463272"/>
-            <a:ext cx="4395227" cy="2840811"/>
-          </a:xfrm>
-          <a:prstGeom prst="rect">
-            <a:avLst/>
-          </a:prstGeom>
-          <a:solidFill>
-            <a:schemeClr val="accent1">
-              <a:lumMod val="10000"/>
-              <a:lumOff val="90000"/>
-            </a:schemeClr>
+            <a:srgbClr val="FFFFFF">
+              <a:shade val="85000"/>
+            </a:srgbClr>
           </a:solidFill>
           <a:ln>
-            <a:solidFill>
-              <a:schemeClr val="bg1"/>
-            </a:solidFill>
+            <a:noFill/>
           </a:ln>
-        </p:spPr>
-        <p:style>
-          <a:lnRef idx="2">
-            <a:schemeClr val="accent1">
-              <a:shade val="50000"/>
-            </a:schemeClr>
-          </a:lnRef>
-          <a:fillRef idx="1">
-            <a:schemeClr val="accent1"/>
-          </a:fillRef>
-          <a:effectRef idx="0">
-            <a:schemeClr val="accent1"/>
-          </a:effectRef>
-          <a:fontRef idx="minor">
-            <a:schemeClr val="lt1"/>
-          </a:fontRef>
-        </p:style>
-        <p:txBody>
-          <a:bodyPr rtlCol="0" anchor="ctr"/>
-          <a:lstStyle/>
-          <a:p>
-            <a:pPr algn="ctr"/>
-            <a:endParaRPr lang="en-IN">
-              <a:solidFill>
-                <a:schemeClr val="bg1"/>
-              </a:solidFill>
-            </a:endParaRPr>
-          </a:p>
-        </p:txBody>
-      </p:sp>
-      <p:sp>
-        <p:nvSpPr>
-          <p:cNvPr id="12" name="TextBox 11"/>
-          <p:cNvSpPr txBox="1"/>
+          <a:effectLst>
+            <a:reflection blurRad="12700" stA="38000" endPos="28000" dist="5000" dir="5400000" sy="-100000" algn="bl" rotWithShape="0"/>
+          </a:effectLst>
+        </p:spPr>
+      </p:pic>
+      <p:pic>
+        <p:nvPicPr>
+          <p:cNvPr id="12" name="Picture 11"/>
+          <p:cNvPicPr>
+            <a:picLocks noChangeAspect="1"/>
+          </p:cNvPicPr>
           <p:nvPr/>
-        </p:nvSpPr>
+        </p:nvPicPr>
+        <p:blipFill>
+          <a:blip r:embed="rId5">
+            <a:extLst>
+              <a:ext uri="{28A0092B-C50C-407E-A947-70E740481C1C}">
+                <a14:useLocalDpi xmlns:a14="http://schemas.microsoft.com/office/drawing/2010/main" val="0"/>
+              </a:ext>
+            </a:extLst>
+          </a:blip>
+          <a:stretch>
+            <a:fillRect/>
+          </a:stretch>
+        </p:blipFill>
         <p:spPr>
           <a:xfrm>
-            <a:off x="459408" y="3596054"/>
-            <a:ext cx="1395769" cy="538609"/>
-          </a:xfrm>
-          <a:prstGeom prst="rect">
-            <a:avLst/>
-          </a:prstGeom>
-          <a:noFill/>
-        </p:spPr>
-        <p:txBody>
-          <a:bodyPr wrap="square" rtlCol="0">
-            <a:spAutoFit/>
-          </a:bodyPr>
-          <a:lstStyle/>
-          <a:p>
-            <a:r>
-              <a:rPr lang="en-IN" sz="1100" b="1" dirty="0"/>
-              <a:t>Eureka Server : </a:t>
-            </a:r>
-            <a:r>
-              <a:rPr lang="en-IN" sz="1100" b="1" dirty="0">
-                <a:solidFill>
-                  <a:srgbClr val="FF0000"/>
-                </a:solidFill>
-              </a:rPr>
-              <a:t>8761</a:t>
-            </a:r>
-          </a:p>
-          <a:p>
-            <a:endParaRPr lang="en-IN" dirty="0"/>
-          </a:p>
-        </p:txBody>
-      </p:sp>
-      <p:sp>
-        <p:nvSpPr>
-          <p:cNvPr id="13" name="Rectangle 12"/>
-          <p:cNvSpPr/>
-          <p:nvPr/>
-        </p:nvSpPr>
-        <p:spPr>
-          <a:xfrm>
-            <a:off x="371403" y="3865358"/>
-            <a:ext cx="4129057" cy="2359596"/>
-          </a:xfrm>
-          <a:prstGeom prst="rect">
-            <a:avLst/>
+            <a:off x="5749390" y="3693288"/>
+            <a:ext cx="1396354" cy="742612"/>
+          </a:xfrm>
+          <a:prstGeom prst="roundRect">
+            <a:avLst>
+              <a:gd name="adj" fmla="val 8594"/>
+            </a:avLst>
           </a:prstGeom>
           <a:solidFill>
-            <a:schemeClr val="accent1">
-              <a:lumMod val="25000"/>
-              <a:lumOff val="75000"/>
-            </a:schemeClr>
+            <a:srgbClr val="FFFFFF">
+              <a:shade val="85000"/>
+            </a:srgbClr>
           </a:solidFill>
           <a:ln>
-            <a:solidFill>
-              <a:schemeClr val="bg1"/>
-            </a:solidFill>
+            <a:noFill/>
           </a:ln>
-        </p:spPr>
-        <p:style>
-          <a:lnRef idx="2">
-            <a:schemeClr val="accent1">
-              <a:shade val="50000"/>
-            </a:schemeClr>
-          </a:lnRef>
-          <a:fillRef idx="1">
-            <a:schemeClr val="accent1"/>
-          </a:fillRef>
-          <a:effectRef idx="0">
-            <a:schemeClr val="accent1"/>
-          </a:effectRef>
-          <a:fontRef idx="minor">
-            <a:schemeClr val="lt1"/>
-          </a:fontRef>
-        </p:style>
-        <p:txBody>
-          <a:bodyPr rtlCol="0" anchor="ctr"/>
-          <a:lstStyle/>
-          <a:p>
-            <a:pPr algn="ctr"/>
-            <a:endParaRPr lang="en-IN" sz="3200" dirty="0">
-              <a:solidFill>
-                <a:schemeClr val="accent1">
-                  <a:lumMod val="50000"/>
-                  <a:lumOff val="50000"/>
-                </a:schemeClr>
-              </a:solidFill>
-            </a:endParaRPr>
-          </a:p>
-        </p:txBody>
-      </p:sp>
-      <p:sp>
-        <p:nvSpPr>
-          <p:cNvPr id="14" name="Rectangle 13"/>
-          <p:cNvSpPr/>
+          <a:effectLst>
+            <a:reflection blurRad="12700" stA="38000" endPos="28000" dist="5000" dir="5400000" sy="-100000" algn="bl" rotWithShape="0"/>
+          </a:effectLst>
+        </p:spPr>
+      </p:pic>
+      <p:pic>
+        <p:nvPicPr>
+          <p:cNvPr id="13" name="Picture 12"/>
+          <p:cNvPicPr>
+            <a:picLocks noChangeAspect="1"/>
+          </p:cNvPicPr>
           <p:nvPr/>
-        </p:nvSpPr>
+        </p:nvPicPr>
+        <p:blipFill>
+          <a:blip r:embed="rId6">
+            <a:extLst>
+              <a:ext uri="{28A0092B-C50C-407E-A947-70E740481C1C}">
+                <a14:useLocalDpi xmlns:a14="http://schemas.microsoft.com/office/drawing/2010/main" val="0"/>
+              </a:ext>
+            </a:extLst>
+          </a:blip>
+          <a:stretch>
+            <a:fillRect/>
+          </a:stretch>
+        </p:blipFill>
         <p:spPr>
           <a:xfrm>
-            <a:off x="459408" y="3994139"/>
-            <a:ext cx="939128" cy="472498"/>
-          </a:xfrm>
-          <a:prstGeom prst="rect">
-            <a:avLst/>
+            <a:off x="5716195" y="5076154"/>
+            <a:ext cx="1462743" cy="742612"/>
+          </a:xfrm>
+          <a:prstGeom prst="roundRect">
+            <a:avLst>
+              <a:gd name="adj" fmla="val 8594"/>
+            </a:avLst>
           </a:prstGeom>
           <a:solidFill>
-            <a:schemeClr val="accent1">
-              <a:lumMod val="10000"/>
-              <a:lumOff val="90000"/>
-            </a:schemeClr>
+            <a:srgbClr val="FFFFFF">
+              <a:shade val="85000"/>
+            </a:srgbClr>
           </a:solidFill>
           <a:ln>
-            <a:solidFill>
-              <a:schemeClr val="bg1"/>
-            </a:solidFill>
+            <a:noFill/>
           </a:ln>
-        </p:spPr>
-        <p:style>
-          <a:lnRef idx="2">
-            <a:schemeClr val="accent1">
-              <a:shade val="50000"/>
-            </a:schemeClr>
-          </a:lnRef>
-          <a:fillRef idx="1">
-            <a:schemeClr val="accent1"/>
-          </a:fillRef>
-          <a:effectRef idx="0">
-            <a:schemeClr val="accent1"/>
-          </a:effectRef>
-          <a:fontRef idx="minor">
-            <a:schemeClr val="lt1"/>
-          </a:fontRef>
-        </p:style>
-        <p:txBody>
-          <a:bodyPr rtlCol="0" anchor="ctr"/>
-          <a:lstStyle/>
-          <a:p>
-            <a:pPr algn="ctr"/>
-            <a:endParaRPr lang="en-IN"/>
-          </a:p>
-        </p:txBody>
-      </p:sp>
-      <p:sp>
-        <p:nvSpPr>
-          <p:cNvPr id="15" name="TextBox 14"/>
-          <p:cNvSpPr txBox="1"/>
+          <a:effectLst>
+            <a:reflection blurRad="12700" stA="38000" endPos="28000" dist="5000" dir="5400000" sy="-100000" algn="bl" rotWithShape="0"/>
+          </a:effectLst>
+        </p:spPr>
+      </p:pic>
+      <p:pic>
+        <p:nvPicPr>
+          <p:cNvPr id="14" name="Picture 13"/>
+          <p:cNvPicPr>
+            <a:picLocks noChangeAspect="1"/>
+          </p:cNvPicPr>
           <p:nvPr/>
-        </p:nvSpPr>
+        </p:nvPicPr>
+        <p:blipFill>
+          <a:blip r:embed="rId7">
+            <a:extLst>
+              <a:ext uri="{28A0092B-C50C-407E-A947-70E740481C1C}">
+                <a14:useLocalDpi xmlns:a14="http://schemas.microsoft.com/office/drawing/2010/main" val="0"/>
+              </a:ext>
+            </a:extLst>
+          </a:blip>
+          <a:stretch>
+            <a:fillRect/>
+          </a:stretch>
+        </p:blipFill>
         <p:spPr>
           <a:xfrm>
-            <a:off x="547868" y="4044272"/>
-            <a:ext cx="728666" cy="415498"/>
-          </a:xfrm>
-          <a:prstGeom prst="rect">
-            <a:avLst/>
-          </a:prstGeom>
-          <a:noFill/>
-        </p:spPr>
-        <p:txBody>
-          <a:bodyPr wrap="square" rtlCol="0">
-            <a:spAutoFit/>
-          </a:bodyPr>
-          <a:lstStyle/>
-          <a:p>
-            <a:pPr algn="ctr"/>
-            <a:r>
-              <a:rPr lang="en-IN" sz="1050" b="1" dirty="0" smtClean="0"/>
-              <a:t>Service 1:</a:t>
-            </a:r>
-            <a:r>
-              <a:rPr lang="en-IN" sz="1050" dirty="0" smtClean="0"/>
-              <a:t> </a:t>
-            </a:r>
-            <a:r>
-              <a:rPr lang="en-IN" sz="1050" b="1" dirty="0" smtClean="0">
-                <a:solidFill>
-                  <a:schemeClr val="accent1">
-                    <a:lumMod val="75000"/>
-                    <a:lumOff val="25000"/>
-                  </a:schemeClr>
-                </a:solidFill>
-              </a:rPr>
-              <a:t>9995</a:t>
-            </a:r>
-            <a:endParaRPr lang="en-IN" sz="1050" b="1" dirty="0">
-              <a:solidFill>
-                <a:schemeClr val="accent1">
-                  <a:lumMod val="75000"/>
-                  <a:lumOff val="25000"/>
-                </a:schemeClr>
-              </a:solidFill>
-            </a:endParaRPr>
-          </a:p>
-        </p:txBody>
-      </p:sp>
-      <p:sp>
-        <p:nvSpPr>
-          <p:cNvPr id="16" name="Rectangle 15"/>
-          <p:cNvSpPr/>
-          <p:nvPr/>
-        </p:nvSpPr>
-        <p:spPr>
-          <a:xfrm>
-            <a:off x="1698707" y="5292942"/>
-            <a:ext cx="939128" cy="472498"/>
-          </a:xfrm>
-          <a:prstGeom prst="rect">
-            <a:avLst/>
+            <a:off x="3662988" y="5076154"/>
+            <a:ext cx="1444241" cy="742612"/>
+          </a:xfrm>
+          <a:prstGeom prst="roundRect">
+            <a:avLst>
+              <a:gd name="adj" fmla="val 8594"/>
+            </a:avLst>
           </a:prstGeom>
           <a:solidFill>
-            <a:schemeClr val="accent1">
-              <a:lumMod val="10000"/>
-              <a:lumOff val="90000"/>
-            </a:schemeClr>
+            <a:srgbClr val="FFFFFF">
+              <a:shade val="85000"/>
+            </a:srgbClr>
           </a:solidFill>
           <a:ln>
-            <a:solidFill>
-              <a:schemeClr val="bg1"/>
-            </a:solidFill>
+            <a:noFill/>
           </a:ln>
-        </p:spPr>
-        <p:style>
-          <a:lnRef idx="2">
-            <a:schemeClr val="accent1">
-              <a:shade val="50000"/>
-            </a:schemeClr>
-          </a:lnRef>
-          <a:fillRef idx="1">
-            <a:schemeClr val="accent1"/>
-          </a:fillRef>
-          <a:effectRef idx="0">
-            <a:schemeClr val="accent1"/>
-          </a:effectRef>
-          <a:fontRef idx="minor">
-            <a:schemeClr val="lt1"/>
-          </a:fontRef>
-        </p:style>
-        <p:txBody>
-          <a:bodyPr rtlCol="0" anchor="ctr"/>
-          <a:lstStyle/>
-          <a:p>
-            <a:pPr algn="ctr"/>
-            <a:endParaRPr lang="en-IN"/>
-          </a:p>
-        </p:txBody>
-      </p:sp>
-      <p:sp>
-        <p:nvSpPr>
-          <p:cNvPr id="17" name="Rectangle 16"/>
-          <p:cNvSpPr/>
+          <a:effectLst>
+            <a:reflection blurRad="12700" stA="38000" endPos="28000" dist="5000" dir="5400000" sy="-100000" algn="bl" rotWithShape="0"/>
+          </a:effectLst>
+        </p:spPr>
+      </p:pic>
+      <p:pic>
+        <p:nvPicPr>
+          <p:cNvPr id="15" name="Picture 14"/>
+          <p:cNvPicPr>
+            <a:picLocks noChangeAspect="1"/>
+          </p:cNvPicPr>
           <p:nvPr/>
-        </p:nvSpPr>
+        </p:nvPicPr>
+        <p:blipFill>
+          <a:blip r:embed="rId8">
+            <a:extLst>
+              <a:ext uri="{28A0092B-C50C-407E-A947-70E740481C1C}">
+                <a14:useLocalDpi xmlns:a14="http://schemas.microsoft.com/office/drawing/2010/main" val="0"/>
+              </a:ext>
+            </a:extLst>
+          </a:blip>
+          <a:stretch>
+            <a:fillRect/>
+          </a:stretch>
+        </p:blipFill>
         <p:spPr>
           <a:xfrm>
-            <a:off x="458123" y="5292942"/>
-            <a:ext cx="939128" cy="472498"/>
-          </a:xfrm>
-          <a:prstGeom prst="rect">
-            <a:avLst/>
+            <a:off x="5749390" y="2285384"/>
+            <a:ext cx="1444241" cy="742612"/>
+          </a:xfrm>
+          <a:prstGeom prst="roundRect">
+            <a:avLst>
+              <a:gd name="adj" fmla="val 8594"/>
+            </a:avLst>
           </a:prstGeom>
           <a:solidFill>
-            <a:schemeClr val="accent1">
-              <a:lumMod val="10000"/>
-              <a:lumOff val="90000"/>
-            </a:schemeClr>
+            <a:srgbClr val="FFFFFF">
+              <a:shade val="85000"/>
+            </a:srgbClr>
           </a:solidFill>
           <a:ln>
-            <a:solidFill>
-              <a:schemeClr val="bg1"/>
-            </a:solidFill>
+            <a:noFill/>
           </a:ln>
-        </p:spPr>
-        <p:style>
-          <a:lnRef idx="2">
-            <a:schemeClr val="accent1">
-              <a:shade val="50000"/>
-            </a:schemeClr>
-          </a:lnRef>
-          <a:fillRef idx="1">
-            <a:schemeClr val="accent1"/>
-          </a:fillRef>
-          <a:effectRef idx="0">
-            <a:schemeClr val="accent1"/>
-          </a:effectRef>
-          <a:fontRef idx="minor">
-            <a:schemeClr val="lt1"/>
-          </a:fontRef>
-        </p:style>
-        <p:txBody>
-          <a:bodyPr rtlCol="0" anchor="ctr"/>
-          <a:lstStyle/>
-          <a:p>
-            <a:pPr algn="ctr"/>
-            <a:endParaRPr lang="en-IN"/>
-          </a:p>
-        </p:txBody>
-      </p:sp>
-      <p:sp>
-        <p:nvSpPr>
-          <p:cNvPr id="18" name="Rectangle 17"/>
-          <p:cNvSpPr/>
+          <a:effectLst>
+            <a:reflection blurRad="12700" stA="38000" endPos="28000" dist="5000" dir="5400000" sy="-100000" algn="bl" rotWithShape="0"/>
+          </a:effectLst>
+        </p:spPr>
+      </p:pic>
+      <p:pic>
+        <p:nvPicPr>
+          <p:cNvPr id="5" name="Picture 4"/>
+          <p:cNvPicPr>
+            <a:picLocks noChangeAspect="1"/>
+          </p:cNvPicPr>
           <p:nvPr/>
-        </p:nvSpPr>
+        </p:nvPicPr>
+        <p:blipFill>
+          <a:blip r:embed="rId9">
+            <a:extLst>
+              <a:ext uri="{28A0092B-C50C-407E-A947-70E740481C1C}">
+                <a14:useLocalDpi xmlns:a14="http://schemas.microsoft.com/office/drawing/2010/main" val="0"/>
+              </a:ext>
+            </a:extLst>
+          </a:blip>
+          <a:stretch>
+            <a:fillRect/>
+          </a:stretch>
+        </p:blipFill>
         <p:spPr>
           <a:xfrm>
-            <a:off x="1689786" y="3994139"/>
-            <a:ext cx="939128" cy="472498"/>
-          </a:xfrm>
-          <a:prstGeom prst="rect">
-            <a:avLst/>
+            <a:off x="1493418" y="3682151"/>
+            <a:ext cx="1442576" cy="739848"/>
+          </a:xfrm>
+          <a:prstGeom prst="roundRect">
+            <a:avLst>
+              <a:gd name="adj" fmla="val 8594"/>
+            </a:avLst>
           </a:prstGeom>
           <a:solidFill>
-            <a:schemeClr val="accent1">
-              <a:lumMod val="10000"/>
-              <a:lumOff val="90000"/>
-            </a:schemeClr>
+            <a:srgbClr val="FFFFFF">
+              <a:shade val="85000"/>
+            </a:srgbClr>
           </a:solidFill>
           <a:ln>
-            <a:solidFill>
-              <a:schemeClr val="bg1"/>
-            </a:solidFill>
+            <a:noFill/>
           </a:ln>
-        </p:spPr>
-        <p:style>
-          <a:lnRef idx="2">
-            <a:schemeClr val="accent1">
-              <a:shade val="50000"/>
-            </a:schemeClr>
-          </a:lnRef>
-          <a:fillRef idx="1">
-            <a:schemeClr val="accent1"/>
-          </a:fillRef>
-          <a:effectRef idx="0">
-            <a:schemeClr val="accent1"/>
-          </a:effectRef>
-          <a:fontRef idx="minor">
-            <a:schemeClr val="lt1"/>
-          </a:fontRef>
-        </p:style>
-        <p:txBody>
-          <a:bodyPr rtlCol="0" anchor="ctr"/>
-          <a:lstStyle/>
-          <a:p>
-            <a:pPr algn="ctr"/>
-            <a:endParaRPr lang="en-IN"/>
-          </a:p>
-        </p:txBody>
-      </p:sp>
-      <p:sp>
-        <p:nvSpPr>
-          <p:cNvPr id="19" name="Rectangle 18"/>
-          <p:cNvSpPr/>
+          <a:effectLst>
+            <a:reflection blurRad="12700" stA="38000" endPos="28000" dist="5000" dir="5400000" sy="-100000" algn="bl" rotWithShape="0"/>
+          </a:effectLst>
+        </p:spPr>
+      </p:pic>
+      <p:pic>
+        <p:nvPicPr>
+          <p:cNvPr id="6" name="Picture 5"/>
+          <p:cNvPicPr>
+            <a:picLocks noChangeAspect="1"/>
+          </p:cNvPicPr>
           <p:nvPr/>
-        </p:nvSpPr>
+        </p:nvPicPr>
+        <p:blipFill>
+          <a:blip r:embed="rId10">
+            <a:extLst>
+              <a:ext uri="{28A0092B-C50C-407E-A947-70E740481C1C}">
+                <a14:useLocalDpi xmlns:a14="http://schemas.microsoft.com/office/drawing/2010/main" val="0"/>
+              </a:ext>
+            </a:extLst>
+          </a:blip>
+          <a:stretch>
+            <a:fillRect/>
+          </a:stretch>
+        </p:blipFill>
         <p:spPr>
           <a:xfrm>
-            <a:off x="1076116" y="4639220"/>
-            <a:ext cx="939128" cy="472498"/>
-          </a:xfrm>
-          <a:prstGeom prst="rect">
-            <a:avLst/>
+            <a:off x="1493418" y="2287002"/>
+            <a:ext cx="1479522" cy="740994"/>
+          </a:xfrm>
+          <a:prstGeom prst="roundRect">
+            <a:avLst>
+              <a:gd name="adj" fmla="val 8594"/>
+            </a:avLst>
           </a:prstGeom>
           <a:solidFill>
-            <a:schemeClr val="accent1">
-              <a:lumMod val="10000"/>
-              <a:lumOff val="90000"/>
-            </a:schemeClr>
+            <a:srgbClr val="FFFFFF">
+              <a:shade val="85000"/>
+            </a:srgbClr>
           </a:solidFill>
           <a:ln>
-            <a:solidFill>
-              <a:schemeClr val="bg1"/>
-            </a:solidFill>
+            <a:noFill/>
           </a:ln>
-        </p:spPr>
-        <p:style>
-          <a:lnRef idx="2">
-            <a:schemeClr val="accent1">
-              <a:shade val="50000"/>
-            </a:schemeClr>
-          </a:lnRef>
-          <a:fillRef idx="1">
-            <a:schemeClr val="accent1"/>
-          </a:fillRef>
-          <a:effectRef idx="0">
-            <a:schemeClr val="accent1"/>
-          </a:effectRef>
-          <a:fontRef idx="minor">
-            <a:schemeClr val="lt1"/>
-          </a:fontRef>
-        </p:style>
-        <p:txBody>
-          <a:bodyPr rtlCol="0" anchor="ctr"/>
-          <a:lstStyle/>
-          <a:p>
-            <a:pPr algn="ctr"/>
-            <a:endParaRPr lang="en-IN"/>
-          </a:p>
-        </p:txBody>
-      </p:sp>
-      <p:sp>
-        <p:nvSpPr>
-          <p:cNvPr id="20" name="TextBox 19"/>
-          <p:cNvSpPr txBox="1"/>
+          <a:effectLst>
+            <a:reflection blurRad="12700" stA="38000" endPos="28000" dist="5000" dir="5400000" sy="-100000" algn="bl" rotWithShape="0"/>
+          </a:effectLst>
+        </p:spPr>
+      </p:pic>
+      <p:pic>
+        <p:nvPicPr>
+          <p:cNvPr id="2" name="Picture 1"/>
+          <p:cNvPicPr>
+            <a:picLocks noChangeAspect="1"/>
+          </p:cNvPicPr>
           <p:nvPr/>
-        </p:nvSpPr>
-        <p:spPr>
-          <a:xfrm>
-            <a:off x="1806595" y="4029084"/>
-            <a:ext cx="739750" cy="577081"/>
-          </a:xfrm>
-          <a:prstGeom prst="rect">
-            <a:avLst/>
-          </a:prstGeom>
-          <a:noFill/>
-        </p:spPr>
-        <p:txBody>
-          <a:bodyPr wrap="square" rtlCol="0">
-            <a:spAutoFit/>
-          </a:bodyPr>
-          <a:lstStyle/>
-          <a:p>
-            <a:pPr algn="ctr"/>
-            <a:r>
-              <a:rPr lang="en-IN" sz="1050" b="1" dirty="0"/>
-              <a:t>Service </a:t>
-            </a:r>
-            <a:r>
-              <a:rPr lang="en-IN" sz="1050" b="1" dirty="0" smtClean="0"/>
-              <a:t>2: </a:t>
-            </a:r>
-            <a:r>
-              <a:rPr lang="en-IN" sz="1050" b="1" dirty="0" smtClean="0">
-                <a:solidFill>
-                  <a:schemeClr val="accent1">
-                    <a:lumMod val="75000"/>
-                    <a:lumOff val="25000"/>
-                  </a:schemeClr>
-                </a:solidFill>
-              </a:rPr>
-              <a:t>8095</a:t>
-            </a:r>
-            <a:endParaRPr lang="en-IN" sz="1050" b="1" dirty="0">
-              <a:solidFill>
-                <a:schemeClr val="accent1">
-                  <a:lumMod val="75000"/>
-                  <a:lumOff val="25000"/>
-                </a:schemeClr>
-              </a:solidFill>
-            </a:endParaRPr>
-          </a:p>
-          <a:p>
-            <a:endParaRPr lang="en-IN" sz="1050" dirty="0"/>
-          </a:p>
-        </p:txBody>
-      </p:sp>
-      <p:sp>
-        <p:nvSpPr>
-          <p:cNvPr id="21" name="TextBox 20"/>
-          <p:cNvSpPr txBox="1"/>
-          <p:nvPr/>
-        </p:nvSpPr>
-        <p:spPr>
-          <a:xfrm>
-            <a:off x="1138849" y="4695862"/>
-            <a:ext cx="860744" cy="577081"/>
-          </a:xfrm>
-          <a:prstGeom prst="rect">
-            <a:avLst/>
-          </a:prstGeom>
-          <a:noFill/>
-        </p:spPr>
-        <p:txBody>
-          <a:bodyPr wrap="square" rtlCol="0">
-            <a:spAutoFit/>
-          </a:bodyPr>
-          <a:lstStyle/>
-          <a:p>
-            <a:pPr algn="ctr"/>
-            <a:r>
-              <a:rPr lang="en-IN" sz="1050" b="1" dirty="0"/>
-              <a:t>Service </a:t>
-            </a:r>
-            <a:r>
-              <a:rPr lang="en-IN" sz="1050" b="1" dirty="0" smtClean="0"/>
-              <a:t>3: </a:t>
-            </a:r>
-            <a:r>
-              <a:rPr lang="en-IN" sz="1050" b="1" dirty="0" smtClean="0">
-                <a:solidFill>
-                  <a:schemeClr val="accent1">
-                    <a:lumMod val="75000"/>
-                    <a:lumOff val="25000"/>
-                  </a:schemeClr>
-                </a:solidFill>
-              </a:rPr>
-              <a:t>9996</a:t>
-            </a:r>
-            <a:endParaRPr lang="en-IN" sz="1050" b="1" dirty="0">
-              <a:solidFill>
-                <a:schemeClr val="accent1">
-                  <a:lumMod val="75000"/>
-                  <a:lumOff val="25000"/>
-                </a:schemeClr>
-              </a:solidFill>
-            </a:endParaRPr>
-          </a:p>
-          <a:p>
-            <a:endParaRPr lang="en-IN" sz="1050" dirty="0"/>
-          </a:p>
-        </p:txBody>
-      </p:sp>
-      <p:sp>
-        <p:nvSpPr>
-          <p:cNvPr id="22" name="TextBox 21"/>
-          <p:cNvSpPr txBox="1"/>
-          <p:nvPr/>
-        </p:nvSpPr>
-        <p:spPr>
-          <a:xfrm>
-            <a:off x="514906" y="5357661"/>
-            <a:ext cx="831968" cy="577081"/>
-          </a:xfrm>
-          <a:prstGeom prst="rect">
-            <a:avLst/>
-          </a:prstGeom>
-          <a:noFill/>
-        </p:spPr>
-        <p:txBody>
-          <a:bodyPr wrap="square" rtlCol="0">
-            <a:spAutoFit/>
-          </a:bodyPr>
-          <a:lstStyle/>
-          <a:p>
-            <a:pPr algn="ctr"/>
-            <a:r>
-              <a:rPr lang="en-IN" sz="1050" b="1" dirty="0"/>
-              <a:t>Service 4</a:t>
-            </a:r>
-            <a:r>
-              <a:rPr lang="en-IN" sz="1050" b="1" dirty="0" smtClean="0"/>
-              <a:t>: </a:t>
-            </a:r>
-            <a:r>
-              <a:rPr lang="en-IN" sz="1050" b="1" dirty="0" smtClean="0">
-                <a:solidFill>
-                  <a:schemeClr val="accent1">
-                    <a:lumMod val="75000"/>
-                    <a:lumOff val="25000"/>
-                  </a:schemeClr>
-                </a:solidFill>
-              </a:rPr>
-              <a:t>8091</a:t>
-            </a:r>
-            <a:endParaRPr lang="en-IN" sz="1050" b="1" dirty="0">
-              <a:solidFill>
-                <a:schemeClr val="accent1">
-                  <a:lumMod val="75000"/>
-                  <a:lumOff val="25000"/>
-                </a:schemeClr>
-              </a:solidFill>
-            </a:endParaRPr>
-          </a:p>
-          <a:p>
-            <a:endParaRPr lang="en-IN" sz="1050" dirty="0"/>
-          </a:p>
-        </p:txBody>
-      </p:sp>
-      <p:sp>
-        <p:nvSpPr>
-          <p:cNvPr id="23" name="TextBox 22"/>
-          <p:cNvSpPr txBox="1"/>
-          <p:nvPr/>
-        </p:nvSpPr>
-        <p:spPr>
-          <a:xfrm>
-            <a:off x="1751222" y="5330461"/>
-            <a:ext cx="834097" cy="577081"/>
-          </a:xfrm>
-          <a:prstGeom prst="rect">
-            <a:avLst/>
-          </a:prstGeom>
-          <a:noFill/>
-        </p:spPr>
-        <p:txBody>
-          <a:bodyPr wrap="square" rtlCol="0">
-            <a:spAutoFit/>
-          </a:bodyPr>
-          <a:lstStyle/>
-          <a:p>
-            <a:pPr algn="ctr"/>
-            <a:r>
-              <a:rPr lang="en-IN" sz="1050" b="1" dirty="0"/>
-              <a:t>Service </a:t>
-            </a:r>
-            <a:r>
-              <a:rPr lang="en-IN" sz="1050" b="1" dirty="0" smtClean="0"/>
-              <a:t>5:</a:t>
-            </a:r>
-            <a:r>
-              <a:rPr lang="en-IN" sz="1050" dirty="0" smtClean="0"/>
-              <a:t> </a:t>
-            </a:r>
-            <a:r>
-              <a:rPr lang="en-IN" sz="1050" b="1" dirty="0" smtClean="0">
-                <a:solidFill>
-                  <a:schemeClr val="accent1">
-                    <a:lumMod val="75000"/>
-                    <a:lumOff val="25000"/>
-                  </a:schemeClr>
-                </a:solidFill>
-              </a:rPr>
-              <a:t>8093</a:t>
-            </a:r>
-            <a:endParaRPr lang="en-IN" sz="1050" b="1" dirty="0">
-              <a:solidFill>
-                <a:schemeClr val="accent1">
-                  <a:lumMod val="75000"/>
-                  <a:lumOff val="25000"/>
-                </a:schemeClr>
-              </a:solidFill>
-            </a:endParaRPr>
-          </a:p>
-          <a:p>
-            <a:pPr algn="ctr"/>
-            <a:endParaRPr lang="en-IN" sz="1050" dirty="0"/>
-          </a:p>
-        </p:txBody>
-      </p:sp>
-      <p:sp>
-        <p:nvSpPr>
-          <p:cNvPr id="24" name="Rectangle 23"/>
-          <p:cNvSpPr/>
-          <p:nvPr/>
-        </p:nvSpPr>
-        <p:spPr>
-          <a:xfrm>
-            <a:off x="3164236" y="4459770"/>
-            <a:ext cx="1108190" cy="992360"/>
-          </a:xfrm>
-          <a:prstGeom prst="rect">
-            <a:avLst/>
+        </p:nvPicPr>
+        <p:blipFill>
+          <a:blip r:embed="rId11">
+            <a:extLst>
+              <a:ext uri="{28A0092B-C50C-407E-A947-70E740481C1C}">
+                <a14:useLocalDpi xmlns:a14="http://schemas.microsoft.com/office/drawing/2010/main" val="0"/>
+              </a:ext>
+            </a:extLst>
+          </a:blip>
+          <a:stretch>
+            <a:fillRect/>
+          </a:stretch>
+        </p:blipFill>
+        <p:spPr>
+          <a:xfrm rot="10800000" flipH="1" flipV="1">
+            <a:off x="1510197" y="5076154"/>
+            <a:ext cx="1462743" cy="774820"/>
+          </a:xfrm>
+          <a:prstGeom prst="roundRect">
+            <a:avLst>
+              <a:gd name="adj" fmla="val 8594"/>
+            </a:avLst>
           </a:prstGeom>
           <a:solidFill>
-            <a:schemeClr val="accent1">
-              <a:lumMod val="10000"/>
-              <a:lumOff val="90000"/>
-            </a:schemeClr>
+            <a:srgbClr val="FFFFFF">
+              <a:shade val="85000"/>
+            </a:srgbClr>
           </a:solidFill>
           <a:ln>
-            <a:solidFill>
-              <a:schemeClr val="bg1"/>
-            </a:solidFill>
+            <a:noFill/>
           </a:ln>
-        </p:spPr>
-        <p:style>
-          <a:lnRef idx="2">
-            <a:schemeClr val="accent1">
-              <a:shade val="50000"/>
-            </a:schemeClr>
-          </a:lnRef>
-          <a:fillRef idx="1">
-            <a:schemeClr val="accent1"/>
-          </a:fillRef>
-          <a:effectRef idx="0">
-            <a:schemeClr val="accent1"/>
-          </a:effectRef>
-          <a:fontRef idx="minor">
-            <a:schemeClr val="lt1"/>
-          </a:fontRef>
-        </p:style>
-        <p:txBody>
-          <a:bodyPr rtlCol="0" anchor="ctr"/>
-          <a:lstStyle/>
-          <a:p>
-            <a:pPr algn="ctr"/>
-            <a:endParaRPr lang="en-IN" dirty="0">
-              <a:solidFill>
-                <a:schemeClr val="accent1">
-                  <a:lumMod val="50000"/>
-                  <a:lumOff val="50000"/>
-                </a:schemeClr>
-              </a:solidFill>
-            </a:endParaRPr>
-          </a:p>
-        </p:txBody>
-      </p:sp>
-      <p:sp>
-        <p:nvSpPr>
-          <p:cNvPr id="25" name="TextBox 24"/>
-          <p:cNvSpPr txBox="1"/>
-          <p:nvPr/>
-        </p:nvSpPr>
-        <p:spPr>
-          <a:xfrm>
-            <a:off x="1736436" y="5882595"/>
-            <a:ext cx="1859475" cy="276999"/>
-          </a:xfrm>
-          <a:prstGeom prst="rect">
-            <a:avLst/>
-          </a:prstGeom>
-          <a:noFill/>
-        </p:spPr>
-        <p:txBody>
-          <a:bodyPr wrap="square" rtlCol="0">
-            <a:spAutoFit/>
-          </a:bodyPr>
-          <a:lstStyle/>
-          <a:p>
-            <a:pPr algn="ctr"/>
-            <a:r>
-              <a:rPr lang="en-IN" sz="1200" b="1" dirty="0" smtClean="0"/>
-              <a:t>Micro-Services</a:t>
-            </a:r>
-            <a:endParaRPr lang="en-IN" sz="1200" b="1" dirty="0"/>
-          </a:p>
-        </p:txBody>
-      </p:sp>
-      <p:sp>
-        <p:nvSpPr>
-          <p:cNvPr id="26" name="TextBox 25"/>
-          <p:cNvSpPr txBox="1"/>
-          <p:nvPr/>
-        </p:nvSpPr>
-        <p:spPr>
-          <a:xfrm>
-            <a:off x="3285133" y="4646611"/>
-            <a:ext cx="844258" cy="646331"/>
-          </a:xfrm>
-          <a:prstGeom prst="rect">
-            <a:avLst/>
-          </a:prstGeom>
-          <a:noFill/>
-        </p:spPr>
-        <p:txBody>
-          <a:bodyPr wrap="square" rtlCol="0">
-            <a:spAutoFit/>
-          </a:bodyPr>
-          <a:lstStyle/>
-          <a:p>
-            <a:pPr algn="ctr"/>
-            <a:r>
-              <a:rPr lang="en-IN" dirty="0" smtClean="0"/>
-              <a:t>Kafka:</a:t>
-            </a:r>
-          </a:p>
-          <a:p>
-            <a:pPr algn="ctr"/>
-            <a:r>
-              <a:rPr lang="en-IN" b="1" dirty="0" smtClean="0">
-                <a:solidFill>
-                  <a:srgbClr val="FF0000"/>
-                </a:solidFill>
-              </a:rPr>
-              <a:t>9092</a:t>
-            </a:r>
-            <a:endParaRPr lang="en-IN" b="1" dirty="0">
-              <a:solidFill>
-                <a:srgbClr val="FF0000"/>
-              </a:solidFill>
-            </a:endParaRPr>
-          </a:p>
-        </p:txBody>
-      </p:sp>
-      <p:sp>
-        <p:nvSpPr>
-          <p:cNvPr id="27" name="Plus 26"/>
-          <p:cNvSpPr/>
-          <p:nvPr/>
-        </p:nvSpPr>
-        <p:spPr>
-          <a:xfrm>
-            <a:off x="2585319" y="4685209"/>
-            <a:ext cx="422030" cy="434662"/>
-          </a:xfrm>
-          <a:prstGeom prst="mathPlus">
-            <a:avLst/>
-          </a:prstGeom>
-          <a:solidFill>
-            <a:schemeClr val="accent1">
-              <a:lumMod val="10000"/>
-              <a:lumOff val="90000"/>
-            </a:schemeClr>
-          </a:solidFill>
-        </p:spPr>
-        <p:style>
-          <a:lnRef idx="2">
-            <a:schemeClr val="accent1">
-              <a:shade val="50000"/>
-            </a:schemeClr>
-          </a:lnRef>
-          <a:fillRef idx="1">
-            <a:schemeClr val="accent1"/>
-          </a:fillRef>
-          <a:effectRef idx="0">
-            <a:schemeClr val="accent1"/>
-          </a:effectRef>
-          <a:fontRef idx="minor">
-            <a:schemeClr val="lt1"/>
-          </a:fontRef>
-        </p:style>
-        <p:txBody>
-          <a:bodyPr rtlCol="0" anchor="ctr"/>
-          <a:lstStyle/>
-          <a:p>
-            <a:pPr algn="ctr"/>
-            <a:endParaRPr lang="en-IN"/>
-          </a:p>
-        </p:txBody>
-      </p:sp>
-      <p:sp>
-        <p:nvSpPr>
-          <p:cNvPr id="28" name="Right Arrow 27"/>
-          <p:cNvSpPr/>
-          <p:nvPr/>
-        </p:nvSpPr>
-        <p:spPr>
-          <a:xfrm>
-            <a:off x="4774036" y="4187123"/>
-            <a:ext cx="1978456" cy="452097"/>
-          </a:xfrm>
-          <a:prstGeom prst="rightArrow">
-            <a:avLst/>
-          </a:prstGeom>
-          <a:solidFill>
-            <a:schemeClr val="accent1">
-              <a:lumMod val="25000"/>
-              <a:lumOff val="75000"/>
-            </a:schemeClr>
-          </a:solidFill>
-        </p:spPr>
-        <p:style>
-          <a:lnRef idx="2">
-            <a:schemeClr val="accent1">
-              <a:shade val="50000"/>
-            </a:schemeClr>
-          </a:lnRef>
-          <a:fillRef idx="1">
-            <a:schemeClr val="accent1"/>
-          </a:fillRef>
-          <a:effectRef idx="0">
-            <a:schemeClr val="accent1"/>
-          </a:effectRef>
-          <a:fontRef idx="minor">
-            <a:schemeClr val="lt1"/>
-          </a:fontRef>
-        </p:style>
-        <p:txBody>
-          <a:bodyPr rtlCol="0" anchor="ctr"/>
-          <a:lstStyle/>
-          <a:p>
-            <a:pPr algn="ctr"/>
-            <a:endParaRPr lang="en-IN"/>
-          </a:p>
-        </p:txBody>
-      </p:sp>
-      <p:sp>
-        <p:nvSpPr>
-          <p:cNvPr id="29" name="Right Arrow 28"/>
-          <p:cNvSpPr/>
-          <p:nvPr/>
-        </p:nvSpPr>
-        <p:spPr>
-          <a:xfrm rot="10800000">
-            <a:off x="4790433" y="5104412"/>
-            <a:ext cx="1962059" cy="452097"/>
-          </a:xfrm>
-          <a:prstGeom prst="rightArrow">
-            <a:avLst/>
-          </a:prstGeom>
-          <a:solidFill>
-            <a:schemeClr val="accent1">
-              <a:lumMod val="25000"/>
-              <a:lumOff val="75000"/>
-            </a:schemeClr>
-          </a:solidFill>
-        </p:spPr>
-        <p:style>
-          <a:lnRef idx="2">
-            <a:schemeClr val="accent1">
-              <a:shade val="50000"/>
-            </a:schemeClr>
-          </a:lnRef>
-          <a:fillRef idx="1">
-            <a:schemeClr val="accent1"/>
-          </a:fillRef>
-          <a:effectRef idx="0">
-            <a:schemeClr val="accent1"/>
-          </a:effectRef>
-          <a:fontRef idx="minor">
-            <a:schemeClr val="lt1"/>
-          </a:fontRef>
-        </p:style>
-        <p:txBody>
-          <a:bodyPr rtlCol="0" anchor="ctr"/>
-          <a:lstStyle/>
-          <a:p>
-            <a:pPr algn="ctr"/>
-            <a:endParaRPr lang="en-IN"/>
-          </a:p>
-        </p:txBody>
-      </p:sp>
-      <p:sp>
-        <p:nvSpPr>
-          <p:cNvPr id="30" name="Rectangle 29"/>
-          <p:cNvSpPr/>
-          <p:nvPr/>
-        </p:nvSpPr>
-        <p:spPr>
-          <a:xfrm>
-            <a:off x="6981092" y="3367546"/>
-            <a:ext cx="3604846" cy="3077216"/>
-          </a:xfrm>
-          <a:prstGeom prst="rect">
-            <a:avLst/>
-          </a:prstGeom>
-          <a:solidFill>
-            <a:schemeClr val="accent1">
-              <a:lumMod val="25000"/>
-              <a:lumOff val="75000"/>
-            </a:schemeClr>
-          </a:solidFill>
-          <a:ln>
-            <a:solidFill>
-              <a:schemeClr val="bg1"/>
-            </a:solidFill>
-          </a:ln>
-        </p:spPr>
-        <p:style>
-          <a:lnRef idx="2">
-            <a:schemeClr val="accent1">
-              <a:shade val="50000"/>
-            </a:schemeClr>
-          </a:lnRef>
-          <a:fillRef idx="1">
-            <a:schemeClr val="accent1"/>
-          </a:fillRef>
-          <a:effectRef idx="0">
-            <a:schemeClr val="accent1"/>
-          </a:effectRef>
-          <a:fontRef idx="minor">
-            <a:schemeClr val="lt1"/>
-          </a:fontRef>
-        </p:style>
-        <p:txBody>
-          <a:bodyPr rtlCol="0" anchor="ctr"/>
-          <a:lstStyle/>
-          <a:p>
-            <a:pPr algn="ctr"/>
-            <a:endParaRPr lang="en-IN">
-              <a:solidFill>
-                <a:schemeClr val="bg1"/>
-              </a:solidFill>
-            </a:endParaRPr>
-          </a:p>
-        </p:txBody>
-      </p:sp>
-      <p:sp>
-        <p:nvSpPr>
-          <p:cNvPr id="32" name="Rectangle 31"/>
-          <p:cNvSpPr/>
-          <p:nvPr/>
-        </p:nvSpPr>
-        <p:spPr>
-          <a:xfrm>
-            <a:off x="7877908" y="3497959"/>
-            <a:ext cx="1802423" cy="689164"/>
-          </a:xfrm>
-          <a:prstGeom prst="rect">
-            <a:avLst/>
-          </a:prstGeom>
-          <a:solidFill>
-            <a:schemeClr val="accent1">
-              <a:lumMod val="10000"/>
-              <a:lumOff val="90000"/>
-            </a:schemeClr>
-          </a:solidFill>
-          <a:ln>
-            <a:solidFill>
-              <a:schemeClr val="bg1"/>
-            </a:solidFill>
-          </a:ln>
-        </p:spPr>
-        <p:style>
-          <a:lnRef idx="2">
-            <a:schemeClr val="accent1">
-              <a:shade val="50000"/>
-            </a:schemeClr>
-          </a:lnRef>
-          <a:fillRef idx="1">
-            <a:schemeClr val="accent1"/>
-          </a:fillRef>
-          <a:effectRef idx="0">
-            <a:schemeClr val="accent1"/>
-          </a:effectRef>
-          <a:fontRef idx="minor">
-            <a:schemeClr val="lt1"/>
-          </a:fontRef>
-        </p:style>
-        <p:txBody>
-          <a:bodyPr rtlCol="0" anchor="ctr"/>
-          <a:lstStyle/>
-          <a:p>
-            <a:pPr algn="ctr"/>
-            <a:endParaRPr lang="en-IN" dirty="0">
-              <a:solidFill>
-                <a:schemeClr val="accent1">
-                  <a:lumMod val="50000"/>
-                  <a:lumOff val="50000"/>
-                </a:schemeClr>
-              </a:solidFill>
-            </a:endParaRPr>
-          </a:p>
-        </p:txBody>
-      </p:sp>
-      <p:sp>
-        <p:nvSpPr>
-          <p:cNvPr id="33" name="Rectangle 32"/>
-          <p:cNvSpPr/>
-          <p:nvPr/>
-        </p:nvSpPr>
-        <p:spPr>
-          <a:xfrm>
-            <a:off x="7877908" y="4355992"/>
-            <a:ext cx="1802423" cy="689164"/>
-          </a:xfrm>
-          <a:prstGeom prst="rect">
-            <a:avLst/>
-          </a:prstGeom>
-          <a:solidFill>
-            <a:schemeClr val="accent1">
-              <a:lumMod val="10000"/>
-              <a:lumOff val="90000"/>
-            </a:schemeClr>
-          </a:solidFill>
-          <a:ln>
-            <a:solidFill>
-              <a:schemeClr val="bg1"/>
-            </a:solidFill>
-          </a:ln>
-        </p:spPr>
-        <p:style>
-          <a:lnRef idx="2">
-            <a:schemeClr val="accent1">
-              <a:shade val="50000"/>
-            </a:schemeClr>
-          </a:lnRef>
-          <a:fillRef idx="1">
-            <a:schemeClr val="accent1"/>
-          </a:fillRef>
-          <a:effectRef idx="0">
-            <a:schemeClr val="accent1"/>
-          </a:effectRef>
-          <a:fontRef idx="minor">
-            <a:schemeClr val="lt1"/>
-          </a:fontRef>
-        </p:style>
-        <p:txBody>
-          <a:bodyPr rtlCol="0" anchor="ctr"/>
-          <a:lstStyle/>
-          <a:p>
-            <a:pPr algn="ctr"/>
-            <a:endParaRPr lang="en-IN" dirty="0">
-              <a:solidFill>
-                <a:schemeClr val="accent1">
-                  <a:lumMod val="50000"/>
-                  <a:lumOff val="50000"/>
-                </a:schemeClr>
-              </a:solidFill>
-            </a:endParaRPr>
-          </a:p>
-        </p:txBody>
-      </p:sp>
-      <p:sp>
-        <p:nvSpPr>
-          <p:cNvPr id="34" name="Rectangle 33"/>
-          <p:cNvSpPr/>
-          <p:nvPr/>
-        </p:nvSpPr>
-        <p:spPr>
-          <a:xfrm>
-            <a:off x="7877907" y="5258672"/>
-            <a:ext cx="1802423" cy="689164"/>
-          </a:xfrm>
-          <a:prstGeom prst="rect">
-            <a:avLst/>
-          </a:prstGeom>
-          <a:solidFill>
-            <a:schemeClr val="accent1">
-              <a:lumMod val="10000"/>
-              <a:lumOff val="90000"/>
-            </a:schemeClr>
-          </a:solidFill>
-          <a:ln>
-            <a:solidFill>
-              <a:schemeClr val="bg1"/>
-            </a:solidFill>
-          </a:ln>
-        </p:spPr>
-        <p:style>
-          <a:lnRef idx="2">
-            <a:schemeClr val="accent1">
-              <a:shade val="50000"/>
-            </a:schemeClr>
-          </a:lnRef>
-          <a:fillRef idx="1">
-            <a:schemeClr val="accent1"/>
-          </a:fillRef>
-          <a:effectRef idx="0">
-            <a:schemeClr val="accent1"/>
-          </a:effectRef>
-          <a:fontRef idx="minor">
-            <a:schemeClr val="lt1"/>
-          </a:fontRef>
-        </p:style>
-        <p:txBody>
-          <a:bodyPr rtlCol="0" anchor="ctr"/>
-          <a:lstStyle/>
-          <a:p>
-            <a:pPr algn="ctr"/>
-            <a:endParaRPr lang="en-IN" dirty="0">
-              <a:solidFill>
-                <a:schemeClr val="accent1">
-                  <a:lumMod val="50000"/>
-                  <a:lumOff val="50000"/>
-                </a:schemeClr>
-              </a:solidFill>
-            </a:endParaRPr>
-          </a:p>
-        </p:txBody>
-      </p:sp>
-      <p:sp>
-        <p:nvSpPr>
-          <p:cNvPr id="35" name="TextBox 34"/>
-          <p:cNvSpPr txBox="1"/>
-          <p:nvPr/>
-        </p:nvSpPr>
-        <p:spPr>
-          <a:xfrm>
-            <a:off x="8044962" y="6021094"/>
-            <a:ext cx="1635368" cy="276999"/>
-          </a:xfrm>
-          <a:prstGeom prst="rect">
-            <a:avLst/>
-          </a:prstGeom>
-          <a:noFill/>
-        </p:spPr>
-        <p:txBody>
-          <a:bodyPr wrap="square" rtlCol="0">
-            <a:spAutoFit/>
-          </a:bodyPr>
-          <a:lstStyle/>
-          <a:p>
-            <a:pPr algn="ctr"/>
-            <a:r>
-              <a:rPr lang="en-IN" sz="1200" b="1" dirty="0" smtClean="0"/>
-              <a:t>Frontend: </a:t>
-            </a:r>
-            <a:r>
-              <a:rPr lang="en-IN" sz="1200" b="1" dirty="0" smtClean="0">
-                <a:solidFill>
-                  <a:srgbClr val="FF0000"/>
-                </a:solidFill>
-              </a:rPr>
-              <a:t>3000</a:t>
-            </a:r>
-            <a:endParaRPr lang="en-IN" sz="1200" b="1" dirty="0">
-              <a:solidFill>
-                <a:srgbClr val="FF0000"/>
-              </a:solidFill>
-            </a:endParaRPr>
-          </a:p>
-        </p:txBody>
-      </p:sp>
-      <p:sp>
-        <p:nvSpPr>
-          <p:cNvPr id="36" name="TextBox 35"/>
-          <p:cNvSpPr txBox="1"/>
-          <p:nvPr/>
-        </p:nvSpPr>
-        <p:spPr>
-          <a:xfrm>
-            <a:off x="8237915" y="5452130"/>
-            <a:ext cx="1082405" cy="307777"/>
-          </a:xfrm>
-          <a:prstGeom prst="rect">
-            <a:avLst/>
-          </a:prstGeom>
-          <a:noFill/>
-        </p:spPr>
-        <p:txBody>
-          <a:bodyPr wrap="square" rtlCol="0">
-            <a:spAutoFit/>
-          </a:bodyPr>
-          <a:lstStyle/>
-          <a:p>
-            <a:pPr algn="ctr"/>
-            <a:r>
-              <a:rPr lang="en-IN" sz="1400" b="1" dirty="0" smtClean="0"/>
-              <a:t>Axios</a:t>
-            </a:r>
-            <a:endParaRPr lang="en-IN" sz="1400" b="1" dirty="0"/>
-          </a:p>
-        </p:txBody>
-      </p:sp>
-      <p:sp>
-        <p:nvSpPr>
-          <p:cNvPr id="37" name="TextBox 36"/>
-          <p:cNvSpPr txBox="1"/>
-          <p:nvPr/>
-        </p:nvSpPr>
-        <p:spPr>
-          <a:xfrm>
-            <a:off x="8275804" y="4541973"/>
-            <a:ext cx="1006625" cy="307777"/>
-          </a:xfrm>
-          <a:prstGeom prst="rect">
-            <a:avLst/>
-          </a:prstGeom>
-          <a:noFill/>
-        </p:spPr>
-        <p:txBody>
-          <a:bodyPr wrap="square" rtlCol="0">
-            <a:spAutoFit/>
-          </a:bodyPr>
-          <a:lstStyle/>
-          <a:p>
-            <a:pPr algn="ctr"/>
-            <a:r>
-              <a:rPr lang="en-IN" sz="1400" b="1" dirty="0" smtClean="0"/>
-              <a:t>Router</a:t>
-            </a:r>
-            <a:endParaRPr lang="en-IN" sz="1400" b="1" dirty="0"/>
-          </a:p>
-        </p:txBody>
-      </p:sp>
-      <p:sp>
-        <p:nvSpPr>
-          <p:cNvPr id="38" name="TextBox 37"/>
-          <p:cNvSpPr txBox="1"/>
-          <p:nvPr/>
-        </p:nvSpPr>
-        <p:spPr>
-          <a:xfrm>
-            <a:off x="8051545" y="3689789"/>
-            <a:ext cx="1442415" cy="307777"/>
-          </a:xfrm>
-          <a:prstGeom prst="rect">
-            <a:avLst/>
-          </a:prstGeom>
-          <a:noFill/>
-        </p:spPr>
-        <p:txBody>
-          <a:bodyPr wrap="square" rtlCol="0">
-            <a:spAutoFit/>
-          </a:bodyPr>
-          <a:lstStyle/>
-          <a:p>
-            <a:pPr algn="ctr"/>
-            <a:r>
-              <a:rPr lang="en-IN" sz="1400" b="1" dirty="0" smtClean="0"/>
-              <a:t>Components</a:t>
-            </a:r>
-            <a:endParaRPr lang="en-IN" sz="1400" b="1" dirty="0"/>
-          </a:p>
-        </p:txBody>
-      </p:sp>
+          <a:effectLst>
+            <a:reflection blurRad="12700" stA="38000" endPos="28000" dist="5000" dir="5400000" sy="-100000" algn="bl" rotWithShape="0"/>
+          </a:effectLst>
+        </p:spPr>
+      </p:pic>
     </p:spTree>
     <p:extLst>
       <p:ext uri="{BB962C8B-B14F-4D97-AF65-F5344CB8AC3E}">
-        <p14:creationId xmlns:p14="http://schemas.microsoft.com/office/powerpoint/2010/main" val="871719394"/>
+        <p14:creationId xmlns:p14="http://schemas.microsoft.com/office/powerpoint/2010/main" val="3205466602"/>
       </p:ext>
     </p:extLst>
   </p:cSld>
@@ -17168,7 +15536,7 @@
 </p:sld>
 </file>
 
-<file path=ppt/slides/slide5.xml><?xml version="1.0" encoding="utf-8"?>
+<file path=ppt/slides/slide4.xml><?xml version="1.0" encoding="utf-8"?>
 <p:sld xmlns:a="http://schemas.openxmlformats.org/drawingml/2006/main" xmlns:r="http://schemas.openxmlformats.org/officeDocument/2006/relationships" xmlns:p="http://schemas.openxmlformats.org/presentationml/2006/main">
   <p:cSld>
     <p:spTree>
@@ -17187,13 +15555,34 @@
       </p:grpSpPr>
       <p:sp>
         <p:nvSpPr>
-          <p:cNvPr id="2" name="Slide Number Placeholder 1">
-            <a:extLst>
-              <a:ext uri="{FF2B5EF4-FFF2-40B4-BE49-F238E27FC236}">
-                <a16:creationId xmlns:a16="http://schemas.microsoft.com/office/drawing/2014/main" id="{3992BF91-1CA4-4DA0-9289-475AF6F142C8}"/>
-              </a:ext>
-            </a:extLst>
-          </p:cNvPr>
+          <p:cNvPr id="2" name="Footer Placeholder 1"/>
+          <p:cNvSpPr>
+            <a:spLocks noGrp="1"/>
+          </p:cNvSpPr>
+          <p:nvPr>
+            <p:ph type="ftr" sz="quarter" idx="10"/>
+          </p:nvPr>
+        </p:nvSpPr>
+        <p:spPr>
+          <a:xfrm>
+            <a:off x="0" y="6538912"/>
+            <a:ext cx="4114800" cy="365125"/>
+          </a:xfrm>
+        </p:spPr>
+        <p:txBody>
+          <a:bodyPr/>
+          <a:lstStyle/>
+          <a:p>
+            <a:r>
+              <a:rPr lang="en-US" noProof="0" dirty="0"/>
+              <a:t>.</a:t>
+            </a:r>
+          </a:p>
+        </p:txBody>
+      </p:sp>
+      <p:sp>
+        <p:nvSpPr>
+          <p:cNvPr id="3" name="Slide Number Placeholder 2"/>
           <p:cNvSpPr>
             <a:spLocks noGrp="1"/>
           </p:cNvSpPr>
@@ -17201,22 +15590,27 @@
             <p:ph type="sldNum" sz="quarter" idx="11"/>
           </p:nvPr>
         </p:nvSpPr>
-        <p:spPr/>
+        <p:spPr>
+          <a:xfrm>
+            <a:off x="11516248" y="6538912"/>
+            <a:ext cx="740227" cy="365125"/>
+          </a:xfrm>
+        </p:spPr>
         <p:txBody>
           <a:bodyPr/>
           <a:lstStyle/>
           <a:p>
-            <a:fld id="{8699F50C-BE38-4BD0-BA84-9B090E1F2B9B}" type="slidenum">
-              <a:rPr lang="en-US" smtClean="0"/>
-              <a:t>5</a:t>
-            </a:fld>
-            <a:endParaRPr lang="en-US" dirty="0"/>
-          </a:p>
-        </p:txBody>
-      </p:sp>
-      <p:sp>
-        <p:nvSpPr>
-          <p:cNvPr id="7" name="Title 6"/>
+            <a:r>
+              <a:rPr lang="en-US" dirty="0"/>
+              <a:t>.</a:t>
+            </a:r>
+            <a:endParaRPr lang="en-US" noProof="0" dirty="0"/>
+          </a:p>
+        </p:txBody>
+      </p:sp>
+      <p:sp>
+        <p:nvSpPr>
+          <p:cNvPr id="4" name="Title 3"/>
           <p:cNvSpPr>
             <a:spLocks noGrp="1"/>
           </p:cNvSpPr>
@@ -17226,25 +15620,99 @@
         </p:nvSpPr>
         <p:spPr>
           <a:xfrm>
-            <a:off x="4800533" y="1501498"/>
-            <a:ext cx="2839983" cy="1147968"/>
-          </a:xfrm>
-        </p:spPr>
-        <p:txBody>
-          <a:bodyPr/>
+            <a:off x="288238" y="1176183"/>
+            <a:ext cx="8330184" cy="1147968"/>
+          </a:xfrm>
+        </p:spPr>
+        <p:txBody>
+          <a:bodyPr>
+            <a:normAutofit/>
+          </a:bodyPr>
           <a:lstStyle/>
           <a:p>
-            <a:r>
-              <a:rPr lang="en-IN" dirty="0" smtClean="0"/>
-              <a:t>Thank You</a:t>
-            </a:r>
+            <a:pPr algn="ctr"/>
+            <a:r>
+              <a:rPr lang="en-IN" sz="4000" dirty="0"/>
+              <a:t>Functionality</a:t>
+            </a:r>
+          </a:p>
+        </p:txBody>
+      </p:sp>
+      <p:sp>
+        <p:nvSpPr>
+          <p:cNvPr id="5" name="TextBox 4"/>
+          <p:cNvSpPr txBox="1"/>
+          <p:nvPr/>
+        </p:nvSpPr>
+        <p:spPr>
+          <a:xfrm>
+            <a:off x="2934100" y="3367454"/>
+            <a:ext cx="3499339" cy="1292662"/>
+          </a:xfrm>
+          <a:prstGeom prst="rect">
+            <a:avLst/>
+          </a:prstGeom>
+          <a:noFill/>
+        </p:spPr>
+        <p:txBody>
+          <a:bodyPr wrap="square" rtlCol="0">
+            <a:spAutoFit/>
+          </a:bodyPr>
+          <a:lstStyle/>
+          <a:p>
+            <a:pPr marL="285750" indent="-285750">
+              <a:buFont typeface="Arial" panose="020B0604020202020204" pitchFamily="34" charset="0"/>
+              <a:buChar char="•"/>
+            </a:pPr>
+            <a:r>
+              <a:rPr lang="en-IN" sz="2000" dirty="0">
+                <a:solidFill>
+                  <a:schemeClr val="bg1"/>
+                </a:solidFill>
+              </a:rPr>
+              <a:t>Display Data in Tables</a:t>
+            </a:r>
+          </a:p>
+          <a:p>
+            <a:pPr marL="285750" indent="-285750">
+              <a:buFont typeface="Arial" panose="020B0604020202020204" pitchFamily="34" charset="0"/>
+              <a:buChar char="•"/>
+            </a:pPr>
+            <a:r>
+              <a:rPr lang="en-IN" sz="2000" dirty="0">
+                <a:solidFill>
+                  <a:schemeClr val="bg1"/>
+                </a:solidFill>
+              </a:rPr>
+              <a:t>Generating Graphs </a:t>
+            </a:r>
+          </a:p>
+          <a:p>
+            <a:pPr marL="285750" indent="-285750">
+              <a:buFont typeface="Arial" panose="020B0604020202020204" pitchFamily="34" charset="0"/>
+              <a:buChar char="•"/>
+            </a:pPr>
+            <a:r>
+              <a:rPr lang="en-IN" sz="2000" dirty="0">
+                <a:solidFill>
+                  <a:schemeClr val="bg1"/>
+                </a:solidFill>
+              </a:rPr>
+              <a:t>Downloading Data </a:t>
+            </a:r>
+          </a:p>
+          <a:p>
+            <a:pPr marL="285750" indent="-285750">
+              <a:buFont typeface="Arial" panose="020B0604020202020204" pitchFamily="34" charset="0"/>
+              <a:buChar char="•"/>
+            </a:pPr>
             <a:endParaRPr lang="en-IN" dirty="0"/>
           </a:p>
         </p:txBody>
       </p:sp>
       <p:pic>
         <p:nvPicPr>
-          <p:cNvPr id="8" name="Picture Placeholder 58">
+          <p:cNvPr id="6" name="Picture Placeholder 58">
             <a:extLst>
               <a:ext uri="{FF2B5EF4-FFF2-40B4-BE49-F238E27FC236}">
                 <a16:creationId xmlns:a16="http://schemas.microsoft.com/office/drawing/2014/main" id="{3FCCC668-2247-4814-9CC5-9C5D4B447AA3}"/>
@@ -17316,7 +15784,5286 @@
     </p:spTree>
     <p:extLst>
       <p:ext uri="{BB962C8B-B14F-4D97-AF65-F5344CB8AC3E}">
-        <p14:creationId xmlns:p14="http://schemas.microsoft.com/office/powerpoint/2010/main" val="59582380"/>
+        <p14:creationId xmlns:p14="http://schemas.microsoft.com/office/powerpoint/2010/main" val="532329022"/>
+      </p:ext>
+    </p:extLst>
+  </p:cSld>
+  <p:clrMapOvr>
+    <a:masterClrMapping/>
+  </p:clrMapOvr>
+</p:sld>
+</file>
+
+<file path=ppt/slides/slide5.xml><?xml version="1.0" encoding="utf-8"?>
+<p:sld xmlns:a="http://schemas.openxmlformats.org/drawingml/2006/main" xmlns:r="http://schemas.openxmlformats.org/officeDocument/2006/relationships" xmlns:p="http://schemas.openxmlformats.org/presentationml/2006/main">
+  <p:cSld>
+    <p:spTree>
+      <p:nvGrpSpPr>
+        <p:cNvPr id="1" name=""/>
+        <p:cNvGrpSpPr/>
+        <p:nvPr/>
+      </p:nvGrpSpPr>
+      <p:grpSpPr>
+        <a:xfrm>
+          <a:off x="0" y="0"/>
+          <a:ext cx="0" cy="0"/>
+          <a:chOff x="0" y="0"/>
+          <a:chExt cx="0" cy="0"/>
+        </a:xfrm>
+      </p:grpSpPr>
+      <p:sp>
+        <p:nvSpPr>
+          <p:cNvPr id="2" name="Footer Placeholder 1"/>
+          <p:cNvSpPr>
+            <a:spLocks noGrp="1"/>
+          </p:cNvSpPr>
+          <p:nvPr>
+            <p:ph type="ftr" sz="quarter" idx="10"/>
+          </p:nvPr>
+        </p:nvSpPr>
+        <p:spPr>
+          <a:xfrm>
+            <a:off x="87923" y="6684059"/>
+            <a:ext cx="150397" cy="45719"/>
+          </a:xfrm>
+        </p:spPr>
+        <p:txBody>
+          <a:bodyPr/>
+          <a:lstStyle/>
+          <a:p>
+            <a:r>
+              <a:rPr lang="en-US" dirty="0"/>
+              <a:t>.</a:t>
+            </a:r>
+            <a:endParaRPr lang="en-US" noProof="0" dirty="0"/>
+          </a:p>
+        </p:txBody>
+      </p:sp>
+      <p:sp>
+        <p:nvSpPr>
+          <p:cNvPr id="3" name="Slide Number Placeholder 2"/>
+          <p:cNvSpPr>
+            <a:spLocks noGrp="1"/>
+          </p:cNvSpPr>
+          <p:nvPr>
+            <p:ph type="sldNum" sz="quarter" idx="11"/>
+          </p:nvPr>
+        </p:nvSpPr>
+        <p:spPr>
+          <a:xfrm>
+            <a:off x="11296440" y="6364653"/>
+            <a:ext cx="740227" cy="365125"/>
+          </a:xfrm>
+        </p:spPr>
+        <p:txBody>
+          <a:bodyPr/>
+          <a:lstStyle/>
+          <a:p>
+            <a:r>
+              <a:rPr lang="en-US" dirty="0"/>
+              <a:t>.</a:t>
+            </a:r>
+            <a:endParaRPr lang="en-US" noProof="0" dirty="0"/>
+          </a:p>
+        </p:txBody>
+      </p:sp>
+      <p:sp>
+        <p:nvSpPr>
+          <p:cNvPr id="4" name="Title 3"/>
+          <p:cNvSpPr>
+            <a:spLocks noGrp="1"/>
+          </p:cNvSpPr>
+          <p:nvPr>
+            <p:ph type="title"/>
+          </p:nvPr>
+        </p:nvSpPr>
+        <p:spPr>
+          <a:xfrm>
+            <a:off x="2395930" y="68352"/>
+            <a:ext cx="5987630" cy="1147968"/>
+          </a:xfrm>
+        </p:spPr>
+        <p:txBody>
+          <a:bodyPr/>
+          <a:lstStyle/>
+          <a:p>
+            <a:r>
+              <a:rPr lang="en-IN" dirty="0"/>
+              <a:t>Application Architecture</a:t>
+            </a:r>
+          </a:p>
+        </p:txBody>
+      </p:sp>
+      <p:pic>
+        <p:nvPicPr>
+          <p:cNvPr id="5" name="Picture Placeholder 58">
+            <a:extLst>
+              <a:ext uri="{FF2B5EF4-FFF2-40B4-BE49-F238E27FC236}">
+                <a16:creationId xmlns:a16="http://schemas.microsoft.com/office/drawing/2014/main" id="{3FCCC668-2247-4814-9CC5-9C5D4B447AA3}"/>
+              </a:ext>
+            </a:extLst>
+          </p:cNvPr>
+          <p:cNvPicPr>
+            <a:picLocks noChangeAspect="1"/>
+          </p:cNvPicPr>
+          <p:nvPr/>
+        </p:nvPicPr>
+        <p:blipFill>
+          <a:blip r:embed="rId2">
+            <a:extLst>
+              <a:ext uri="{28A0092B-C50C-407E-A947-70E740481C1C}">
+                <a14:useLocalDpi xmlns:a14="http://schemas.microsoft.com/office/drawing/2010/main" val="0"/>
+              </a:ext>
+            </a:extLst>
+          </a:blip>
+          <a:stretch>
+            <a:fillRect/>
+          </a:stretch>
+        </p:blipFill>
+        <p:spPr>
+          <a:xfrm rot="16200000">
+            <a:off x="9326766" y="-182767"/>
+            <a:ext cx="2682467" cy="3048000"/>
+          </a:xfrm>
+          <a:custGeom>
+            <a:avLst/>
+            <a:gdLst>
+              <a:gd name="connsiteX0" fmla="*/ 6021821 w 6021821"/>
+              <a:gd name="connsiteY0" fmla="*/ 0 h 5422900"/>
+              <a:gd name="connsiteX1" fmla="*/ 6021821 w 6021821"/>
+              <a:gd name="connsiteY1" fmla="*/ 5422900 h 5422900"/>
+              <a:gd name="connsiteX2" fmla="*/ 0 w 6021821"/>
+              <a:gd name="connsiteY2" fmla="*/ 5422900 h 5422900"/>
+            </a:gdLst>
+            <a:ahLst/>
+            <a:cxnLst>
+              <a:cxn ang="0">
+                <a:pos x="connsiteX0" y="connsiteY0"/>
+              </a:cxn>
+              <a:cxn ang="0">
+                <a:pos x="connsiteX1" y="connsiteY1"/>
+              </a:cxn>
+              <a:cxn ang="0">
+                <a:pos x="connsiteX2" y="connsiteY2"/>
+              </a:cxn>
+            </a:cxnLst>
+            <a:rect l="l" t="t" r="r" b="b"/>
+            <a:pathLst>
+              <a:path w="6021821" h="5422900">
+                <a:moveTo>
+                  <a:pt x="6021821" y="0"/>
+                </a:moveTo>
+                <a:lnTo>
+                  <a:pt x="6021821" y="5422900"/>
+                </a:lnTo>
+                <a:lnTo>
+                  <a:pt x="0" y="5422900"/>
+                </a:lnTo>
+                <a:close/>
+              </a:path>
+            </a:pathLst>
+          </a:custGeom>
+        </p:spPr>
+      </p:pic>
+      <p:sp>
+        <p:nvSpPr>
+          <p:cNvPr id="6" name="Can 5"/>
+          <p:cNvSpPr/>
+          <p:nvPr/>
+        </p:nvSpPr>
+        <p:spPr>
+          <a:xfrm>
+            <a:off x="337435" y="1645732"/>
+            <a:ext cx="1068239" cy="1036735"/>
+          </a:xfrm>
+          <a:prstGeom prst="can">
+            <a:avLst/>
+          </a:prstGeom>
+          <a:solidFill>
+            <a:schemeClr val="accent1">
+              <a:lumMod val="10000"/>
+              <a:lumOff val="90000"/>
+            </a:schemeClr>
+          </a:solidFill>
+          <a:ln>
+            <a:solidFill>
+              <a:schemeClr val="bg1"/>
+            </a:solidFill>
+          </a:ln>
+        </p:spPr>
+        <p:style>
+          <a:lnRef idx="2">
+            <a:schemeClr val="accent1">
+              <a:shade val="50000"/>
+            </a:schemeClr>
+          </a:lnRef>
+          <a:fillRef idx="1">
+            <a:schemeClr val="accent1"/>
+          </a:fillRef>
+          <a:effectRef idx="0">
+            <a:schemeClr val="accent1"/>
+          </a:effectRef>
+          <a:fontRef idx="minor">
+            <a:schemeClr val="lt1"/>
+          </a:fontRef>
+        </p:style>
+        <p:txBody>
+          <a:bodyPr rtlCol="0" anchor="ctr"/>
+          <a:lstStyle/>
+          <a:p>
+            <a:pPr algn="ctr"/>
+            <a:endParaRPr lang="en-IN"/>
+          </a:p>
+        </p:txBody>
+      </p:sp>
+      <p:sp>
+        <p:nvSpPr>
+          <p:cNvPr id="8" name="TextBox 7"/>
+          <p:cNvSpPr txBox="1"/>
+          <p:nvPr/>
+        </p:nvSpPr>
+        <p:spPr>
+          <a:xfrm>
+            <a:off x="490740" y="1874294"/>
+            <a:ext cx="761628" cy="761747"/>
+          </a:xfrm>
+          <a:prstGeom prst="rect">
+            <a:avLst/>
+          </a:prstGeom>
+          <a:noFill/>
+        </p:spPr>
+        <p:txBody>
+          <a:bodyPr wrap="square" rtlCol="0">
+            <a:spAutoFit/>
+          </a:bodyPr>
+          <a:lstStyle/>
+          <a:p>
+            <a:pPr algn="ctr"/>
+            <a:r>
+              <a:rPr lang="en-IN" sz="1050" dirty="0"/>
+              <a:t> </a:t>
+            </a:r>
+            <a:r>
+              <a:rPr lang="en-IN" sz="1050" b="1" dirty="0"/>
+              <a:t>Database:</a:t>
+            </a:r>
+          </a:p>
+          <a:p>
+            <a:pPr algn="ctr"/>
+            <a:r>
+              <a:rPr lang="en-IN" sz="1050" b="1" dirty="0">
+                <a:solidFill>
+                  <a:srgbClr val="FF0000"/>
+                </a:solidFill>
+              </a:rPr>
+              <a:t>27017</a:t>
+            </a:r>
+            <a:r>
+              <a:rPr lang="en-IN" sz="1050" dirty="0"/>
+              <a:t> </a:t>
+            </a:r>
+          </a:p>
+          <a:p>
+            <a:endParaRPr lang="en-IN" sz="1200" dirty="0"/>
+          </a:p>
+        </p:txBody>
+      </p:sp>
+      <p:sp>
+        <p:nvSpPr>
+          <p:cNvPr id="9" name="Down Arrow 8"/>
+          <p:cNvSpPr/>
+          <p:nvPr/>
+        </p:nvSpPr>
+        <p:spPr>
+          <a:xfrm>
+            <a:off x="895720" y="2778193"/>
+            <a:ext cx="325316" cy="589353"/>
+          </a:xfrm>
+          <a:prstGeom prst="downArrow">
+            <a:avLst/>
+          </a:prstGeom>
+          <a:solidFill>
+            <a:schemeClr val="accent1">
+              <a:lumMod val="25000"/>
+              <a:lumOff val="75000"/>
+            </a:schemeClr>
+          </a:solidFill>
+        </p:spPr>
+        <p:style>
+          <a:lnRef idx="2">
+            <a:schemeClr val="accent1">
+              <a:shade val="50000"/>
+            </a:schemeClr>
+          </a:lnRef>
+          <a:fillRef idx="1">
+            <a:schemeClr val="accent1"/>
+          </a:fillRef>
+          <a:effectRef idx="0">
+            <a:schemeClr val="accent1"/>
+          </a:effectRef>
+          <a:fontRef idx="minor">
+            <a:schemeClr val="lt1"/>
+          </a:fontRef>
+        </p:style>
+        <p:txBody>
+          <a:bodyPr rtlCol="0" anchor="ctr"/>
+          <a:lstStyle/>
+          <a:p>
+            <a:pPr algn="ctr"/>
+            <a:endParaRPr lang="en-IN"/>
+          </a:p>
+        </p:txBody>
+      </p:sp>
+      <p:sp>
+        <p:nvSpPr>
+          <p:cNvPr id="10" name="Down Arrow 9"/>
+          <p:cNvSpPr/>
+          <p:nvPr/>
+        </p:nvSpPr>
+        <p:spPr>
+          <a:xfrm>
+            <a:off x="459408" y="2778194"/>
+            <a:ext cx="325316" cy="589353"/>
+          </a:xfrm>
+          <a:prstGeom prst="downArrow">
+            <a:avLst/>
+          </a:prstGeom>
+          <a:solidFill>
+            <a:schemeClr val="accent1">
+              <a:lumMod val="25000"/>
+              <a:lumOff val="75000"/>
+            </a:schemeClr>
+          </a:solidFill>
+        </p:spPr>
+        <p:style>
+          <a:lnRef idx="2">
+            <a:schemeClr val="accent1">
+              <a:shade val="50000"/>
+            </a:schemeClr>
+          </a:lnRef>
+          <a:fillRef idx="1">
+            <a:schemeClr val="accent1"/>
+          </a:fillRef>
+          <a:effectRef idx="0">
+            <a:schemeClr val="accent1"/>
+          </a:effectRef>
+          <a:fontRef idx="minor">
+            <a:schemeClr val="lt1"/>
+          </a:fontRef>
+        </p:style>
+        <p:txBody>
+          <a:bodyPr rtlCol="0" anchor="ctr"/>
+          <a:lstStyle/>
+          <a:p>
+            <a:pPr algn="ctr"/>
+            <a:endParaRPr lang="en-IN"/>
+          </a:p>
+        </p:txBody>
+      </p:sp>
+      <p:sp>
+        <p:nvSpPr>
+          <p:cNvPr id="11" name="Rectangle 10"/>
+          <p:cNvSpPr/>
+          <p:nvPr/>
+        </p:nvSpPr>
+        <p:spPr>
+          <a:xfrm>
+            <a:off x="238319" y="3463272"/>
+            <a:ext cx="4395227" cy="2840811"/>
+          </a:xfrm>
+          <a:prstGeom prst="rect">
+            <a:avLst/>
+          </a:prstGeom>
+          <a:solidFill>
+            <a:schemeClr val="accent1">
+              <a:lumMod val="10000"/>
+              <a:lumOff val="90000"/>
+            </a:schemeClr>
+          </a:solidFill>
+          <a:ln>
+            <a:solidFill>
+              <a:schemeClr val="bg1"/>
+            </a:solidFill>
+          </a:ln>
+        </p:spPr>
+        <p:style>
+          <a:lnRef idx="2">
+            <a:schemeClr val="accent1">
+              <a:shade val="50000"/>
+            </a:schemeClr>
+          </a:lnRef>
+          <a:fillRef idx="1">
+            <a:schemeClr val="accent1"/>
+          </a:fillRef>
+          <a:effectRef idx="0">
+            <a:schemeClr val="accent1"/>
+          </a:effectRef>
+          <a:fontRef idx="minor">
+            <a:schemeClr val="lt1"/>
+          </a:fontRef>
+        </p:style>
+        <p:txBody>
+          <a:bodyPr rtlCol="0" anchor="ctr"/>
+          <a:lstStyle/>
+          <a:p>
+            <a:pPr algn="ctr"/>
+            <a:endParaRPr lang="en-IN">
+              <a:solidFill>
+                <a:schemeClr val="bg1"/>
+              </a:solidFill>
+            </a:endParaRPr>
+          </a:p>
+        </p:txBody>
+      </p:sp>
+      <p:sp>
+        <p:nvSpPr>
+          <p:cNvPr id="12" name="TextBox 11"/>
+          <p:cNvSpPr txBox="1"/>
+          <p:nvPr/>
+        </p:nvSpPr>
+        <p:spPr>
+          <a:xfrm>
+            <a:off x="459408" y="3596054"/>
+            <a:ext cx="1395769" cy="538609"/>
+          </a:xfrm>
+          <a:prstGeom prst="rect">
+            <a:avLst/>
+          </a:prstGeom>
+          <a:noFill/>
+        </p:spPr>
+        <p:txBody>
+          <a:bodyPr wrap="square" rtlCol="0">
+            <a:spAutoFit/>
+          </a:bodyPr>
+          <a:lstStyle/>
+          <a:p>
+            <a:r>
+              <a:rPr lang="en-IN" sz="1100" b="1" dirty="0"/>
+              <a:t>Eureka Server : </a:t>
+            </a:r>
+            <a:r>
+              <a:rPr lang="en-IN" sz="1100" b="1" dirty="0">
+                <a:solidFill>
+                  <a:srgbClr val="FF0000"/>
+                </a:solidFill>
+              </a:rPr>
+              <a:t>8761</a:t>
+            </a:r>
+          </a:p>
+          <a:p>
+            <a:endParaRPr lang="en-IN" dirty="0"/>
+          </a:p>
+        </p:txBody>
+      </p:sp>
+      <p:sp>
+        <p:nvSpPr>
+          <p:cNvPr id="13" name="Rectangle 12"/>
+          <p:cNvSpPr/>
+          <p:nvPr/>
+        </p:nvSpPr>
+        <p:spPr>
+          <a:xfrm>
+            <a:off x="371403" y="3865358"/>
+            <a:ext cx="4129057" cy="2359596"/>
+          </a:xfrm>
+          <a:prstGeom prst="rect">
+            <a:avLst/>
+          </a:prstGeom>
+          <a:solidFill>
+            <a:schemeClr val="accent1">
+              <a:lumMod val="25000"/>
+              <a:lumOff val="75000"/>
+            </a:schemeClr>
+          </a:solidFill>
+          <a:ln>
+            <a:solidFill>
+              <a:schemeClr val="bg1"/>
+            </a:solidFill>
+          </a:ln>
+        </p:spPr>
+        <p:style>
+          <a:lnRef idx="2">
+            <a:schemeClr val="accent1">
+              <a:shade val="50000"/>
+            </a:schemeClr>
+          </a:lnRef>
+          <a:fillRef idx="1">
+            <a:schemeClr val="accent1"/>
+          </a:fillRef>
+          <a:effectRef idx="0">
+            <a:schemeClr val="accent1"/>
+          </a:effectRef>
+          <a:fontRef idx="minor">
+            <a:schemeClr val="lt1"/>
+          </a:fontRef>
+        </p:style>
+        <p:txBody>
+          <a:bodyPr rtlCol="0" anchor="ctr"/>
+          <a:lstStyle/>
+          <a:p>
+            <a:pPr algn="ctr"/>
+            <a:endParaRPr lang="en-IN" sz="3200" dirty="0">
+              <a:solidFill>
+                <a:schemeClr val="accent1">
+                  <a:lumMod val="50000"/>
+                  <a:lumOff val="50000"/>
+                </a:schemeClr>
+              </a:solidFill>
+            </a:endParaRPr>
+          </a:p>
+        </p:txBody>
+      </p:sp>
+      <p:sp>
+        <p:nvSpPr>
+          <p:cNvPr id="14" name="Rectangle 13"/>
+          <p:cNvSpPr/>
+          <p:nvPr/>
+        </p:nvSpPr>
+        <p:spPr>
+          <a:xfrm>
+            <a:off x="459408" y="3994139"/>
+            <a:ext cx="939128" cy="472498"/>
+          </a:xfrm>
+          <a:prstGeom prst="rect">
+            <a:avLst/>
+          </a:prstGeom>
+          <a:solidFill>
+            <a:schemeClr val="accent1">
+              <a:lumMod val="10000"/>
+              <a:lumOff val="90000"/>
+            </a:schemeClr>
+          </a:solidFill>
+          <a:ln>
+            <a:solidFill>
+              <a:schemeClr val="bg1"/>
+            </a:solidFill>
+          </a:ln>
+        </p:spPr>
+        <p:style>
+          <a:lnRef idx="2">
+            <a:schemeClr val="accent1">
+              <a:shade val="50000"/>
+            </a:schemeClr>
+          </a:lnRef>
+          <a:fillRef idx="1">
+            <a:schemeClr val="accent1"/>
+          </a:fillRef>
+          <a:effectRef idx="0">
+            <a:schemeClr val="accent1"/>
+          </a:effectRef>
+          <a:fontRef idx="minor">
+            <a:schemeClr val="lt1"/>
+          </a:fontRef>
+        </p:style>
+        <p:txBody>
+          <a:bodyPr rtlCol="0" anchor="ctr"/>
+          <a:lstStyle/>
+          <a:p>
+            <a:pPr algn="ctr"/>
+            <a:endParaRPr lang="en-IN"/>
+          </a:p>
+        </p:txBody>
+      </p:sp>
+      <p:sp>
+        <p:nvSpPr>
+          <p:cNvPr id="15" name="TextBox 14"/>
+          <p:cNvSpPr txBox="1"/>
+          <p:nvPr/>
+        </p:nvSpPr>
+        <p:spPr>
+          <a:xfrm>
+            <a:off x="547868" y="4044272"/>
+            <a:ext cx="728666" cy="415498"/>
+          </a:xfrm>
+          <a:prstGeom prst="rect">
+            <a:avLst/>
+          </a:prstGeom>
+          <a:noFill/>
+        </p:spPr>
+        <p:txBody>
+          <a:bodyPr wrap="square" rtlCol="0">
+            <a:spAutoFit/>
+          </a:bodyPr>
+          <a:lstStyle/>
+          <a:p>
+            <a:pPr algn="ctr"/>
+            <a:r>
+              <a:rPr lang="en-IN" sz="1050" b="1" dirty="0"/>
+              <a:t>Service 1:</a:t>
+            </a:r>
+            <a:r>
+              <a:rPr lang="en-IN" sz="1050" dirty="0"/>
+              <a:t> </a:t>
+            </a:r>
+            <a:r>
+              <a:rPr lang="en-IN" sz="1050" b="1" dirty="0">
+                <a:solidFill>
+                  <a:schemeClr val="accent1">
+                    <a:lumMod val="75000"/>
+                    <a:lumOff val="25000"/>
+                  </a:schemeClr>
+                </a:solidFill>
+              </a:rPr>
+              <a:t>9995</a:t>
+            </a:r>
+          </a:p>
+        </p:txBody>
+      </p:sp>
+      <p:sp>
+        <p:nvSpPr>
+          <p:cNvPr id="16" name="Rectangle 15"/>
+          <p:cNvSpPr/>
+          <p:nvPr/>
+        </p:nvSpPr>
+        <p:spPr>
+          <a:xfrm>
+            <a:off x="1698707" y="5292942"/>
+            <a:ext cx="939128" cy="472498"/>
+          </a:xfrm>
+          <a:prstGeom prst="rect">
+            <a:avLst/>
+          </a:prstGeom>
+          <a:solidFill>
+            <a:schemeClr val="accent1">
+              <a:lumMod val="10000"/>
+              <a:lumOff val="90000"/>
+            </a:schemeClr>
+          </a:solidFill>
+          <a:ln>
+            <a:solidFill>
+              <a:schemeClr val="bg1"/>
+            </a:solidFill>
+          </a:ln>
+        </p:spPr>
+        <p:style>
+          <a:lnRef idx="2">
+            <a:schemeClr val="accent1">
+              <a:shade val="50000"/>
+            </a:schemeClr>
+          </a:lnRef>
+          <a:fillRef idx="1">
+            <a:schemeClr val="accent1"/>
+          </a:fillRef>
+          <a:effectRef idx="0">
+            <a:schemeClr val="accent1"/>
+          </a:effectRef>
+          <a:fontRef idx="minor">
+            <a:schemeClr val="lt1"/>
+          </a:fontRef>
+        </p:style>
+        <p:txBody>
+          <a:bodyPr rtlCol="0" anchor="ctr"/>
+          <a:lstStyle/>
+          <a:p>
+            <a:pPr algn="ctr"/>
+            <a:endParaRPr lang="en-IN"/>
+          </a:p>
+        </p:txBody>
+      </p:sp>
+      <p:sp>
+        <p:nvSpPr>
+          <p:cNvPr id="17" name="Rectangle 16"/>
+          <p:cNvSpPr/>
+          <p:nvPr/>
+        </p:nvSpPr>
+        <p:spPr>
+          <a:xfrm>
+            <a:off x="458123" y="5292942"/>
+            <a:ext cx="939128" cy="472498"/>
+          </a:xfrm>
+          <a:prstGeom prst="rect">
+            <a:avLst/>
+          </a:prstGeom>
+          <a:solidFill>
+            <a:schemeClr val="accent1">
+              <a:lumMod val="10000"/>
+              <a:lumOff val="90000"/>
+            </a:schemeClr>
+          </a:solidFill>
+          <a:ln>
+            <a:solidFill>
+              <a:schemeClr val="bg1"/>
+            </a:solidFill>
+          </a:ln>
+        </p:spPr>
+        <p:style>
+          <a:lnRef idx="2">
+            <a:schemeClr val="accent1">
+              <a:shade val="50000"/>
+            </a:schemeClr>
+          </a:lnRef>
+          <a:fillRef idx="1">
+            <a:schemeClr val="accent1"/>
+          </a:fillRef>
+          <a:effectRef idx="0">
+            <a:schemeClr val="accent1"/>
+          </a:effectRef>
+          <a:fontRef idx="minor">
+            <a:schemeClr val="lt1"/>
+          </a:fontRef>
+        </p:style>
+        <p:txBody>
+          <a:bodyPr rtlCol="0" anchor="ctr"/>
+          <a:lstStyle/>
+          <a:p>
+            <a:pPr algn="ctr"/>
+            <a:endParaRPr lang="en-IN"/>
+          </a:p>
+        </p:txBody>
+      </p:sp>
+      <p:sp>
+        <p:nvSpPr>
+          <p:cNvPr id="18" name="Rectangle 17"/>
+          <p:cNvSpPr/>
+          <p:nvPr/>
+        </p:nvSpPr>
+        <p:spPr>
+          <a:xfrm>
+            <a:off x="1689786" y="3994139"/>
+            <a:ext cx="939128" cy="472498"/>
+          </a:xfrm>
+          <a:prstGeom prst="rect">
+            <a:avLst/>
+          </a:prstGeom>
+          <a:solidFill>
+            <a:schemeClr val="accent1">
+              <a:lumMod val="10000"/>
+              <a:lumOff val="90000"/>
+            </a:schemeClr>
+          </a:solidFill>
+          <a:ln>
+            <a:solidFill>
+              <a:schemeClr val="bg1"/>
+            </a:solidFill>
+          </a:ln>
+        </p:spPr>
+        <p:style>
+          <a:lnRef idx="2">
+            <a:schemeClr val="accent1">
+              <a:shade val="50000"/>
+            </a:schemeClr>
+          </a:lnRef>
+          <a:fillRef idx="1">
+            <a:schemeClr val="accent1"/>
+          </a:fillRef>
+          <a:effectRef idx="0">
+            <a:schemeClr val="accent1"/>
+          </a:effectRef>
+          <a:fontRef idx="minor">
+            <a:schemeClr val="lt1"/>
+          </a:fontRef>
+        </p:style>
+        <p:txBody>
+          <a:bodyPr rtlCol="0" anchor="ctr"/>
+          <a:lstStyle/>
+          <a:p>
+            <a:pPr algn="ctr"/>
+            <a:endParaRPr lang="en-IN"/>
+          </a:p>
+        </p:txBody>
+      </p:sp>
+      <p:sp>
+        <p:nvSpPr>
+          <p:cNvPr id="19" name="Rectangle 18"/>
+          <p:cNvSpPr/>
+          <p:nvPr/>
+        </p:nvSpPr>
+        <p:spPr>
+          <a:xfrm>
+            <a:off x="1076116" y="4639220"/>
+            <a:ext cx="939128" cy="472498"/>
+          </a:xfrm>
+          <a:prstGeom prst="rect">
+            <a:avLst/>
+          </a:prstGeom>
+          <a:solidFill>
+            <a:schemeClr val="accent1">
+              <a:lumMod val="10000"/>
+              <a:lumOff val="90000"/>
+            </a:schemeClr>
+          </a:solidFill>
+          <a:ln>
+            <a:solidFill>
+              <a:schemeClr val="bg1"/>
+            </a:solidFill>
+          </a:ln>
+        </p:spPr>
+        <p:style>
+          <a:lnRef idx="2">
+            <a:schemeClr val="accent1">
+              <a:shade val="50000"/>
+            </a:schemeClr>
+          </a:lnRef>
+          <a:fillRef idx="1">
+            <a:schemeClr val="accent1"/>
+          </a:fillRef>
+          <a:effectRef idx="0">
+            <a:schemeClr val="accent1"/>
+          </a:effectRef>
+          <a:fontRef idx="minor">
+            <a:schemeClr val="lt1"/>
+          </a:fontRef>
+        </p:style>
+        <p:txBody>
+          <a:bodyPr rtlCol="0" anchor="ctr"/>
+          <a:lstStyle/>
+          <a:p>
+            <a:pPr algn="ctr"/>
+            <a:endParaRPr lang="en-IN"/>
+          </a:p>
+        </p:txBody>
+      </p:sp>
+      <p:sp>
+        <p:nvSpPr>
+          <p:cNvPr id="20" name="TextBox 19"/>
+          <p:cNvSpPr txBox="1"/>
+          <p:nvPr/>
+        </p:nvSpPr>
+        <p:spPr>
+          <a:xfrm>
+            <a:off x="1806595" y="4029084"/>
+            <a:ext cx="739750" cy="577081"/>
+          </a:xfrm>
+          <a:prstGeom prst="rect">
+            <a:avLst/>
+          </a:prstGeom>
+          <a:noFill/>
+        </p:spPr>
+        <p:txBody>
+          <a:bodyPr wrap="square" rtlCol="0">
+            <a:spAutoFit/>
+          </a:bodyPr>
+          <a:lstStyle/>
+          <a:p>
+            <a:pPr algn="ctr"/>
+            <a:r>
+              <a:rPr lang="en-IN" sz="1050" b="1" dirty="0"/>
+              <a:t>Service 2: </a:t>
+            </a:r>
+            <a:r>
+              <a:rPr lang="en-IN" sz="1050" b="1" dirty="0">
+                <a:solidFill>
+                  <a:schemeClr val="accent1">
+                    <a:lumMod val="75000"/>
+                    <a:lumOff val="25000"/>
+                  </a:schemeClr>
+                </a:solidFill>
+              </a:rPr>
+              <a:t>8095</a:t>
+            </a:r>
+          </a:p>
+          <a:p>
+            <a:endParaRPr lang="en-IN" sz="1050" dirty="0"/>
+          </a:p>
+        </p:txBody>
+      </p:sp>
+      <p:sp>
+        <p:nvSpPr>
+          <p:cNvPr id="21" name="TextBox 20"/>
+          <p:cNvSpPr txBox="1"/>
+          <p:nvPr/>
+        </p:nvSpPr>
+        <p:spPr>
+          <a:xfrm>
+            <a:off x="1138849" y="4695862"/>
+            <a:ext cx="860744" cy="577081"/>
+          </a:xfrm>
+          <a:prstGeom prst="rect">
+            <a:avLst/>
+          </a:prstGeom>
+          <a:noFill/>
+        </p:spPr>
+        <p:txBody>
+          <a:bodyPr wrap="square" rtlCol="0">
+            <a:spAutoFit/>
+          </a:bodyPr>
+          <a:lstStyle/>
+          <a:p>
+            <a:pPr algn="ctr"/>
+            <a:r>
+              <a:rPr lang="en-IN" sz="1050" b="1" dirty="0"/>
+              <a:t>Service 3: </a:t>
+            </a:r>
+            <a:r>
+              <a:rPr lang="en-IN" sz="1050" b="1" dirty="0">
+                <a:solidFill>
+                  <a:schemeClr val="accent1">
+                    <a:lumMod val="75000"/>
+                    <a:lumOff val="25000"/>
+                  </a:schemeClr>
+                </a:solidFill>
+              </a:rPr>
+              <a:t>9996</a:t>
+            </a:r>
+          </a:p>
+          <a:p>
+            <a:endParaRPr lang="en-IN" sz="1050" dirty="0"/>
+          </a:p>
+        </p:txBody>
+      </p:sp>
+      <p:sp>
+        <p:nvSpPr>
+          <p:cNvPr id="22" name="TextBox 21"/>
+          <p:cNvSpPr txBox="1"/>
+          <p:nvPr/>
+        </p:nvSpPr>
+        <p:spPr>
+          <a:xfrm>
+            <a:off x="514906" y="5357661"/>
+            <a:ext cx="831968" cy="577081"/>
+          </a:xfrm>
+          <a:prstGeom prst="rect">
+            <a:avLst/>
+          </a:prstGeom>
+          <a:noFill/>
+        </p:spPr>
+        <p:txBody>
+          <a:bodyPr wrap="square" rtlCol="0">
+            <a:spAutoFit/>
+          </a:bodyPr>
+          <a:lstStyle/>
+          <a:p>
+            <a:pPr algn="ctr"/>
+            <a:r>
+              <a:rPr lang="en-IN" sz="1050" b="1" dirty="0"/>
+              <a:t>Service 4: </a:t>
+            </a:r>
+            <a:r>
+              <a:rPr lang="en-IN" sz="1050" b="1" dirty="0">
+                <a:solidFill>
+                  <a:schemeClr val="accent1">
+                    <a:lumMod val="75000"/>
+                    <a:lumOff val="25000"/>
+                  </a:schemeClr>
+                </a:solidFill>
+              </a:rPr>
+              <a:t>8091</a:t>
+            </a:r>
+          </a:p>
+          <a:p>
+            <a:endParaRPr lang="en-IN" sz="1050" dirty="0"/>
+          </a:p>
+        </p:txBody>
+      </p:sp>
+      <p:sp>
+        <p:nvSpPr>
+          <p:cNvPr id="23" name="TextBox 22"/>
+          <p:cNvSpPr txBox="1"/>
+          <p:nvPr/>
+        </p:nvSpPr>
+        <p:spPr>
+          <a:xfrm>
+            <a:off x="1751222" y="5330461"/>
+            <a:ext cx="834097" cy="577081"/>
+          </a:xfrm>
+          <a:prstGeom prst="rect">
+            <a:avLst/>
+          </a:prstGeom>
+          <a:noFill/>
+        </p:spPr>
+        <p:txBody>
+          <a:bodyPr wrap="square" rtlCol="0">
+            <a:spAutoFit/>
+          </a:bodyPr>
+          <a:lstStyle/>
+          <a:p>
+            <a:pPr algn="ctr"/>
+            <a:r>
+              <a:rPr lang="en-IN" sz="1050" b="1" dirty="0"/>
+              <a:t>Service 5:</a:t>
+            </a:r>
+            <a:r>
+              <a:rPr lang="en-IN" sz="1050" dirty="0"/>
+              <a:t> </a:t>
+            </a:r>
+            <a:r>
+              <a:rPr lang="en-IN" sz="1050" b="1" dirty="0">
+                <a:solidFill>
+                  <a:schemeClr val="accent1">
+                    <a:lumMod val="75000"/>
+                    <a:lumOff val="25000"/>
+                  </a:schemeClr>
+                </a:solidFill>
+              </a:rPr>
+              <a:t>8093</a:t>
+            </a:r>
+          </a:p>
+          <a:p>
+            <a:pPr algn="ctr"/>
+            <a:endParaRPr lang="en-IN" sz="1050" dirty="0"/>
+          </a:p>
+        </p:txBody>
+      </p:sp>
+      <p:sp>
+        <p:nvSpPr>
+          <p:cNvPr id="24" name="Rectangle 23"/>
+          <p:cNvSpPr/>
+          <p:nvPr/>
+        </p:nvSpPr>
+        <p:spPr>
+          <a:xfrm>
+            <a:off x="3164236" y="4459770"/>
+            <a:ext cx="1108190" cy="992360"/>
+          </a:xfrm>
+          <a:prstGeom prst="rect">
+            <a:avLst/>
+          </a:prstGeom>
+          <a:solidFill>
+            <a:schemeClr val="accent1">
+              <a:lumMod val="10000"/>
+              <a:lumOff val="90000"/>
+            </a:schemeClr>
+          </a:solidFill>
+          <a:ln>
+            <a:solidFill>
+              <a:schemeClr val="bg1"/>
+            </a:solidFill>
+          </a:ln>
+        </p:spPr>
+        <p:style>
+          <a:lnRef idx="2">
+            <a:schemeClr val="accent1">
+              <a:shade val="50000"/>
+            </a:schemeClr>
+          </a:lnRef>
+          <a:fillRef idx="1">
+            <a:schemeClr val="accent1"/>
+          </a:fillRef>
+          <a:effectRef idx="0">
+            <a:schemeClr val="accent1"/>
+          </a:effectRef>
+          <a:fontRef idx="minor">
+            <a:schemeClr val="lt1"/>
+          </a:fontRef>
+        </p:style>
+        <p:txBody>
+          <a:bodyPr rtlCol="0" anchor="ctr"/>
+          <a:lstStyle/>
+          <a:p>
+            <a:pPr algn="ctr"/>
+            <a:endParaRPr lang="en-IN" dirty="0">
+              <a:solidFill>
+                <a:schemeClr val="accent1">
+                  <a:lumMod val="50000"/>
+                  <a:lumOff val="50000"/>
+                </a:schemeClr>
+              </a:solidFill>
+            </a:endParaRPr>
+          </a:p>
+        </p:txBody>
+      </p:sp>
+      <p:sp>
+        <p:nvSpPr>
+          <p:cNvPr id="25" name="TextBox 24"/>
+          <p:cNvSpPr txBox="1"/>
+          <p:nvPr/>
+        </p:nvSpPr>
+        <p:spPr>
+          <a:xfrm>
+            <a:off x="1736436" y="5882595"/>
+            <a:ext cx="1859475" cy="276999"/>
+          </a:xfrm>
+          <a:prstGeom prst="rect">
+            <a:avLst/>
+          </a:prstGeom>
+          <a:noFill/>
+        </p:spPr>
+        <p:txBody>
+          <a:bodyPr wrap="square" rtlCol="0">
+            <a:spAutoFit/>
+          </a:bodyPr>
+          <a:lstStyle/>
+          <a:p>
+            <a:pPr algn="ctr"/>
+            <a:r>
+              <a:rPr lang="en-IN" sz="1200" b="1" dirty="0"/>
+              <a:t>Micro-Services</a:t>
+            </a:r>
+          </a:p>
+        </p:txBody>
+      </p:sp>
+      <p:sp>
+        <p:nvSpPr>
+          <p:cNvPr id="26" name="TextBox 25"/>
+          <p:cNvSpPr txBox="1"/>
+          <p:nvPr/>
+        </p:nvSpPr>
+        <p:spPr>
+          <a:xfrm>
+            <a:off x="3285133" y="4646611"/>
+            <a:ext cx="844258" cy="646331"/>
+          </a:xfrm>
+          <a:prstGeom prst="rect">
+            <a:avLst/>
+          </a:prstGeom>
+          <a:noFill/>
+        </p:spPr>
+        <p:txBody>
+          <a:bodyPr wrap="square" rtlCol="0">
+            <a:spAutoFit/>
+          </a:bodyPr>
+          <a:lstStyle/>
+          <a:p>
+            <a:pPr algn="ctr"/>
+            <a:r>
+              <a:rPr lang="en-IN" dirty="0"/>
+              <a:t>Kafka:</a:t>
+            </a:r>
+          </a:p>
+          <a:p>
+            <a:pPr algn="ctr"/>
+            <a:r>
+              <a:rPr lang="en-IN" b="1" dirty="0">
+                <a:solidFill>
+                  <a:srgbClr val="FF0000"/>
+                </a:solidFill>
+              </a:rPr>
+              <a:t>9092</a:t>
+            </a:r>
+          </a:p>
+        </p:txBody>
+      </p:sp>
+      <p:sp>
+        <p:nvSpPr>
+          <p:cNvPr id="27" name="Plus 26"/>
+          <p:cNvSpPr/>
+          <p:nvPr/>
+        </p:nvSpPr>
+        <p:spPr>
+          <a:xfrm>
+            <a:off x="2585319" y="4685209"/>
+            <a:ext cx="422030" cy="434662"/>
+          </a:xfrm>
+          <a:prstGeom prst="mathPlus">
+            <a:avLst/>
+          </a:prstGeom>
+          <a:solidFill>
+            <a:schemeClr val="accent1">
+              <a:lumMod val="10000"/>
+              <a:lumOff val="90000"/>
+            </a:schemeClr>
+          </a:solidFill>
+        </p:spPr>
+        <p:style>
+          <a:lnRef idx="2">
+            <a:schemeClr val="accent1">
+              <a:shade val="50000"/>
+            </a:schemeClr>
+          </a:lnRef>
+          <a:fillRef idx="1">
+            <a:schemeClr val="accent1"/>
+          </a:fillRef>
+          <a:effectRef idx="0">
+            <a:schemeClr val="accent1"/>
+          </a:effectRef>
+          <a:fontRef idx="minor">
+            <a:schemeClr val="lt1"/>
+          </a:fontRef>
+        </p:style>
+        <p:txBody>
+          <a:bodyPr rtlCol="0" anchor="ctr"/>
+          <a:lstStyle/>
+          <a:p>
+            <a:pPr algn="ctr"/>
+            <a:endParaRPr lang="en-IN"/>
+          </a:p>
+        </p:txBody>
+      </p:sp>
+      <p:sp>
+        <p:nvSpPr>
+          <p:cNvPr id="28" name="Right Arrow 27"/>
+          <p:cNvSpPr/>
+          <p:nvPr/>
+        </p:nvSpPr>
+        <p:spPr>
+          <a:xfrm>
+            <a:off x="4774036" y="4187123"/>
+            <a:ext cx="1978456" cy="452097"/>
+          </a:xfrm>
+          <a:prstGeom prst="rightArrow">
+            <a:avLst/>
+          </a:prstGeom>
+          <a:solidFill>
+            <a:schemeClr val="accent1">
+              <a:lumMod val="25000"/>
+              <a:lumOff val="75000"/>
+            </a:schemeClr>
+          </a:solidFill>
+        </p:spPr>
+        <p:style>
+          <a:lnRef idx="2">
+            <a:schemeClr val="accent1">
+              <a:shade val="50000"/>
+            </a:schemeClr>
+          </a:lnRef>
+          <a:fillRef idx="1">
+            <a:schemeClr val="accent1"/>
+          </a:fillRef>
+          <a:effectRef idx="0">
+            <a:schemeClr val="accent1"/>
+          </a:effectRef>
+          <a:fontRef idx="minor">
+            <a:schemeClr val="lt1"/>
+          </a:fontRef>
+        </p:style>
+        <p:txBody>
+          <a:bodyPr rtlCol="0" anchor="ctr"/>
+          <a:lstStyle/>
+          <a:p>
+            <a:pPr algn="ctr"/>
+            <a:endParaRPr lang="en-IN"/>
+          </a:p>
+        </p:txBody>
+      </p:sp>
+      <p:sp>
+        <p:nvSpPr>
+          <p:cNvPr id="29" name="Right Arrow 28"/>
+          <p:cNvSpPr/>
+          <p:nvPr/>
+        </p:nvSpPr>
+        <p:spPr>
+          <a:xfrm rot="10800000">
+            <a:off x="4790433" y="5104412"/>
+            <a:ext cx="1962059" cy="452097"/>
+          </a:xfrm>
+          <a:prstGeom prst="rightArrow">
+            <a:avLst/>
+          </a:prstGeom>
+          <a:solidFill>
+            <a:schemeClr val="accent1">
+              <a:lumMod val="25000"/>
+              <a:lumOff val="75000"/>
+            </a:schemeClr>
+          </a:solidFill>
+        </p:spPr>
+        <p:style>
+          <a:lnRef idx="2">
+            <a:schemeClr val="accent1">
+              <a:shade val="50000"/>
+            </a:schemeClr>
+          </a:lnRef>
+          <a:fillRef idx="1">
+            <a:schemeClr val="accent1"/>
+          </a:fillRef>
+          <a:effectRef idx="0">
+            <a:schemeClr val="accent1"/>
+          </a:effectRef>
+          <a:fontRef idx="minor">
+            <a:schemeClr val="lt1"/>
+          </a:fontRef>
+        </p:style>
+        <p:txBody>
+          <a:bodyPr rtlCol="0" anchor="ctr"/>
+          <a:lstStyle/>
+          <a:p>
+            <a:pPr algn="ctr"/>
+            <a:endParaRPr lang="en-IN"/>
+          </a:p>
+        </p:txBody>
+      </p:sp>
+      <p:sp>
+        <p:nvSpPr>
+          <p:cNvPr id="30" name="Rectangle 29"/>
+          <p:cNvSpPr/>
+          <p:nvPr/>
+        </p:nvSpPr>
+        <p:spPr>
+          <a:xfrm>
+            <a:off x="6981092" y="3367546"/>
+            <a:ext cx="3604846" cy="3077216"/>
+          </a:xfrm>
+          <a:prstGeom prst="rect">
+            <a:avLst/>
+          </a:prstGeom>
+          <a:solidFill>
+            <a:schemeClr val="accent1">
+              <a:lumMod val="25000"/>
+              <a:lumOff val="75000"/>
+            </a:schemeClr>
+          </a:solidFill>
+          <a:ln>
+            <a:solidFill>
+              <a:schemeClr val="bg1"/>
+            </a:solidFill>
+          </a:ln>
+        </p:spPr>
+        <p:style>
+          <a:lnRef idx="2">
+            <a:schemeClr val="accent1">
+              <a:shade val="50000"/>
+            </a:schemeClr>
+          </a:lnRef>
+          <a:fillRef idx="1">
+            <a:schemeClr val="accent1"/>
+          </a:fillRef>
+          <a:effectRef idx="0">
+            <a:schemeClr val="accent1"/>
+          </a:effectRef>
+          <a:fontRef idx="minor">
+            <a:schemeClr val="lt1"/>
+          </a:fontRef>
+        </p:style>
+        <p:txBody>
+          <a:bodyPr rtlCol="0" anchor="ctr"/>
+          <a:lstStyle/>
+          <a:p>
+            <a:pPr algn="ctr"/>
+            <a:endParaRPr lang="en-IN">
+              <a:solidFill>
+                <a:schemeClr val="bg1"/>
+              </a:solidFill>
+            </a:endParaRPr>
+          </a:p>
+        </p:txBody>
+      </p:sp>
+      <p:sp>
+        <p:nvSpPr>
+          <p:cNvPr id="32" name="Rectangle 31"/>
+          <p:cNvSpPr/>
+          <p:nvPr/>
+        </p:nvSpPr>
+        <p:spPr>
+          <a:xfrm>
+            <a:off x="7877908" y="3497959"/>
+            <a:ext cx="1802423" cy="689164"/>
+          </a:xfrm>
+          <a:prstGeom prst="rect">
+            <a:avLst/>
+          </a:prstGeom>
+          <a:solidFill>
+            <a:schemeClr val="accent1">
+              <a:lumMod val="10000"/>
+              <a:lumOff val="90000"/>
+            </a:schemeClr>
+          </a:solidFill>
+          <a:ln>
+            <a:solidFill>
+              <a:schemeClr val="bg1"/>
+            </a:solidFill>
+          </a:ln>
+        </p:spPr>
+        <p:style>
+          <a:lnRef idx="2">
+            <a:schemeClr val="accent1">
+              <a:shade val="50000"/>
+            </a:schemeClr>
+          </a:lnRef>
+          <a:fillRef idx="1">
+            <a:schemeClr val="accent1"/>
+          </a:fillRef>
+          <a:effectRef idx="0">
+            <a:schemeClr val="accent1"/>
+          </a:effectRef>
+          <a:fontRef idx="minor">
+            <a:schemeClr val="lt1"/>
+          </a:fontRef>
+        </p:style>
+        <p:txBody>
+          <a:bodyPr rtlCol="0" anchor="ctr"/>
+          <a:lstStyle/>
+          <a:p>
+            <a:pPr algn="ctr"/>
+            <a:endParaRPr lang="en-IN" dirty="0">
+              <a:solidFill>
+                <a:schemeClr val="accent1">
+                  <a:lumMod val="50000"/>
+                  <a:lumOff val="50000"/>
+                </a:schemeClr>
+              </a:solidFill>
+            </a:endParaRPr>
+          </a:p>
+        </p:txBody>
+      </p:sp>
+      <p:sp>
+        <p:nvSpPr>
+          <p:cNvPr id="33" name="Rectangle 32"/>
+          <p:cNvSpPr/>
+          <p:nvPr/>
+        </p:nvSpPr>
+        <p:spPr>
+          <a:xfrm>
+            <a:off x="7877908" y="4355992"/>
+            <a:ext cx="1802423" cy="689164"/>
+          </a:xfrm>
+          <a:prstGeom prst="rect">
+            <a:avLst/>
+          </a:prstGeom>
+          <a:solidFill>
+            <a:schemeClr val="accent1">
+              <a:lumMod val="10000"/>
+              <a:lumOff val="90000"/>
+            </a:schemeClr>
+          </a:solidFill>
+          <a:ln>
+            <a:solidFill>
+              <a:schemeClr val="bg1"/>
+            </a:solidFill>
+          </a:ln>
+        </p:spPr>
+        <p:style>
+          <a:lnRef idx="2">
+            <a:schemeClr val="accent1">
+              <a:shade val="50000"/>
+            </a:schemeClr>
+          </a:lnRef>
+          <a:fillRef idx="1">
+            <a:schemeClr val="accent1"/>
+          </a:fillRef>
+          <a:effectRef idx="0">
+            <a:schemeClr val="accent1"/>
+          </a:effectRef>
+          <a:fontRef idx="minor">
+            <a:schemeClr val="lt1"/>
+          </a:fontRef>
+        </p:style>
+        <p:txBody>
+          <a:bodyPr rtlCol="0" anchor="ctr"/>
+          <a:lstStyle/>
+          <a:p>
+            <a:pPr algn="ctr"/>
+            <a:endParaRPr lang="en-IN" dirty="0">
+              <a:solidFill>
+                <a:schemeClr val="accent1">
+                  <a:lumMod val="50000"/>
+                  <a:lumOff val="50000"/>
+                </a:schemeClr>
+              </a:solidFill>
+            </a:endParaRPr>
+          </a:p>
+        </p:txBody>
+      </p:sp>
+      <p:sp>
+        <p:nvSpPr>
+          <p:cNvPr id="34" name="Rectangle 33"/>
+          <p:cNvSpPr/>
+          <p:nvPr/>
+        </p:nvSpPr>
+        <p:spPr>
+          <a:xfrm>
+            <a:off x="7877907" y="5258672"/>
+            <a:ext cx="1802423" cy="689164"/>
+          </a:xfrm>
+          <a:prstGeom prst="rect">
+            <a:avLst/>
+          </a:prstGeom>
+          <a:solidFill>
+            <a:schemeClr val="accent1">
+              <a:lumMod val="10000"/>
+              <a:lumOff val="90000"/>
+            </a:schemeClr>
+          </a:solidFill>
+          <a:ln>
+            <a:solidFill>
+              <a:schemeClr val="bg1"/>
+            </a:solidFill>
+          </a:ln>
+        </p:spPr>
+        <p:style>
+          <a:lnRef idx="2">
+            <a:schemeClr val="accent1">
+              <a:shade val="50000"/>
+            </a:schemeClr>
+          </a:lnRef>
+          <a:fillRef idx="1">
+            <a:schemeClr val="accent1"/>
+          </a:fillRef>
+          <a:effectRef idx="0">
+            <a:schemeClr val="accent1"/>
+          </a:effectRef>
+          <a:fontRef idx="minor">
+            <a:schemeClr val="lt1"/>
+          </a:fontRef>
+        </p:style>
+        <p:txBody>
+          <a:bodyPr rtlCol="0" anchor="ctr"/>
+          <a:lstStyle/>
+          <a:p>
+            <a:pPr algn="ctr"/>
+            <a:endParaRPr lang="en-IN" dirty="0">
+              <a:solidFill>
+                <a:schemeClr val="accent1">
+                  <a:lumMod val="50000"/>
+                  <a:lumOff val="50000"/>
+                </a:schemeClr>
+              </a:solidFill>
+            </a:endParaRPr>
+          </a:p>
+        </p:txBody>
+      </p:sp>
+      <p:sp>
+        <p:nvSpPr>
+          <p:cNvPr id="35" name="TextBox 34"/>
+          <p:cNvSpPr txBox="1"/>
+          <p:nvPr/>
+        </p:nvSpPr>
+        <p:spPr>
+          <a:xfrm>
+            <a:off x="8044962" y="6021094"/>
+            <a:ext cx="1635368" cy="276999"/>
+          </a:xfrm>
+          <a:prstGeom prst="rect">
+            <a:avLst/>
+          </a:prstGeom>
+          <a:noFill/>
+        </p:spPr>
+        <p:txBody>
+          <a:bodyPr wrap="square" rtlCol="0">
+            <a:spAutoFit/>
+          </a:bodyPr>
+          <a:lstStyle/>
+          <a:p>
+            <a:pPr algn="ctr"/>
+            <a:r>
+              <a:rPr lang="en-IN" sz="1200" b="1" dirty="0"/>
+              <a:t>Frontend: </a:t>
+            </a:r>
+            <a:r>
+              <a:rPr lang="en-IN" sz="1200" b="1" dirty="0">
+                <a:solidFill>
+                  <a:srgbClr val="FF0000"/>
+                </a:solidFill>
+              </a:rPr>
+              <a:t>3000</a:t>
+            </a:r>
+          </a:p>
+        </p:txBody>
+      </p:sp>
+      <p:sp>
+        <p:nvSpPr>
+          <p:cNvPr id="36" name="TextBox 35"/>
+          <p:cNvSpPr txBox="1"/>
+          <p:nvPr/>
+        </p:nvSpPr>
+        <p:spPr>
+          <a:xfrm>
+            <a:off x="8237915" y="5452130"/>
+            <a:ext cx="1082405" cy="307777"/>
+          </a:xfrm>
+          <a:prstGeom prst="rect">
+            <a:avLst/>
+          </a:prstGeom>
+          <a:noFill/>
+        </p:spPr>
+        <p:txBody>
+          <a:bodyPr wrap="square" rtlCol="0">
+            <a:spAutoFit/>
+          </a:bodyPr>
+          <a:lstStyle/>
+          <a:p>
+            <a:pPr algn="ctr"/>
+            <a:r>
+              <a:rPr lang="en-IN" sz="1400" b="1" dirty="0"/>
+              <a:t>Axios</a:t>
+            </a:r>
+          </a:p>
+        </p:txBody>
+      </p:sp>
+      <p:sp>
+        <p:nvSpPr>
+          <p:cNvPr id="37" name="TextBox 36"/>
+          <p:cNvSpPr txBox="1"/>
+          <p:nvPr/>
+        </p:nvSpPr>
+        <p:spPr>
+          <a:xfrm>
+            <a:off x="8275804" y="4541973"/>
+            <a:ext cx="1006625" cy="307777"/>
+          </a:xfrm>
+          <a:prstGeom prst="rect">
+            <a:avLst/>
+          </a:prstGeom>
+          <a:noFill/>
+        </p:spPr>
+        <p:txBody>
+          <a:bodyPr wrap="square" rtlCol="0">
+            <a:spAutoFit/>
+          </a:bodyPr>
+          <a:lstStyle/>
+          <a:p>
+            <a:pPr algn="ctr"/>
+            <a:r>
+              <a:rPr lang="en-IN" sz="1400" b="1" dirty="0"/>
+              <a:t>Router</a:t>
+            </a:r>
+          </a:p>
+        </p:txBody>
+      </p:sp>
+      <p:sp>
+        <p:nvSpPr>
+          <p:cNvPr id="38" name="TextBox 37"/>
+          <p:cNvSpPr txBox="1"/>
+          <p:nvPr/>
+        </p:nvSpPr>
+        <p:spPr>
+          <a:xfrm>
+            <a:off x="8051545" y="3689789"/>
+            <a:ext cx="1442415" cy="307777"/>
+          </a:xfrm>
+          <a:prstGeom prst="rect">
+            <a:avLst/>
+          </a:prstGeom>
+          <a:noFill/>
+        </p:spPr>
+        <p:txBody>
+          <a:bodyPr wrap="square" rtlCol="0">
+            <a:spAutoFit/>
+          </a:bodyPr>
+          <a:lstStyle/>
+          <a:p>
+            <a:pPr algn="ctr"/>
+            <a:r>
+              <a:rPr lang="en-IN" sz="1400" b="1" dirty="0"/>
+              <a:t>Components</a:t>
+            </a:r>
+          </a:p>
+        </p:txBody>
+      </p:sp>
+    </p:spTree>
+    <p:extLst>
+      <p:ext uri="{BB962C8B-B14F-4D97-AF65-F5344CB8AC3E}">
+        <p14:creationId xmlns:p14="http://schemas.microsoft.com/office/powerpoint/2010/main" val="871719394"/>
+      </p:ext>
+    </p:extLst>
+  </p:cSld>
+  <p:clrMapOvr>
+    <a:masterClrMapping/>
+  </p:clrMapOvr>
+</p:sld>
+</file>
+
+<file path=ppt/slides/slide6.xml><?xml version="1.0" encoding="utf-8"?>
+<p:sld xmlns:a="http://schemas.openxmlformats.org/drawingml/2006/main" xmlns:r="http://schemas.openxmlformats.org/officeDocument/2006/relationships" xmlns:p="http://schemas.openxmlformats.org/presentationml/2006/main">
+  <p:cSld>
+    <p:spTree>
+      <p:nvGrpSpPr>
+        <p:cNvPr id="1" name=""/>
+        <p:cNvGrpSpPr/>
+        <p:nvPr/>
+      </p:nvGrpSpPr>
+      <p:grpSpPr>
+        <a:xfrm>
+          <a:off x="0" y="0"/>
+          <a:ext cx="0" cy="0"/>
+          <a:chOff x="0" y="0"/>
+          <a:chExt cx="0" cy="0"/>
+        </a:xfrm>
+      </p:grpSpPr>
+      <p:sp>
+        <p:nvSpPr>
+          <p:cNvPr id="2" name="Footer Placeholder 1"/>
+          <p:cNvSpPr>
+            <a:spLocks noGrp="1"/>
+          </p:cNvSpPr>
+          <p:nvPr>
+            <p:ph type="ftr" sz="quarter" idx="10"/>
+          </p:nvPr>
+        </p:nvSpPr>
+        <p:spPr>
+          <a:xfrm>
+            <a:off x="87923" y="6684059"/>
+            <a:ext cx="150397" cy="45719"/>
+          </a:xfrm>
+        </p:spPr>
+        <p:txBody>
+          <a:bodyPr/>
+          <a:lstStyle/>
+          <a:p>
+            <a:r>
+              <a:rPr lang="en-US" dirty="0"/>
+              <a:t>.</a:t>
+            </a:r>
+            <a:endParaRPr lang="en-US" noProof="0" dirty="0"/>
+          </a:p>
+        </p:txBody>
+      </p:sp>
+      <p:sp>
+        <p:nvSpPr>
+          <p:cNvPr id="3" name="Slide Number Placeholder 2"/>
+          <p:cNvSpPr>
+            <a:spLocks noGrp="1"/>
+          </p:cNvSpPr>
+          <p:nvPr>
+            <p:ph type="sldNum" sz="quarter" idx="11"/>
+          </p:nvPr>
+        </p:nvSpPr>
+        <p:spPr>
+          <a:xfrm>
+            <a:off x="11296440" y="6364653"/>
+            <a:ext cx="740227" cy="365125"/>
+          </a:xfrm>
+        </p:spPr>
+        <p:txBody>
+          <a:bodyPr/>
+          <a:lstStyle/>
+          <a:p>
+            <a:r>
+              <a:rPr lang="en-US" dirty="0"/>
+              <a:t>.</a:t>
+            </a:r>
+            <a:endParaRPr lang="en-US" noProof="0" dirty="0"/>
+          </a:p>
+        </p:txBody>
+      </p:sp>
+      <p:sp>
+        <p:nvSpPr>
+          <p:cNvPr id="4" name="Title 3"/>
+          <p:cNvSpPr>
+            <a:spLocks noGrp="1"/>
+          </p:cNvSpPr>
+          <p:nvPr>
+            <p:ph type="title"/>
+          </p:nvPr>
+        </p:nvSpPr>
+        <p:spPr>
+          <a:xfrm>
+            <a:off x="2395930" y="68352"/>
+            <a:ext cx="5987630" cy="1147968"/>
+          </a:xfrm>
+        </p:spPr>
+        <p:txBody>
+          <a:bodyPr>
+            <a:normAutofit fontScale="90000"/>
+          </a:bodyPr>
+          <a:lstStyle/>
+          <a:p>
+            <a:r>
+              <a:rPr lang="en-IN" dirty="0"/>
+              <a:t>Micro-Service Architecture</a:t>
+            </a:r>
+          </a:p>
+        </p:txBody>
+      </p:sp>
+      <p:pic>
+        <p:nvPicPr>
+          <p:cNvPr id="5" name="Picture Placeholder 58">
+            <a:extLst>
+              <a:ext uri="{FF2B5EF4-FFF2-40B4-BE49-F238E27FC236}">
+                <a16:creationId xmlns:a16="http://schemas.microsoft.com/office/drawing/2014/main" id="{3FCCC668-2247-4814-9CC5-9C5D4B447AA3}"/>
+              </a:ext>
+            </a:extLst>
+          </p:cNvPr>
+          <p:cNvPicPr>
+            <a:picLocks noChangeAspect="1"/>
+          </p:cNvPicPr>
+          <p:nvPr/>
+        </p:nvPicPr>
+        <p:blipFill>
+          <a:blip r:embed="rId2">
+            <a:extLst>
+              <a:ext uri="{28A0092B-C50C-407E-A947-70E740481C1C}">
+                <a14:useLocalDpi xmlns:a14="http://schemas.microsoft.com/office/drawing/2010/main" val="0"/>
+              </a:ext>
+            </a:extLst>
+          </a:blip>
+          <a:stretch>
+            <a:fillRect/>
+          </a:stretch>
+        </p:blipFill>
+        <p:spPr>
+          <a:xfrm rot="16200000">
+            <a:off x="9326766" y="-182767"/>
+            <a:ext cx="2682467" cy="3048000"/>
+          </a:xfrm>
+          <a:custGeom>
+            <a:avLst/>
+            <a:gdLst>
+              <a:gd name="connsiteX0" fmla="*/ 6021821 w 6021821"/>
+              <a:gd name="connsiteY0" fmla="*/ 0 h 5422900"/>
+              <a:gd name="connsiteX1" fmla="*/ 6021821 w 6021821"/>
+              <a:gd name="connsiteY1" fmla="*/ 5422900 h 5422900"/>
+              <a:gd name="connsiteX2" fmla="*/ 0 w 6021821"/>
+              <a:gd name="connsiteY2" fmla="*/ 5422900 h 5422900"/>
+            </a:gdLst>
+            <a:ahLst/>
+            <a:cxnLst>
+              <a:cxn ang="0">
+                <a:pos x="connsiteX0" y="connsiteY0"/>
+              </a:cxn>
+              <a:cxn ang="0">
+                <a:pos x="connsiteX1" y="connsiteY1"/>
+              </a:cxn>
+              <a:cxn ang="0">
+                <a:pos x="connsiteX2" y="connsiteY2"/>
+              </a:cxn>
+            </a:cxnLst>
+            <a:rect l="l" t="t" r="r" b="b"/>
+            <a:pathLst>
+              <a:path w="6021821" h="5422900">
+                <a:moveTo>
+                  <a:pt x="6021821" y="0"/>
+                </a:moveTo>
+                <a:lnTo>
+                  <a:pt x="6021821" y="5422900"/>
+                </a:lnTo>
+                <a:lnTo>
+                  <a:pt x="0" y="5422900"/>
+                </a:lnTo>
+                <a:close/>
+              </a:path>
+            </a:pathLst>
+          </a:custGeom>
+        </p:spPr>
+      </p:pic>
+      <p:sp>
+        <p:nvSpPr>
+          <p:cNvPr id="11" name="Rectangle 10"/>
+          <p:cNvSpPr/>
+          <p:nvPr/>
+        </p:nvSpPr>
+        <p:spPr>
+          <a:xfrm>
+            <a:off x="1125416" y="1749670"/>
+            <a:ext cx="9398976" cy="4721468"/>
+          </a:xfrm>
+          <a:prstGeom prst="rect">
+            <a:avLst/>
+          </a:prstGeom>
+          <a:solidFill>
+            <a:schemeClr val="accent1">
+              <a:lumMod val="10000"/>
+              <a:lumOff val="90000"/>
+            </a:schemeClr>
+          </a:solidFill>
+          <a:ln>
+            <a:solidFill>
+              <a:schemeClr val="bg1"/>
+            </a:solidFill>
+          </a:ln>
+        </p:spPr>
+        <p:style>
+          <a:lnRef idx="2">
+            <a:schemeClr val="accent1">
+              <a:shade val="50000"/>
+            </a:schemeClr>
+          </a:lnRef>
+          <a:fillRef idx="1">
+            <a:schemeClr val="accent1"/>
+          </a:fillRef>
+          <a:effectRef idx="0">
+            <a:schemeClr val="accent1"/>
+          </a:effectRef>
+          <a:fontRef idx="minor">
+            <a:schemeClr val="lt1"/>
+          </a:fontRef>
+        </p:style>
+        <p:txBody>
+          <a:bodyPr rtlCol="0" anchor="ctr"/>
+          <a:lstStyle/>
+          <a:p>
+            <a:pPr algn="ctr"/>
+            <a:endParaRPr lang="en-IN">
+              <a:solidFill>
+                <a:schemeClr val="bg1"/>
+              </a:solidFill>
+            </a:endParaRPr>
+          </a:p>
+        </p:txBody>
+      </p:sp>
+      <p:sp>
+        <p:nvSpPr>
+          <p:cNvPr id="12" name="TextBox 11"/>
+          <p:cNvSpPr txBox="1"/>
+          <p:nvPr/>
+        </p:nvSpPr>
+        <p:spPr>
+          <a:xfrm>
+            <a:off x="1478853" y="1879152"/>
+            <a:ext cx="2108409" cy="307777"/>
+          </a:xfrm>
+          <a:prstGeom prst="rect">
+            <a:avLst/>
+          </a:prstGeom>
+          <a:noFill/>
+        </p:spPr>
+        <p:txBody>
+          <a:bodyPr wrap="square" rtlCol="0">
+            <a:spAutoFit/>
+          </a:bodyPr>
+          <a:lstStyle/>
+          <a:p>
+            <a:r>
+              <a:rPr lang="en-IN" sz="1400" b="1" dirty="0"/>
+              <a:t>Eureka Server : </a:t>
+            </a:r>
+            <a:r>
+              <a:rPr lang="en-IN" sz="1400" b="1" dirty="0">
+                <a:solidFill>
+                  <a:schemeClr val="accent1">
+                    <a:lumMod val="50000"/>
+                    <a:lumOff val="50000"/>
+                  </a:schemeClr>
+                </a:solidFill>
+              </a:rPr>
+              <a:t>8761</a:t>
+            </a:r>
+          </a:p>
+        </p:txBody>
+      </p:sp>
+      <p:sp>
+        <p:nvSpPr>
+          <p:cNvPr id="13" name="Rectangle 12"/>
+          <p:cNvSpPr/>
+          <p:nvPr/>
+        </p:nvSpPr>
+        <p:spPr>
+          <a:xfrm>
+            <a:off x="1489125" y="2316411"/>
+            <a:ext cx="8737809" cy="3914398"/>
+          </a:xfrm>
+          <a:prstGeom prst="rect">
+            <a:avLst/>
+          </a:prstGeom>
+          <a:solidFill>
+            <a:schemeClr val="accent1">
+              <a:lumMod val="25000"/>
+              <a:lumOff val="75000"/>
+            </a:schemeClr>
+          </a:solidFill>
+          <a:ln>
+            <a:solidFill>
+              <a:schemeClr val="bg1"/>
+            </a:solidFill>
+          </a:ln>
+        </p:spPr>
+        <p:style>
+          <a:lnRef idx="2">
+            <a:schemeClr val="accent1">
+              <a:shade val="50000"/>
+            </a:schemeClr>
+          </a:lnRef>
+          <a:fillRef idx="1">
+            <a:schemeClr val="accent1"/>
+          </a:fillRef>
+          <a:effectRef idx="0">
+            <a:schemeClr val="accent1"/>
+          </a:effectRef>
+          <a:fontRef idx="minor">
+            <a:schemeClr val="lt1"/>
+          </a:fontRef>
+        </p:style>
+        <p:txBody>
+          <a:bodyPr rtlCol="0" anchor="ctr"/>
+          <a:lstStyle/>
+          <a:p>
+            <a:pPr algn="ctr"/>
+            <a:endParaRPr lang="en-IN" sz="3200" dirty="0">
+              <a:solidFill>
+                <a:schemeClr val="accent1">
+                  <a:lumMod val="50000"/>
+                  <a:lumOff val="50000"/>
+                </a:schemeClr>
+              </a:solidFill>
+            </a:endParaRPr>
+          </a:p>
+        </p:txBody>
+      </p:sp>
+      <p:sp>
+        <p:nvSpPr>
+          <p:cNvPr id="14" name="Rectangle 13"/>
+          <p:cNvSpPr/>
+          <p:nvPr/>
+        </p:nvSpPr>
+        <p:spPr>
+          <a:xfrm>
+            <a:off x="1881531" y="2737386"/>
+            <a:ext cx="1321866" cy="949622"/>
+          </a:xfrm>
+          <a:prstGeom prst="rect">
+            <a:avLst/>
+          </a:prstGeom>
+          <a:solidFill>
+            <a:schemeClr val="accent1">
+              <a:lumMod val="10000"/>
+              <a:lumOff val="90000"/>
+            </a:schemeClr>
+          </a:solidFill>
+          <a:ln>
+            <a:solidFill>
+              <a:schemeClr val="bg1"/>
+            </a:solidFill>
+          </a:ln>
+        </p:spPr>
+        <p:style>
+          <a:lnRef idx="2">
+            <a:schemeClr val="accent1">
+              <a:shade val="50000"/>
+            </a:schemeClr>
+          </a:lnRef>
+          <a:fillRef idx="1">
+            <a:schemeClr val="accent1"/>
+          </a:fillRef>
+          <a:effectRef idx="0">
+            <a:schemeClr val="accent1"/>
+          </a:effectRef>
+          <a:fontRef idx="minor">
+            <a:schemeClr val="lt1"/>
+          </a:fontRef>
+        </p:style>
+        <p:txBody>
+          <a:bodyPr rtlCol="0" anchor="ctr"/>
+          <a:lstStyle/>
+          <a:p>
+            <a:pPr algn="ctr"/>
+            <a:r>
+              <a:rPr lang="en-IN" sz="1400" dirty="0">
+                <a:solidFill>
+                  <a:schemeClr val="accent6">
+                    <a:lumMod val="50000"/>
+                  </a:schemeClr>
+                </a:solidFill>
+              </a:rPr>
+              <a:t>Model</a:t>
+            </a:r>
+            <a:endParaRPr lang="en-IN" sz="2400" dirty="0">
+              <a:solidFill>
+                <a:schemeClr val="accent6">
+                  <a:lumMod val="50000"/>
+                </a:schemeClr>
+              </a:solidFill>
+            </a:endParaRPr>
+          </a:p>
+        </p:txBody>
+      </p:sp>
+      <p:sp>
+        <p:nvSpPr>
+          <p:cNvPr id="16" name="Rectangle 15"/>
+          <p:cNvSpPr/>
+          <p:nvPr/>
+        </p:nvSpPr>
+        <p:spPr>
+          <a:xfrm>
+            <a:off x="4525263" y="4636630"/>
+            <a:ext cx="1321866" cy="949622"/>
+          </a:xfrm>
+          <a:prstGeom prst="rect">
+            <a:avLst/>
+          </a:prstGeom>
+          <a:solidFill>
+            <a:schemeClr val="accent1">
+              <a:lumMod val="10000"/>
+              <a:lumOff val="90000"/>
+            </a:schemeClr>
+          </a:solidFill>
+          <a:ln>
+            <a:solidFill>
+              <a:schemeClr val="bg1"/>
+            </a:solidFill>
+          </a:ln>
+        </p:spPr>
+        <p:style>
+          <a:lnRef idx="2">
+            <a:schemeClr val="accent1">
+              <a:shade val="50000"/>
+            </a:schemeClr>
+          </a:lnRef>
+          <a:fillRef idx="1">
+            <a:schemeClr val="accent1"/>
+          </a:fillRef>
+          <a:effectRef idx="0">
+            <a:schemeClr val="accent1"/>
+          </a:effectRef>
+          <a:fontRef idx="minor">
+            <a:schemeClr val="lt1"/>
+          </a:fontRef>
+        </p:style>
+        <p:txBody>
+          <a:bodyPr rtlCol="0" anchor="ctr"/>
+          <a:lstStyle/>
+          <a:p>
+            <a:pPr algn="ctr"/>
+            <a:r>
+              <a:rPr lang="en-IN" sz="1400" dirty="0">
+                <a:solidFill>
+                  <a:schemeClr val="accent6">
+                    <a:lumMod val="50000"/>
+                  </a:schemeClr>
+                </a:solidFill>
+              </a:rPr>
+              <a:t>DTO</a:t>
+            </a:r>
+            <a:endParaRPr lang="en-IN" dirty="0"/>
+          </a:p>
+        </p:txBody>
+      </p:sp>
+      <p:sp>
+        <p:nvSpPr>
+          <p:cNvPr id="17" name="Rectangle 16"/>
+          <p:cNvSpPr/>
+          <p:nvPr/>
+        </p:nvSpPr>
+        <p:spPr>
+          <a:xfrm>
+            <a:off x="1881531" y="4636630"/>
+            <a:ext cx="1321866" cy="949622"/>
+          </a:xfrm>
+          <a:prstGeom prst="rect">
+            <a:avLst/>
+          </a:prstGeom>
+          <a:solidFill>
+            <a:schemeClr val="accent1">
+              <a:lumMod val="10000"/>
+              <a:lumOff val="90000"/>
+            </a:schemeClr>
+          </a:solidFill>
+          <a:ln>
+            <a:solidFill>
+              <a:schemeClr val="bg1"/>
+            </a:solidFill>
+          </a:ln>
+        </p:spPr>
+        <p:style>
+          <a:lnRef idx="2">
+            <a:schemeClr val="accent1">
+              <a:shade val="50000"/>
+            </a:schemeClr>
+          </a:lnRef>
+          <a:fillRef idx="1">
+            <a:schemeClr val="accent1"/>
+          </a:fillRef>
+          <a:effectRef idx="0">
+            <a:schemeClr val="accent1"/>
+          </a:effectRef>
+          <a:fontRef idx="minor">
+            <a:schemeClr val="lt1"/>
+          </a:fontRef>
+        </p:style>
+        <p:txBody>
+          <a:bodyPr rtlCol="0" anchor="ctr"/>
+          <a:lstStyle/>
+          <a:p>
+            <a:pPr algn="ctr"/>
+            <a:r>
+              <a:rPr lang="en-IN" sz="1400" dirty="0">
+                <a:solidFill>
+                  <a:schemeClr val="accent6">
+                    <a:lumMod val="50000"/>
+                  </a:schemeClr>
+                </a:solidFill>
+              </a:rPr>
+              <a:t>Controller</a:t>
+            </a:r>
+            <a:endParaRPr lang="en-IN" dirty="0"/>
+          </a:p>
+        </p:txBody>
+      </p:sp>
+      <p:sp>
+        <p:nvSpPr>
+          <p:cNvPr id="18" name="Rectangle 17"/>
+          <p:cNvSpPr/>
+          <p:nvPr/>
+        </p:nvSpPr>
+        <p:spPr>
+          <a:xfrm>
+            <a:off x="4525263" y="2737386"/>
+            <a:ext cx="1321866" cy="949622"/>
+          </a:xfrm>
+          <a:prstGeom prst="rect">
+            <a:avLst/>
+          </a:prstGeom>
+          <a:solidFill>
+            <a:schemeClr val="accent1">
+              <a:lumMod val="10000"/>
+              <a:lumOff val="90000"/>
+            </a:schemeClr>
+          </a:solidFill>
+          <a:ln>
+            <a:solidFill>
+              <a:schemeClr val="bg1"/>
+            </a:solidFill>
+          </a:ln>
+        </p:spPr>
+        <p:style>
+          <a:lnRef idx="2">
+            <a:schemeClr val="accent1">
+              <a:shade val="50000"/>
+            </a:schemeClr>
+          </a:lnRef>
+          <a:fillRef idx="1">
+            <a:schemeClr val="accent1"/>
+          </a:fillRef>
+          <a:effectRef idx="0">
+            <a:schemeClr val="accent1"/>
+          </a:effectRef>
+          <a:fontRef idx="minor">
+            <a:schemeClr val="lt1"/>
+          </a:fontRef>
+        </p:style>
+        <p:txBody>
+          <a:bodyPr rtlCol="0" anchor="ctr"/>
+          <a:lstStyle/>
+          <a:p>
+            <a:pPr algn="ctr"/>
+            <a:r>
+              <a:rPr lang="en-IN" sz="1400" dirty="0">
+                <a:solidFill>
+                  <a:schemeClr val="accent6">
+                    <a:lumMod val="50000"/>
+                  </a:schemeClr>
+                </a:solidFill>
+              </a:rPr>
+              <a:t>Repository</a:t>
+            </a:r>
+            <a:endParaRPr lang="en-IN" sz="1200" dirty="0"/>
+          </a:p>
+        </p:txBody>
+      </p:sp>
+      <p:sp>
+        <p:nvSpPr>
+          <p:cNvPr id="19" name="Rectangle 18"/>
+          <p:cNvSpPr/>
+          <p:nvPr/>
+        </p:nvSpPr>
+        <p:spPr>
+          <a:xfrm>
+            <a:off x="3203397" y="3687008"/>
+            <a:ext cx="1321866" cy="949622"/>
+          </a:xfrm>
+          <a:prstGeom prst="rect">
+            <a:avLst/>
+          </a:prstGeom>
+          <a:solidFill>
+            <a:schemeClr val="accent1">
+              <a:lumMod val="10000"/>
+              <a:lumOff val="90000"/>
+            </a:schemeClr>
+          </a:solidFill>
+          <a:ln>
+            <a:solidFill>
+              <a:schemeClr val="bg1"/>
+            </a:solidFill>
+          </a:ln>
+        </p:spPr>
+        <p:style>
+          <a:lnRef idx="2">
+            <a:schemeClr val="accent1">
+              <a:shade val="50000"/>
+            </a:schemeClr>
+          </a:lnRef>
+          <a:fillRef idx="1">
+            <a:schemeClr val="accent1"/>
+          </a:fillRef>
+          <a:effectRef idx="0">
+            <a:schemeClr val="accent1"/>
+          </a:effectRef>
+          <a:fontRef idx="minor">
+            <a:schemeClr val="lt1"/>
+          </a:fontRef>
+        </p:style>
+        <p:txBody>
+          <a:bodyPr rtlCol="0" anchor="ctr"/>
+          <a:lstStyle/>
+          <a:p>
+            <a:pPr algn="ctr"/>
+            <a:r>
+              <a:rPr lang="en-IN" sz="1400" dirty="0">
+                <a:solidFill>
+                  <a:schemeClr val="accent6">
+                    <a:lumMod val="50000"/>
+                  </a:schemeClr>
+                </a:solidFill>
+              </a:rPr>
+              <a:t>Service</a:t>
+            </a:r>
+            <a:endParaRPr lang="en-IN" sz="1200" dirty="0"/>
+          </a:p>
+        </p:txBody>
+      </p:sp>
+      <p:sp>
+        <p:nvSpPr>
+          <p:cNvPr id="24" name="Rectangle 23"/>
+          <p:cNvSpPr/>
+          <p:nvPr/>
+        </p:nvSpPr>
+        <p:spPr>
+          <a:xfrm>
+            <a:off x="7349943" y="2631983"/>
+            <a:ext cx="2418312" cy="3059672"/>
+          </a:xfrm>
+          <a:prstGeom prst="rect">
+            <a:avLst/>
+          </a:prstGeom>
+          <a:solidFill>
+            <a:schemeClr val="accent1">
+              <a:lumMod val="10000"/>
+              <a:lumOff val="90000"/>
+            </a:schemeClr>
+          </a:solidFill>
+          <a:ln>
+            <a:solidFill>
+              <a:schemeClr val="bg1"/>
+            </a:solidFill>
+          </a:ln>
+        </p:spPr>
+        <p:style>
+          <a:lnRef idx="2">
+            <a:schemeClr val="accent1">
+              <a:shade val="50000"/>
+            </a:schemeClr>
+          </a:lnRef>
+          <a:fillRef idx="1">
+            <a:schemeClr val="accent1"/>
+          </a:fillRef>
+          <a:effectRef idx="0">
+            <a:schemeClr val="accent1"/>
+          </a:effectRef>
+          <a:fontRef idx="minor">
+            <a:schemeClr val="lt1"/>
+          </a:fontRef>
+        </p:style>
+        <p:txBody>
+          <a:bodyPr rtlCol="0" anchor="ctr"/>
+          <a:lstStyle/>
+          <a:p>
+            <a:pPr algn="ctr"/>
+            <a:endParaRPr lang="en-IN" dirty="0">
+              <a:solidFill>
+                <a:schemeClr val="accent1">
+                  <a:lumMod val="50000"/>
+                  <a:lumOff val="50000"/>
+                </a:schemeClr>
+              </a:solidFill>
+            </a:endParaRPr>
+          </a:p>
+        </p:txBody>
+      </p:sp>
+      <p:sp>
+        <p:nvSpPr>
+          <p:cNvPr id="25" name="TextBox 24"/>
+          <p:cNvSpPr txBox="1"/>
+          <p:nvPr/>
+        </p:nvSpPr>
+        <p:spPr>
+          <a:xfrm>
+            <a:off x="3432069" y="5822561"/>
+            <a:ext cx="4851919" cy="369332"/>
+          </a:xfrm>
+          <a:prstGeom prst="rect">
+            <a:avLst/>
+          </a:prstGeom>
+          <a:noFill/>
+        </p:spPr>
+        <p:txBody>
+          <a:bodyPr wrap="square" rtlCol="0">
+            <a:spAutoFit/>
+          </a:bodyPr>
+          <a:lstStyle/>
+          <a:p>
+            <a:pPr algn="ctr"/>
+            <a:r>
+              <a:rPr lang="en-IN" b="1" dirty="0"/>
+              <a:t>Micro-Service</a:t>
+            </a:r>
+          </a:p>
+        </p:txBody>
+      </p:sp>
+      <p:sp>
+        <p:nvSpPr>
+          <p:cNvPr id="26" name="TextBox 25"/>
+          <p:cNvSpPr txBox="1"/>
+          <p:nvPr/>
+        </p:nvSpPr>
+        <p:spPr>
+          <a:xfrm>
+            <a:off x="7984424" y="2713873"/>
+            <a:ext cx="1149350" cy="307777"/>
+          </a:xfrm>
+          <a:prstGeom prst="rect">
+            <a:avLst/>
+          </a:prstGeom>
+          <a:noFill/>
+        </p:spPr>
+        <p:txBody>
+          <a:bodyPr wrap="square" rtlCol="0">
+            <a:spAutoFit/>
+          </a:bodyPr>
+          <a:lstStyle/>
+          <a:p>
+            <a:pPr algn="ctr"/>
+            <a:r>
+              <a:rPr lang="en-IN" sz="1400" dirty="0">
+                <a:solidFill>
+                  <a:schemeClr val="accent6">
+                    <a:lumMod val="50000"/>
+                  </a:schemeClr>
+                </a:solidFill>
+              </a:rPr>
+              <a:t>Kafka: </a:t>
+            </a:r>
+            <a:r>
+              <a:rPr lang="en-IN" sz="1400" b="1" dirty="0">
+                <a:solidFill>
+                  <a:schemeClr val="accent1">
+                    <a:lumMod val="50000"/>
+                    <a:lumOff val="50000"/>
+                  </a:schemeClr>
+                </a:solidFill>
+              </a:rPr>
+              <a:t>9092</a:t>
+            </a:r>
+          </a:p>
+        </p:txBody>
+      </p:sp>
+      <p:sp>
+        <p:nvSpPr>
+          <p:cNvPr id="27" name="Plus 26"/>
+          <p:cNvSpPr/>
+          <p:nvPr/>
+        </p:nvSpPr>
+        <p:spPr>
+          <a:xfrm>
+            <a:off x="6288975" y="3879379"/>
+            <a:ext cx="619123" cy="564879"/>
+          </a:xfrm>
+          <a:prstGeom prst="mathPlus">
+            <a:avLst/>
+          </a:prstGeom>
+          <a:solidFill>
+            <a:schemeClr val="accent1">
+              <a:lumMod val="10000"/>
+              <a:lumOff val="90000"/>
+            </a:schemeClr>
+          </a:solidFill>
+        </p:spPr>
+        <p:style>
+          <a:lnRef idx="2">
+            <a:schemeClr val="accent1">
+              <a:shade val="50000"/>
+            </a:schemeClr>
+          </a:lnRef>
+          <a:fillRef idx="1">
+            <a:schemeClr val="accent1"/>
+          </a:fillRef>
+          <a:effectRef idx="0">
+            <a:schemeClr val="accent1"/>
+          </a:effectRef>
+          <a:fontRef idx="minor">
+            <a:schemeClr val="lt1"/>
+          </a:fontRef>
+        </p:style>
+        <p:txBody>
+          <a:bodyPr rtlCol="0" anchor="ctr"/>
+          <a:lstStyle/>
+          <a:p>
+            <a:pPr algn="ctr"/>
+            <a:endParaRPr lang="en-IN"/>
+          </a:p>
+        </p:txBody>
+      </p:sp>
+      <p:sp>
+        <p:nvSpPr>
+          <p:cNvPr id="58" name="Rectangle 57"/>
+          <p:cNvSpPr/>
+          <p:nvPr/>
+        </p:nvSpPr>
+        <p:spPr>
+          <a:xfrm>
+            <a:off x="7608125" y="4901029"/>
+            <a:ext cx="1898766" cy="460856"/>
+          </a:xfrm>
+          <a:prstGeom prst="rect">
+            <a:avLst/>
+          </a:prstGeom>
+          <a:solidFill>
+            <a:schemeClr val="accent1">
+              <a:lumMod val="50000"/>
+              <a:lumOff val="50000"/>
+            </a:schemeClr>
+          </a:solidFill>
+          <a:ln>
+            <a:solidFill>
+              <a:schemeClr val="bg1"/>
+            </a:solidFill>
+          </a:ln>
+        </p:spPr>
+        <p:style>
+          <a:lnRef idx="2">
+            <a:schemeClr val="accent1">
+              <a:shade val="50000"/>
+            </a:schemeClr>
+          </a:lnRef>
+          <a:fillRef idx="1">
+            <a:schemeClr val="accent1"/>
+          </a:fillRef>
+          <a:effectRef idx="0">
+            <a:schemeClr val="accent1"/>
+          </a:effectRef>
+          <a:fontRef idx="minor">
+            <a:schemeClr val="lt1"/>
+          </a:fontRef>
+        </p:style>
+        <p:txBody>
+          <a:bodyPr rtlCol="0" anchor="ctr"/>
+          <a:lstStyle/>
+          <a:p>
+            <a:pPr algn="ctr"/>
+            <a:r>
+              <a:rPr lang="en-IN" sz="1200" dirty="0"/>
+              <a:t>Consumer</a:t>
+            </a:r>
+          </a:p>
+        </p:txBody>
+      </p:sp>
+      <p:sp>
+        <p:nvSpPr>
+          <p:cNvPr id="59" name="Rectangle 58"/>
+          <p:cNvSpPr/>
+          <p:nvPr/>
+        </p:nvSpPr>
+        <p:spPr>
+          <a:xfrm>
+            <a:off x="7608125" y="3356607"/>
+            <a:ext cx="1898766" cy="460856"/>
+          </a:xfrm>
+          <a:prstGeom prst="rect">
+            <a:avLst/>
+          </a:prstGeom>
+          <a:solidFill>
+            <a:schemeClr val="accent1">
+              <a:lumMod val="50000"/>
+              <a:lumOff val="50000"/>
+            </a:schemeClr>
+          </a:solidFill>
+          <a:ln>
+            <a:solidFill>
+              <a:schemeClr val="bg1"/>
+            </a:solidFill>
+          </a:ln>
+        </p:spPr>
+        <p:style>
+          <a:lnRef idx="2">
+            <a:schemeClr val="accent1">
+              <a:shade val="50000"/>
+            </a:schemeClr>
+          </a:lnRef>
+          <a:fillRef idx="1">
+            <a:schemeClr val="accent1"/>
+          </a:fillRef>
+          <a:effectRef idx="0">
+            <a:schemeClr val="accent1"/>
+          </a:effectRef>
+          <a:fontRef idx="minor">
+            <a:schemeClr val="lt1"/>
+          </a:fontRef>
+        </p:style>
+        <p:txBody>
+          <a:bodyPr rtlCol="0" anchor="ctr"/>
+          <a:lstStyle/>
+          <a:p>
+            <a:pPr algn="ctr"/>
+            <a:r>
+              <a:rPr lang="en-IN" sz="1200" dirty="0">
+                <a:solidFill>
+                  <a:schemeClr val="bg1"/>
+                </a:solidFill>
+              </a:rPr>
+              <a:t>Kafka Configuration</a:t>
+            </a:r>
+          </a:p>
+        </p:txBody>
+      </p:sp>
+      <p:sp>
+        <p:nvSpPr>
+          <p:cNvPr id="60" name="Rectangle 59"/>
+          <p:cNvSpPr/>
+          <p:nvPr/>
+        </p:nvSpPr>
+        <p:spPr>
+          <a:xfrm>
+            <a:off x="7608125" y="4110404"/>
+            <a:ext cx="1898766" cy="460856"/>
+          </a:xfrm>
+          <a:prstGeom prst="rect">
+            <a:avLst/>
+          </a:prstGeom>
+          <a:solidFill>
+            <a:schemeClr val="accent1">
+              <a:lumMod val="50000"/>
+              <a:lumOff val="50000"/>
+            </a:schemeClr>
+          </a:solidFill>
+          <a:ln>
+            <a:solidFill>
+              <a:schemeClr val="bg1"/>
+            </a:solidFill>
+          </a:ln>
+        </p:spPr>
+        <p:style>
+          <a:lnRef idx="2">
+            <a:schemeClr val="accent1">
+              <a:shade val="50000"/>
+            </a:schemeClr>
+          </a:lnRef>
+          <a:fillRef idx="1">
+            <a:schemeClr val="accent1"/>
+          </a:fillRef>
+          <a:effectRef idx="0">
+            <a:schemeClr val="accent1"/>
+          </a:effectRef>
+          <a:fontRef idx="minor">
+            <a:schemeClr val="lt1"/>
+          </a:fontRef>
+        </p:style>
+        <p:txBody>
+          <a:bodyPr rtlCol="0" anchor="ctr"/>
+          <a:lstStyle/>
+          <a:p>
+            <a:pPr algn="ctr"/>
+            <a:r>
+              <a:rPr lang="en-IN" sz="1200" dirty="0"/>
+              <a:t>Producer</a:t>
+            </a:r>
+          </a:p>
+        </p:txBody>
+      </p:sp>
+    </p:spTree>
+    <p:extLst>
+      <p:ext uri="{BB962C8B-B14F-4D97-AF65-F5344CB8AC3E}">
+        <p14:creationId xmlns:p14="http://schemas.microsoft.com/office/powerpoint/2010/main" val="3291596209"/>
+      </p:ext>
+    </p:extLst>
+  </p:cSld>
+  <p:clrMapOvr>
+    <a:masterClrMapping/>
+  </p:clrMapOvr>
+</p:sld>
+</file>
+
+<file path=ppt/slides/slide7.xml><?xml version="1.0" encoding="utf-8"?>
+<p:sld xmlns:a="http://schemas.openxmlformats.org/drawingml/2006/main" xmlns:r="http://schemas.openxmlformats.org/officeDocument/2006/relationships" xmlns:p="http://schemas.openxmlformats.org/presentationml/2006/main">
+  <p:cSld>
+    <p:spTree>
+      <p:nvGrpSpPr>
+        <p:cNvPr id="1" name=""/>
+        <p:cNvGrpSpPr/>
+        <p:nvPr/>
+      </p:nvGrpSpPr>
+      <p:grpSpPr>
+        <a:xfrm>
+          <a:off x="0" y="0"/>
+          <a:ext cx="0" cy="0"/>
+          <a:chOff x="0" y="0"/>
+          <a:chExt cx="0" cy="0"/>
+        </a:xfrm>
+      </p:grpSpPr>
+      <p:sp>
+        <p:nvSpPr>
+          <p:cNvPr id="2" name="Footer Placeholder 1"/>
+          <p:cNvSpPr>
+            <a:spLocks noGrp="1"/>
+          </p:cNvSpPr>
+          <p:nvPr>
+            <p:ph type="ftr" sz="quarter" idx="10"/>
+          </p:nvPr>
+        </p:nvSpPr>
+        <p:spPr>
+          <a:xfrm>
+            <a:off x="83553" y="6427177"/>
+            <a:ext cx="254977" cy="355844"/>
+          </a:xfrm>
+        </p:spPr>
+        <p:txBody>
+          <a:bodyPr/>
+          <a:lstStyle/>
+          <a:p>
+            <a:r>
+              <a:rPr lang="en-US" noProof="0" dirty="0"/>
+              <a:t>.</a:t>
+            </a:r>
+          </a:p>
+        </p:txBody>
+      </p:sp>
+      <p:sp>
+        <p:nvSpPr>
+          <p:cNvPr id="3" name="Slide Number Placeholder 2"/>
+          <p:cNvSpPr>
+            <a:spLocks noGrp="1"/>
+          </p:cNvSpPr>
+          <p:nvPr>
+            <p:ph type="sldNum" sz="quarter" idx="11"/>
+          </p:nvPr>
+        </p:nvSpPr>
+        <p:spPr>
+          <a:xfrm>
+            <a:off x="11975123" y="6576646"/>
+            <a:ext cx="149467" cy="206375"/>
+          </a:xfrm>
+        </p:spPr>
+        <p:txBody>
+          <a:bodyPr/>
+          <a:lstStyle/>
+          <a:p>
+            <a:r>
+              <a:rPr lang="en-US" dirty="0"/>
+              <a:t>.</a:t>
+            </a:r>
+            <a:endParaRPr lang="en-US" noProof="0" dirty="0"/>
+          </a:p>
+        </p:txBody>
+      </p:sp>
+      <p:sp>
+        <p:nvSpPr>
+          <p:cNvPr id="4" name="Title 3"/>
+          <p:cNvSpPr>
+            <a:spLocks noGrp="1"/>
+          </p:cNvSpPr>
+          <p:nvPr>
+            <p:ph type="title"/>
+          </p:nvPr>
+        </p:nvSpPr>
+        <p:spPr>
+          <a:xfrm>
+            <a:off x="515846" y="345426"/>
+            <a:ext cx="8273630" cy="697574"/>
+          </a:xfrm>
+        </p:spPr>
+        <p:txBody>
+          <a:bodyPr>
+            <a:normAutofit/>
+          </a:bodyPr>
+          <a:lstStyle/>
+          <a:p>
+            <a:pPr algn="ctr"/>
+            <a:r>
+              <a:rPr lang="en-IN" sz="4000" dirty="0"/>
+              <a:t>Data Flow</a:t>
+            </a:r>
+          </a:p>
+        </p:txBody>
+      </p:sp>
+      <p:sp>
+        <p:nvSpPr>
+          <p:cNvPr id="6" name="Rectangle 5"/>
+          <p:cNvSpPr/>
+          <p:nvPr/>
+        </p:nvSpPr>
+        <p:spPr>
+          <a:xfrm>
+            <a:off x="392722" y="2571737"/>
+            <a:ext cx="1145931" cy="837634"/>
+          </a:xfrm>
+          <a:prstGeom prst="rect">
+            <a:avLst/>
+          </a:prstGeom>
+          <a:solidFill>
+            <a:schemeClr val="accent1">
+              <a:lumMod val="10000"/>
+              <a:lumOff val="90000"/>
+            </a:schemeClr>
+          </a:solidFill>
+          <a:ln>
+            <a:solidFill>
+              <a:schemeClr val="bg1"/>
+            </a:solidFill>
+          </a:ln>
+        </p:spPr>
+        <p:style>
+          <a:lnRef idx="2">
+            <a:schemeClr val="accent1">
+              <a:shade val="50000"/>
+            </a:schemeClr>
+          </a:lnRef>
+          <a:fillRef idx="1">
+            <a:schemeClr val="accent1"/>
+          </a:fillRef>
+          <a:effectRef idx="0">
+            <a:schemeClr val="accent1"/>
+          </a:effectRef>
+          <a:fontRef idx="minor">
+            <a:schemeClr val="lt1"/>
+          </a:fontRef>
+        </p:style>
+        <p:txBody>
+          <a:bodyPr rtlCol="0" anchor="ctr"/>
+          <a:lstStyle/>
+          <a:p>
+            <a:pPr algn="ctr"/>
+            <a:r>
+              <a:rPr lang="en-IN" sz="1400" dirty="0">
+                <a:solidFill>
+                  <a:schemeClr val="tx1"/>
+                </a:solidFill>
+              </a:rPr>
+              <a:t>Get Method</a:t>
+            </a:r>
+          </a:p>
+        </p:txBody>
+      </p:sp>
+      <p:sp>
+        <p:nvSpPr>
+          <p:cNvPr id="7" name="Rectangle 6"/>
+          <p:cNvSpPr/>
+          <p:nvPr/>
+        </p:nvSpPr>
+        <p:spPr>
+          <a:xfrm>
+            <a:off x="2455717" y="2571733"/>
+            <a:ext cx="1094185" cy="837637"/>
+          </a:xfrm>
+          <a:prstGeom prst="rect">
+            <a:avLst/>
+          </a:prstGeom>
+          <a:solidFill>
+            <a:schemeClr val="accent1">
+              <a:lumMod val="10000"/>
+              <a:lumOff val="90000"/>
+            </a:schemeClr>
+          </a:solidFill>
+          <a:ln>
+            <a:solidFill>
+              <a:schemeClr val="bg1"/>
+            </a:solidFill>
+          </a:ln>
+        </p:spPr>
+        <p:style>
+          <a:lnRef idx="2">
+            <a:schemeClr val="accent1">
+              <a:shade val="50000"/>
+            </a:schemeClr>
+          </a:lnRef>
+          <a:fillRef idx="1">
+            <a:schemeClr val="accent1"/>
+          </a:fillRef>
+          <a:effectRef idx="0">
+            <a:schemeClr val="accent1"/>
+          </a:effectRef>
+          <a:fontRef idx="minor">
+            <a:schemeClr val="lt1"/>
+          </a:fontRef>
+        </p:style>
+        <p:txBody>
+          <a:bodyPr rtlCol="0" anchor="ctr"/>
+          <a:lstStyle/>
+          <a:p>
+            <a:pPr algn="ctr"/>
+            <a:r>
+              <a:rPr lang="en-IN" sz="1400" dirty="0">
+                <a:solidFill>
+                  <a:schemeClr val="tx1"/>
+                </a:solidFill>
+              </a:rPr>
+              <a:t>Controller</a:t>
+            </a:r>
+            <a:endParaRPr lang="en-IN" sz="1600" dirty="0">
+              <a:solidFill>
+                <a:schemeClr val="tx1"/>
+              </a:solidFill>
+            </a:endParaRPr>
+          </a:p>
+        </p:txBody>
+      </p:sp>
+      <p:sp>
+        <p:nvSpPr>
+          <p:cNvPr id="8" name="Rectangle 7"/>
+          <p:cNvSpPr/>
+          <p:nvPr/>
+        </p:nvSpPr>
+        <p:spPr>
+          <a:xfrm>
+            <a:off x="6792652" y="2579266"/>
+            <a:ext cx="1111004" cy="830104"/>
+          </a:xfrm>
+          <a:prstGeom prst="rect">
+            <a:avLst/>
+          </a:prstGeom>
+          <a:solidFill>
+            <a:schemeClr val="accent1">
+              <a:lumMod val="10000"/>
+              <a:lumOff val="90000"/>
+            </a:schemeClr>
+          </a:solidFill>
+          <a:ln>
+            <a:solidFill>
+              <a:schemeClr val="bg1"/>
+            </a:solidFill>
+          </a:ln>
+        </p:spPr>
+        <p:style>
+          <a:lnRef idx="2">
+            <a:schemeClr val="accent1">
+              <a:shade val="50000"/>
+            </a:schemeClr>
+          </a:lnRef>
+          <a:fillRef idx="1">
+            <a:schemeClr val="accent1"/>
+          </a:fillRef>
+          <a:effectRef idx="0">
+            <a:schemeClr val="accent1"/>
+          </a:effectRef>
+          <a:fontRef idx="minor">
+            <a:schemeClr val="lt1"/>
+          </a:fontRef>
+        </p:style>
+        <p:txBody>
+          <a:bodyPr rtlCol="0" anchor="ctr"/>
+          <a:lstStyle/>
+          <a:p>
+            <a:pPr algn="ctr"/>
+            <a:r>
+              <a:rPr lang="en-IN" sz="1400" dirty="0">
+                <a:solidFill>
+                  <a:schemeClr val="tx1"/>
+                </a:solidFill>
+              </a:rPr>
+              <a:t>Repository</a:t>
+            </a:r>
+          </a:p>
+        </p:txBody>
+      </p:sp>
+      <p:sp>
+        <p:nvSpPr>
+          <p:cNvPr id="9" name="Rectangle 8"/>
+          <p:cNvSpPr/>
+          <p:nvPr/>
+        </p:nvSpPr>
+        <p:spPr>
+          <a:xfrm>
+            <a:off x="8828283" y="2583021"/>
+            <a:ext cx="1132538" cy="837637"/>
+          </a:xfrm>
+          <a:prstGeom prst="rect">
+            <a:avLst/>
+          </a:prstGeom>
+          <a:solidFill>
+            <a:schemeClr val="accent1">
+              <a:lumMod val="10000"/>
+              <a:lumOff val="90000"/>
+            </a:schemeClr>
+          </a:solidFill>
+          <a:ln>
+            <a:solidFill>
+              <a:schemeClr val="bg1"/>
+            </a:solidFill>
+          </a:ln>
+        </p:spPr>
+        <p:style>
+          <a:lnRef idx="2">
+            <a:schemeClr val="accent1">
+              <a:shade val="50000"/>
+            </a:schemeClr>
+          </a:lnRef>
+          <a:fillRef idx="1">
+            <a:schemeClr val="accent1"/>
+          </a:fillRef>
+          <a:effectRef idx="0">
+            <a:schemeClr val="accent1"/>
+          </a:effectRef>
+          <a:fontRef idx="minor">
+            <a:schemeClr val="lt1"/>
+          </a:fontRef>
+        </p:style>
+        <p:txBody>
+          <a:bodyPr rtlCol="0" anchor="ctr"/>
+          <a:lstStyle/>
+          <a:p>
+            <a:pPr algn="ctr"/>
+            <a:r>
+              <a:rPr lang="en-IN" sz="1400" dirty="0">
+                <a:solidFill>
+                  <a:schemeClr val="tx1"/>
+                </a:solidFill>
+              </a:rPr>
+              <a:t>Database</a:t>
+            </a:r>
+          </a:p>
+        </p:txBody>
+      </p:sp>
+      <p:sp>
+        <p:nvSpPr>
+          <p:cNvPr id="10" name="Rectangle 9"/>
+          <p:cNvSpPr/>
+          <p:nvPr/>
+        </p:nvSpPr>
+        <p:spPr>
+          <a:xfrm>
+            <a:off x="4652661" y="2579266"/>
+            <a:ext cx="1164140" cy="830104"/>
+          </a:xfrm>
+          <a:prstGeom prst="rect">
+            <a:avLst/>
+          </a:prstGeom>
+          <a:solidFill>
+            <a:schemeClr val="accent1">
+              <a:lumMod val="10000"/>
+              <a:lumOff val="90000"/>
+            </a:schemeClr>
+          </a:solidFill>
+          <a:ln>
+            <a:solidFill>
+              <a:schemeClr val="bg1"/>
+            </a:solidFill>
+          </a:ln>
+        </p:spPr>
+        <p:style>
+          <a:lnRef idx="2">
+            <a:schemeClr val="accent1">
+              <a:shade val="50000"/>
+            </a:schemeClr>
+          </a:lnRef>
+          <a:fillRef idx="1">
+            <a:schemeClr val="accent1"/>
+          </a:fillRef>
+          <a:effectRef idx="0">
+            <a:schemeClr val="accent1"/>
+          </a:effectRef>
+          <a:fontRef idx="minor">
+            <a:schemeClr val="lt1"/>
+          </a:fontRef>
+        </p:style>
+        <p:txBody>
+          <a:bodyPr rtlCol="0" anchor="ctr"/>
+          <a:lstStyle/>
+          <a:p>
+            <a:pPr algn="ctr"/>
+            <a:r>
+              <a:rPr lang="en-IN" sz="1400" dirty="0">
+                <a:solidFill>
+                  <a:schemeClr val="tx1"/>
+                </a:solidFill>
+              </a:rPr>
+              <a:t>Service</a:t>
+            </a:r>
+            <a:endParaRPr lang="en-IN" sz="1600" dirty="0">
+              <a:solidFill>
+                <a:schemeClr val="tx1"/>
+              </a:solidFill>
+            </a:endParaRPr>
+          </a:p>
+        </p:txBody>
+      </p:sp>
+      <p:sp>
+        <p:nvSpPr>
+          <p:cNvPr id="11" name="Rectangle 10"/>
+          <p:cNvSpPr/>
+          <p:nvPr/>
+        </p:nvSpPr>
+        <p:spPr>
+          <a:xfrm>
+            <a:off x="1177249" y="4032164"/>
+            <a:ext cx="3651122" cy="1720964"/>
+          </a:xfrm>
+          <a:prstGeom prst="rect">
+            <a:avLst/>
+          </a:prstGeom>
+          <a:solidFill>
+            <a:schemeClr val="accent1">
+              <a:lumMod val="10000"/>
+              <a:lumOff val="90000"/>
+            </a:schemeClr>
+          </a:solidFill>
+          <a:ln>
+            <a:solidFill>
+              <a:schemeClr val="bg1"/>
+            </a:solidFill>
+          </a:ln>
+        </p:spPr>
+        <p:style>
+          <a:lnRef idx="2">
+            <a:schemeClr val="accent1">
+              <a:shade val="50000"/>
+            </a:schemeClr>
+          </a:lnRef>
+          <a:fillRef idx="1">
+            <a:schemeClr val="accent1"/>
+          </a:fillRef>
+          <a:effectRef idx="0">
+            <a:schemeClr val="accent1"/>
+          </a:effectRef>
+          <a:fontRef idx="minor">
+            <a:schemeClr val="lt1"/>
+          </a:fontRef>
+        </p:style>
+        <p:txBody>
+          <a:bodyPr rtlCol="0" anchor="ctr"/>
+          <a:lstStyle/>
+          <a:p>
+            <a:pPr algn="ctr"/>
+            <a:endParaRPr lang="en-IN" sz="1600" dirty="0">
+              <a:solidFill>
+                <a:schemeClr val="tx1"/>
+              </a:solidFill>
+            </a:endParaRPr>
+          </a:p>
+        </p:txBody>
+      </p:sp>
+      <p:cxnSp>
+        <p:nvCxnSpPr>
+          <p:cNvPr id="17" name="Straight Arrow Connector 16"/>
+          <p:cNvCxnSpPr>
+            <a:cxnSpLocks/>
+            <a:stCxn id="6" idx="3"/>
+            <a:endCxn id="7" idx="1"/>
+          </p:cNvCxnSpPr>
+          <p:nvPr/>
+        </p:nvCxnSpPr>
+        <p:spPr>
+          <a:xfrm flipV="1">
+            <a:off x="1538653" y="2990552"/>
+            <a:ext cx="917064" cy="2"/>
+          </a:xfrm>
+          <a:prstGeom prst="straightConnector1">
+            <a:avLst/>
+          </a:prstGeom>
+          <a:ln>
+            <a:solidFill>
+              <a:schemeClr val="bg1"/>
+            </a:solidFill>
+            <a:tailEnd type="triangle"/>
+          </a:ln>
+        </p:spPr>
+        <p:style>
+          <a:lnRef idx="1">
+            <a:schemeClr val="accent1"/>
+          </a:lnRef>
+          <a:fillRef idx="0">
+            <a:schemeClr val="accent1"/>
+          </a:fillRef>
+          <a:effectRef idx="0">
+            <a:schemeClr val="accent1"/>
+          </a:effectRef>
+          <a:fontRef idx="minor">
+            <a:schemeClr val="tx1"/>
+          </a:fontRef>
+        </p:style>
+      </p:cxnSp>
+      <p:cxnSp>
+        <p:nvCxnSpPr>
+          <p:cNvPr id="36" name="Straight Arrow Connector 35"/>
+          <p:cNvCxnSpPr>
+            <a:stCxn id="7" idx="2"/>
+          </p:cNvCxnSpPr>
+          <p:nvPr/>
+        </p:nvCxnSpPr>
+        <p:spPr>
+          <a:xfrm>
+            <a:off x="3002810" y="3409370"/>
+            <a:ext cx="207" cy="628051"/>
+          </a:xfrm>
+          <a:prstGeom prst="straightConnector1">
+            <a:avLst/>
+          </a:prstGeom>
+          <a:ln>
+            <a:solidFill>
+              <a:schemeClr val="bg1"/>
+            </a:solidFill>
+            <a:tailEnd type="triangle"/>
+          </a:ln>
+        </p:spPr>
+        <p:style>
+          <a:lnRef idx="1">
+            <a:schemeClr val="accent1"/>
+          </a:lnRef>
+          <a:fillRef idx="0">
+            <a:schemeClr val="accent1"/>
+          </a:fillRef>
+          <a:effectRef idx="0">
+            <a:schemeClr val="accent1"/>
+          </a:effectRef>
+          <a:fontRef idx="minor">
+            <a:schemeClr val="tx1"/>
+          </a:fontRef>
+        </p:style>
+      </p:cxnSp>
+      <p:pic>
+        <p:nvPicPr>
+          <p:cNvPr id="70" name="Picture Placeholder 58">
+            <a:extLst>
+              <a:ext uri="{FF2B5EF4-FFF2-40B4-BE49-F238E27FC236}">
+                <a16:creationId xmlns:a16="http://schemas.microsoft.com/office/drawing/2014/main" id="{3FCCC668-2247-4814-9CC5-9C5D4B447AA3}"/>
+              </a:ext>
+            </a:extLst>
+          </p:cNvPr>
+          <p:cNvPicPr>
+            <a:picLocks noChangeAspect="1"/>
+          </p:cNvPicPr>
+          <p:nvPr/>
+        </p:nvPicPr>
+        <p:blipFill>
+          <a:blip r:embed="rId2">
+            <a:extLst>
+              <a:ext uri="{28A0092B-C50C-407E-A947-70E740481C1C}">
+                <a14:useLocalDpi xmlns:a14="http://schemas.microsoft.com/office/drawing/2010/main" val="0"/>
+              </a:ext>
+            </a:extLst>
+          </a:blip>
+          <a:stretch>
+            <a:fillRect/>
+          </a:stretch>
+        </p:blipFill>
+        <p:spPr>
+          <a:xfrm rot="16200000">
+            <a:off x="9326766" y="-182767"/>
+            <a:ext cx="2682467" cy="3048000"/>
+          </a:xfrm>
+          <a:custGeom>
+            <a:avLst/>
+            <a:gdLst>
+              <a:gd name="connsiteX0" fmla="*/ 6021821 w 6021821"/>
+              <a:gd name="connsiteY0" fmla="*/ 0 h 5422900"/>
+              <a:gd name="connsiteX1" fmla="*/ 6021821 w 6021821"/>
+              <a:gd name="connsiteY1" fmla="*/ 5422900 h 5422900"/>
+              <a:gd name="connsiteX2" fmla="*/ 0 w 6021821"/>
+              <a:gd name="connsiteY2" fmla="*/ 5422900 h 5422900"/>
+            </a:gdLst>
+            <a:ahLst/>
+            <a:cxnLst>
+              <a:cxn ang="0">
+                <a:pos x="connsiteX0" y="connsiteY0"/>
+              </a:cxn>
+              <a:cxn ang="0">
+                <a:pos x="connsiteX1" y="connsiteY1"/>
+              </a:cxn>
+              <a:cxn ang="0">
+                <a:pos x="connsiteX2" y="connsiteY2"/>
+              </a:cxn>
+            </a:cxnLst>
+            <a:rect l="l" t="t" r="r" b="b"/>
+            <a:pathLst>
+              <a:path w="6021821" h="5422900">
+                <a:moveTo>
+                  <a:pt x="6021821" y="0"/>
+                </a:moveTo>
+                <a:lnTo>
+                  <a:pt x="6021821" y="5422900"/>
+                </a:lnTo>
+                <a:lnTo>
+                  <a:pt x="0" y="5422900"/>
+                </a:lnTo>
+                <a:close/>
+              </a:path>
+            </a:pathLst>
+          </a:custGeom>
+        </p:spPr>
+      </p:pic>
+      <p:sp>
+        <p:nvSpPr>
+          <p:cNvPr id="18" name="Rectangle 17"/>
+          <p:cNvSpPr/>
+          <p:nvPr/>
+        </p:nvSpPr>
+        <p:spPr>
+          <a:xfrm>
+            <a:off x="1281919" y="4846031"/>
+            <a:ext cx="1173798" cy="484940"/>
+          </a:xfrm>
+          <a:prstGeom prst="rect">
+            <a:avLst/>
+          </a:prstGeom>
+          <a:solidFill>
+            <a:schemeClr val="accent1">
+              <a:lumMod val="25000"/>
+              <a:lumOff val="75000"/>
+            </a:schemeClr>
+          </a:solidFill>
+          <a:ln>
+            <a:solidFill>
+              <a:schemeClr val="bg1"/>
+            </a:solidFill>
+          </a:ln>
+        </p:spPr>
+        <p:style>
+          <a:lnRef idx="2">
+            <a:schemeClr val="accent1">
+              <a:shade val="50000"/>
+            </a:schemeClr>
+          </a:lnRef>
+          <a:fillRef idx="1">
+            <a:schemeClr val="accent1"/>
+          </a:fillRef>
+          <a:effectRef idx="0">
+            <a:schemeClr val="accent1"/>
+          </a:effectRef>
+          <a:fontRef idx="minor">
+            <a:schemeClr val="lt1"/>
+          </a:fontRef>
+        </p:style>
+        <p:txBody>
+          <a:bodyPr rtlCol="0" anchor="ctr"/>
+          <a:lstStyle/>
+          <a:p>
+            <a:pPr algn="ctr"/>
+            <a:r>
+              <a:rPr lang="en-IN" sz="1200" dirty="0">
+                <a:solidFill>
+                  <a:schemeClr val="accent1">
+                    <a:lumMod val="50000"/>
+                    <a:lumOff val="50000"/>
+                  </a:schemeClr>
+                </a:solidFill>
+              </a:rPr>
+              <a:t>Kafka Templet</a:t>
+            </a:r>
+          </a:p>
+        </p:txBody>
+      </p:sp>
+      <p:sp>
+        <p:nvSpPr>
+          <p:cNvPr id="5" name="TextBox 4"/>
+          <p:cNvSpPr txBox="1"/>
+          <p:nvPr/>
+        </p:nvSpPr>
+        <p:spPr>
+          <a:xfrm>
+            <a:off x="2333106" y="4215845"/>
+            <a:ext cx="1193980" cy="307777"/>
+          </a:xfrm>
+          <a:prstGeom prst="rect">
+            <a:avLst/>
+          </a:prstGeom>
+          <a:solidFill>
+            <a:schemeClr val="accent1">
+              <a:lumMod val="25000"/>
+              <a:lumOff val="75000"/>
+            </a:schemeClr>
+          </a:solidFill>
+          <a:ln>
+            <a:solidFill>
+              <a:schemeClr val="accent1">
+                <a:lumMod val="25000"/>
+                <a:lumOff val="75000"/>
+              </a:schemeClr>
+            </a:solidFill>
+          </a:ln>
+        </p:spPr>
+        <p:txBody>
+          <a:bodyPr wrap="square" rtlCol="0">
+            <a:spAutoFit/>
+          </a:bodyPr>
+          <a:lstStyle/>
+          <a:p>
+            <a:pPr algn="ctr"/>
+            <a:r>
+              <a:rPr lang="en-IN" sz="1400" dirty="0">
+                <a:solidFill>
+                  <a:schemeClr val="accent1">
+                    <a:lumMod val="50000"/>
+                    <a:lumOff val="50000"/>
+                  </a:schemeClr>
+                </a:solidFill>
+              </a:rPr>
+              <a:t>Controller</a:t>
+            </a:r>
+          </a:p>
+        </p:txBody>
+      </p:sp>
+      <p:sp>
+        <p:nvSpPr>
+          <p:cNvPr id="19" name="Rectangle 18"/>
+          <p:cNvSpPr/>
+          <p:nvPr/>
+        </p:nvSpPr>
+        <p:spPr>
+          <a:xfrm>
+            <a:off x="3433695" y="4825690"/>
+            <a:ext cx="1280117" cy="525621"/>
+          </a:xfrm>
+          <a:prstGeom prst="rect">
+            <a:avLst/>
+          </a:prstGeom>
+          <a:solidFill>
+            <a:schemeClr val="accent1">
+              <a:lumMod val="25000"/>
+              <a:lumOff val="75000"/>
+            </a:schemeClr>
+          </a:solidFill>
+          <a:ln>
+            <a:solidFill>
+              <a:schemeClr val="bg1"/>
+            </a:solidFill>
+          </a:ln>
+        </p:spPr>
+        <p:style>
+          <a:lnRef idx="2">
+            <a:schemeClr val="accent1">
+              <a:shade val="50000"/>
+            </a:schemeClr>
+          </a:lnRef>
+          <a:fillRef idx="1">
+            <a:schemeClr val="accent1"/>
+          </a:fillRef>
+          <a:effectRef idx="0">
+            <a:schemeClr val="accent1"/>
+          </a:effectRef>
+          <a:fontRef idx="minor">
+            <a:schemeClr val="lt1"/>
+          </a:fontRef>
+        </p:style>
+        <p:txBody>
+          <a:bodyPr rtlCol="0" anchor="ctr"/>
+          <a:lstStyle/>
+          <a:p>
+            <a:pPr algn="ctr"/>
+            <a:r>
+              <a:rPr lang="en-IN" sz="1200" dirty="0">
+                <a:solidFill>
+                  <a:schemeClr val="accent1">
+                    <a:lumMod val="50000"/>
+                    <a:lumOff val="50000"/>
+                  </a:schemeClr>
+                </a:solidFill>
+              </a:rPr>
+              <a:t>Kafka Topic</a:t>
+            </a:r>
+          </a:p>
+        </p:txBody>
+      </p:sp>
+      <p:cxnSp>
+        <p:nvCxnSpPr>
+          <p:cNvPr id="26" name="Straight Arrow Connector 25"/>
+          <p:cNvCxnSpPr>
+            <a:stCxn id="18" idx="3"/>
+            <a:endCxn id="19" idx="1"/>
+          </p:cNvCxnSpPr>
+          <p:nvPr/>
+        </p:nvCxnSpPr>
+        <p:spPr>
+          <a:xfrm>
+            <a:off x="2455717" y="5088501"/>
+            <a:ext cx="977978" cy="0"/>
+          </a:xfrm>
+          <a:prstGeom prst="straightConnector1">
+            <a:avLst/>
+          </a:prstGeom>
+          <a:ln>
+            <a:solidFill>
+              <a:schemeClr val="accent1">
+                <a:lumMod val="50000"/>
+                <a:lumOff val="50000"/>
+              </a:schemeClr>
+            </a:solidFill>
+            <a:tailEnd type="triangle"/>
+          </a:ln>
+        </p:spPr>
+        <p:style>
+          <a:lnRef idx="1">
+            <a:schemeClr val="accent1"/>
+          </a:lnRef>
+          <a:fillRef idx="0">
+            <a:schemeClr val="accent1"/>
+          </a:fillRef>
+          <a:effectRef idx="0">
+            <a:schemeClr val="accent1"/>
+          </a:effectRef>
+          <a:fontRef idx="minor">
+            <a:schemeClr val="tx1"/>
+          </a:fontRef>
+        </p:style>
+      </p:cxnSp>
+      <p:cxnSp>
+        <p:nvCxnSpPr>
+          <p:cNvPr id="51" name="Straight Arrow Connector 50"/>
+          <p:cNvCxnSpPr>
+            <a:stCxn id="11" idx="3"/>
+          </p:cNvCxnSpPr>
+          <p:nvPr/>
+        </p:nvCxnSpPr>
+        <p:spPr>
+          <a:xfrm>
+            <a:off x="4828371" y="4892646"/>
+            <a:ext cx="1361414" cy="0"/>
+          </a:xfrm>
+          <a:prstGeom prst="straightConnector1">
+            <a:avLst/>
+          </a:prstGeom>
+          <a:ln>
+            <a:solidFill>
+              <a:schemeClr val="bg1"/>
+            </a:solidFill>
+            <a:tailEnd type="triangle"/>
+          </a:ln>
+        </p:spPr>
+        <p:style>
+          <a:lnRef idx="1">
+            <a:schemeClr val="accent1"/>
+          </a:lnRef>
+          <a:fillRef idx="0">
+            <a:schemeClr val="accent1"/>
+          </a:fillRef>
+          <a:effectRef idx="0">
+            <a:schemeClr val="accent1"/>
+          </a:effectRef>
+          <a:fontRef idx="minor">
+            <a:schemeClr val="tx1"/>
+          </a:fontRef>
+        </p:style>
+      </p:cxnSp>
+      <p:sp>
+        <p:nvSpPr>
+          <p:cNvPr id="53" name="Rectangle 52"/>
+          <p:cNvSpPr/>
+          <p:nvPr/>
+        </p:nvSpPr>
+        <p:spPr>
+          <a:xfrm>
+            <a:off x="6189785" y="4477594"/>
+            <a:ext cx="1960684" cy="830104"/>
+          </a:xfrm>
+          <a:prstGeom prst="rect">
+            <a:avLst/>
+          </a:prstGeom>
+          <a:solidFill>
+            <a:schemeClr val="accent1">
+              <a:lumMod val="10000"/>
+              <a:lumOff val="90000"/>
+            </a:schemeClr>
+          </a:solidFill>
+          <a:ln>
+            <a:solidFill>
+              <a:schemeClr val="bg1"/>
+            </a:solidFill>
+          </a:ln>
+        </p:spPr>
+        <p:style>
+          <a:lnRef idx="2">
+            <a:schemeClr val="accent1">
+              <a:shade val="50000"/>
+            </a:schemeClr>
+          </a:lnRef>
+          <a:fillRef idx="1">
+            <a:schemeClr val="accent1"/>
+          </a:fillRef>
+          <a:effectRef idx="0">
+            <a:schemeClr val="accent1"/>
+          </a:effectRef>
+          <a:fontRef idx="minor">
+            <a:schemeClr val="lt1"/>
+          </a:fontRef>
+        </p:style>
+        <p:txBody>
+          <a:bodyPr rtlCol="0" anchor="ctr"/>
+          <a:lstStyle/>
+          <a:p>
+            <a:pPr algn="ctr"/>
+            <a:r>
+              <a:rPr lang="en-IN" sz="1400" dirty="0">
+                <a:solidFill>
+                  <a:schemeClr val="tx1"/>
+                </a:solidFill>
+              </a:rPr>
+              <a:t>HTTP request OK</a:t>
+            </a:r>
+            <a:endParaRPr lang="en-IN" sz="1600" dirty="0">
+              <a:solidFill>
+                <a:schemeClr val="tx1"/>
+              </a:solidFill>
+            </a:endParaRPr>
+          </a:p>
+        </p:txBody>
+      </p:sp>
+      <p:sp>
+        <p:nvSpPr>
+          <p:cNvPr id="24" name="Rectangle 23">
+            <a:extLst>
+              <a:ext uri="{FF2B5EF4-FFF2-40B4-BE49-F238E27FC236}">
+                <a16:creationId xmlns:a16="http://schemas.microsoft.com/office/drawing/2014/main" id="{94BB48E5-2494-4DE2-B9F4-CC3E6AE1F5C2}"/>
+              </a:ext>
+            </a:extLst>
+          </p:cNvPr>
+          <p:cNvSpPr/>
+          <p:nvPr/>
+        </p:nvSpPr>
+        <p:spPr>
+          <a:xfrm>
+            <a:off x="6866247" y="3723395"/>
+            <a:ext cx="963813" cy="547857"/>
+          </a:xfrm>
+          <a:prstGeom prst="rect">
+            <a:avLst/>
+          </a:prstGeom>
+          <a:solidFill>
+            <a:schemeClr val="accent1">
+              <a:lumMod val="10000"/>
+              <a:lumOff val="90000"/>
+            </a:schemeClr>
+          </a:solidFill>
+          <a:ln>
+            <a:solidFill>
+              <a:schemeClr val="bg1"/>
+            </a:solidFill>
+          </a:ln>
+        </p:spPr>
+        <p:style>
+          <a:lnRef idx="2">
+            <a:schemeClr val="accent1">
+              <a:shade val="50000"/>
+            </a:schemeClr>
+          </a:lnRef>
+          <a:fillRef idx="1">
+            <a:schemeClr val="accent1"/>
+          </a:fillRef>
+          <a:effectRef idx="0">
+            <a:schemeClr val="accent1"/>
+          </a:effectRef>
+          <a:fontRef idx="minor">
+            <a:schemeClr val="lt1"/>
+          </a:fontRef>
+        </p:style>
+        <p:txBody>
+          <a:bodyPr rtlCol="0" anchor="ctr"/>
+          <a:lstStyle/>
+          <a:p>
+            <a:pPr algn="ctr"/>
+            <a:r>
+              <a:rPr lang="en-IN" sz="1400" dirty="0">
+                <a:solidFill>
+                  <a:schemeClr val="tx1"/>
+                </a:solidFill>
+              </a:rPr>
+              <a:t>DTO</a:t>
+            </a:r>
+          </a:p>
+        </p:txBody>
+      </p:sp>
+      <p:cxnSp>
+        <p:nvCxnSpPr>
+          <p:cNvPr id="25" name="Straight Arrow Connector 24">
+            <a:extLst>
+              <a:ext uri="{FF2B5EF4-FFF2-40B4-BE49-F238E27FC236}">
+                <a16:creationId xmlns:a16="http://schemas.microsoft.com/office/drawing/2014/main" id="{C283B322-4C7A-44EA-80D2-621814C04A4C}"/>
+              </a:ext>
+            </a:extLst>
+          </p:cNvPr>
+          <p:cNvCxnSpPr>
+            <a:cxnSpLocks/>
+          </p:cNvCxnSpPr>
+          <p:nvPr/>
+        </p:nvCxnSpPr>
+        <p:spPr>
+          <a:xfrm>
+            <a:off x="7343437" y="3429000"/>
+            <a:ext cx="0" cy="254266"/>
+          </a:xfrm>
+          <a:prstGeom prst="straightConnector1">
+            <a:avLst/>
+          </a:prstGeom>
+          <a:ln>
+            <a:solidFill>
+              <a:schemeClr val="bg1"/>
+            </a:solidFill>
+            <a:tailEnd type="triangle"/>
+          </a:ln>
+        </p:spPr>
+        <p:style>
+          <a:lnRef idx="1">
+            <a:schemeClr val="accent1"/>
+          </a:lnRef>
+          <a:fillRef idx="0">
+            <a:schemeClr val="accent1"/>
+          </a:fillRef>
+          <a:effectRef idx="0">
+            <a:schemeClr val="accent1"/>
+          </a:effectRef>
+          <a:fontRef idx="minor">
+            <a:schemeClr val="tx1"/>
+          </a:fontRef>
+        </p:style>
+      </p:cxnSp>
+      <p:cxnSp>
+        <p:nvCxnSpPr>
+          <p:cNvPr id="28" name="Straight Arrow Connector 27">
+            <a:extLst>
+              <a:ext uri="{FF2B5EF4-FFF2-40B4-BE49-F238E27FC236}">
+                <a16:creationId xmlns:a16="http://schemas.microsoft.com/office/drawing/2014/main" id="{63D72756-A11F-419C-91EB-487B44475B1D}"/>
+              </a:ext>
+            </a:extLst>
+          </p:cNvPr>
+          <p:cNvCxnSpPr>
+            <a:cxnSpLocks/>
+            <a:stCxn id="8" idx="3"/>
+          </p:cNvCxnSpPr>
+          <p:nvPr/>
+        </p:nvCxnSpPr>
+        <p:spPr>
+          <a:xfrm flipV="1">
+            <a:off x="7903656" y="2986476"/>
+            <a:ext cx="902259" cy="7842"/>
+          </a:xfrm>
+          <a:prstGeom prst="straightConnector1">
+            <a:avLst/>
+          </a:prstGeom>
+          <a:ln>
+            <a:solidFill>
+              <a:schemeClr val="bg1"/>
+            </a:solidFill>
+            <a:headEnd type="triangle"/>
+            <a:tailEnd type="triangle"/>
+          </a:ln>
+        </p:spPr>
+        <p:style>
+          <a:lnRef idx="1">
+            <a:schemeClr val="accent1"/>
+          </a:lnRef>
+          <a:fillRef idx="0">
+            <a:schemeClr val="accent1"/>
+          </a:fillRef>
+          <a:effectRef idx="0">
+            <a:schemeClr val="accent1"/>
+          </a:effectRef>
+          <a:fontRef idx="minor">
+            <a:schemeClr val="tx1"/>
+          </a:fontRef>
+        </p:style>
+      </p:cxnSp>
+      <p:cxnSp>
+        <p:nvCxnSpPr>
+          <p:cNvPr id="37" name="Straight Arrow Connector 36">
+            <a:extLst>
+              <a:ext uri="{FF2B5EF4-FFF2-40B4-BE49-F238E27FC236}">
+                <a16:creationId xmlns:a16="http://schemas.microsoft.com/office/drawing/2014/main" id="{59C83291-8E1C-4798-9A3C-0F50B7FFA4DB}"/>
+              </a:ext>
+            </a:extLst>
+          </p:cNvPr>
+          <p:cNvCxnSpPr>
+            <a:cxnSpLocks/>
+            <a:stCxn id="10" idx="3"/>
+          </p:cNvCxnSpPr>
+          <p:nvPr/>
+        </p:nvCxnSpPr>
+        <p:spPr>
+          <a:xfrm>
+            <a:off x="5816801" y="2994318"/>
+            <a:ext cx="951143" cy="0"/>
+          </a:xfrm>
+          <a:prstGeom prst="straightConnector1">
+            <a:avLst/>
+          </a:prstGeom>
+          <a:ln>
+            <a:solidFill>
+              <a:schemeClr val="bg1"/>
+            </a:solidFill>
+            <a:headEnd type="triangle"/>
+            <a:tailEnd type="triangle"/>
+          </a:ln>
+        </p:spPr>
+        <p:style>
+          <a:lnRef idx="1">
+            <a:schemeClr val="accent1"/>
+          </a:lnRef>
+          <a:fillRef idx="0">
+            <a:schemeClr val="accent1"/>
+          </a:fillRef>
+          <a:effectRef idx="0">
+            <a:schemeClr val="accent1"/>
+          </a:effectRef>
+          <a:fontRef idx="minor">
+            <a:schemeClr val="tx1"/>
+          </a:fontRef>
+        </p:style>
+      </p:cxnSp>
+      <p:cxnSp>
+        <p:nvCxnSpPr>
+          <p:cNvPr id="40" name="Straight Arrow Connector 39">
+            <a:extLst>
+              <a:ext uri="{FF2B5EF4-FFF2-40B4-BE49-F238E27FC236}">
+                <a16:creationId xmlns:a16="http://schemas.microsoft.com/office/drawing/2014/main" id="{A7BFEBC5-8AB2-48BF-B358-5DC9C8ED33CD}"/>
+              </a:ext>
+            </a:extLst>
+          </p:cNvPr>
+          <p:cNvCxnSpPr>
+            <a:cxnSpLocks/>
+            <a:endCxn id="10" idx="1"/>
+          </p:cNvCxnSpPr>
+          <p:nvPr/>
+        </p:nvCxnSpPr>
+        <p:spPr>
+          <a:xfrm flipV="1">
+            <a:off x="3572270" y="2994318"/>
+            <a:ext cx="1080391" cy="11292"/>
+          </a:xfrm>
+          <a:prstGeom prst="straightConnector1">
+            <a:avLst/>
+          </a:prstGeom>
+          <a:ln>
+            <a:solidFill>
+              <a:schemeClr val="bg1"/>
+            </a:solidFill>
+            <a:headEnd type="triangle"/>
+            <a:tailEnd type="triangle"/>
+          </a:ln>
+        </p:spPr>
+        <p:style>
+          <a:lnRef idx="1">
+            <a:schemeClr val="accent1"/>
+          </a:lnRef>
+          <a:fillRef idx="0">
+            <a:schemeClr val="accent1"/>
+          </a:fillRef>
+          <a:effectRef idx="0">
+            <a:schemeClr val="accent1"/>
+          </a:effectRef>
+          <a:fontRef idx="minor">
+            <a:schemeClr val="tx1"/>
+          </a:fontRef>
+        </p:style>
+      </p:cxnSp>
+    </p:spTree>
+    <p:extLst>
+      <p:ext uri="{BB962C8B-B14F-4D97-AF65-F5344CB8AC3E}">
+        <p14:creationId xmlns:p14="http://schemas.microsoft.com/office/powerpoint/2010/main" val="1720525096"/>
+      </p:ext>
+    </p:extLst>
+  </p:cSld>
+  <p:clrMapOvr>
+    <a:masterClrMapping/>
+  </p:clrMapOvr>
+</p:sld>
+</file>
+
+<file path=ppt/slides/slide8.xml><?xml version="1.0" encoding="utf-8"?>
+<p:sld xmlns:a="http://schemas.openxmlformats.org/drawingml/2006/main" xmlns:r="http://schemas.openxmlformats.org/officeDocument/2006/relationships" xmlns:p="http://schemas.openxmlformats.org/presentationml/2006/main">
+  <p:cSld>
+    <p:spTree>
+      <p:nvGrpSpPr>
+        <p:cNvPr id="1" name=""/>
+        <p:cNvGrpSpPr/>
+        <p:nvPr/>
+      </p:nvGrpSpPr>
+      <p:grpSpPr>
+        <a:xfrm>
+          <a:off x="0" y="0"/>
+          <a:ext cx="0" cy="0"/>
+          <a:chOff x="0" y="0"/>
+          <a:chExt cx="0" cy="0"/>
+        </a:xfrm>
+      </p:grpSpPr>
+      <p:sp>
+        <p:nvSpPr>
+          <p:cNvPr id="2" name="Footer Placeholder 1"/>
+          <p:cNvSpPr>
+            <a:spLocks noGrp="1"/>
+          </p:cNvSpPr>
+          <p:nvPr>
+            <p:ph type="ftr" sz="quarter" idx="10"/>
+          </p:nvPr>
+        </p:nvSpPr>
+        <p:spPr>
+          <a:xfrm>
+            <a:off x="83553" y="6427177"/>
+            <a:ext cx="254977" cy="355844"/>
+          </a:xfrm>
+        </p:spPr>
+        <p:txBody>
+          <a:bodyPr/>
+          <a:lstStyle/>
+          <a:p>
+            <a:r>
+              <a:rPr lang="en-US" noProof="0" dirty="0"/>
+              <a:t>.</a:t>
+            </a:r>
+          </a:p>
+        </p:txBody>
+      </p:sp>
+      <p:sp>
+        <p:nvSpPr>
+          <p:cNvPr id="3" name="Slide Number Placeholder 2"/>
+          <p:cNvSpPr>
+            <a:spLocks noGrp="1"/>
+          </p:cNvSpPr>
+          <p:nvPr>
+            <p:ph type="sldNum" sz="quarter" idx="11"/>
+          </p:nvPr>
+        </p:nvSpPr>
+        <p:spPr>
+          <a:xfrm>
+            <a:off x="11975123" y="6576646"/>
+            <a:ext cx="149467" cy="206375"/>
+          </a:xfrm>
+        </p:spPr>
+        <p:txBody>
+          <a:bodyPr/>
+          <a:lstStyle/>
+          <a:p>
+            <a:r>
+              <a:rPr lang="en-US" dirty="0"/>
+              <a:t>.</a:t>
+            </a:r>
+            <a:endParaRPr lang="en-US" noProof="0" dirty="0"/>
+          </a:p>
+        </p:txBody>
+      </p:sp>
+      <p:sp>
+        <p:nvSpPr>
+          <p:cNvPr id="4" name="Title 3"/>
+          <p:cNvSpPr>
+            <a:spLocks noGrp="1"/>
+          </p:cNvSpPr>
+          <p:nvPr>
+            <p:ph type="title"/>
+          </p:nvPr>
+        </p:nvSpPr>
+        <p:spPr>
+          <a:xfrm>
+            <a:off x="501093" y="138691"/>
+            <a:ext cx="8273630" cy="1147968"/>
+          </a:xfrm>
+        </p:spPr>
+        <p:txBody>
+          <a:bodyPr>
+            <a:normAutofit/>
+          </a:bodyPr>
+          <a:lstStyle/>
+          <a:p>
+            <a:pPr algn="ctr"/>
+            <a:r>
+              <a:rPr lang="en-IN" sz="4000" dirty="0"/>
+              <a:t>Front End Design</a:t>
+            </a:r>
+          </a:p>
+        </p:txBody>
+      </p:sp>
+      <p:pic>
+        <p:nvPicPr>
+          <p:cNvPr id="70" name="Picture Placeholder 58">
+            <a:extLst>
+              <a:ext uri="{FF2B5EF4-FFF2-40B4-BE49-F238E27FC236}">
+                <a16:creationId xmlns:a16="http://schemas.microsoft.com/office/drawing/2014/main" id="{3FCCC668-2247-4814-9CC5-9C5D4B447AA3}"/>
+              </a:ext>
+            </a:extLst>
+          </p:cNvPr>
+          <p:cNvPicPr>
+            <a:picLocks noChangeAspect="1"/>
+          </p:cNvPicPr>
+          <p:nvPr/>
+        </p:nvPicPr>
+        <p:blipFill>
+          <a:blip r:embed="rId2">
+            <a:extLst>
+              <a:ext uri="{28A0092B-C50C-407E-A947-70E740481C1C}">
+                <a14:useLocalDpi xmlns:a14="http://schemas.microsoft.com/office/drawing/2010/main" val="0"/>
+              </a:ext>
+            </a:extLst>
+          </a:blip>
+          <a:stretch>
+            <a:fillRect/>
+          </a:stretch>
+        </p:blipFill>
+        <p:spPr>
+          <a:xfrm rot="16200000">
+            <a:off x="9326766" y="-182767"/>
+            <a:ext cx="2682467" cy="3048000"/>
+          </a:xfrm>
+          <a:custGeom>
+            <a:avLst/>
+            <a:gdLst>
+              <a:gd name="connsiteX0" fmla="*/ 6021821 w 6021821"/>
+              <a:gd name="connsiteY0" fmla="*/ 0 h 5422900"/>
+              <a:gd name="connsiteX1" fmla="*/ 6021821 w 6021821"/>
+              <a:gd name="connsiteY1" fmla="*/ 5422900 h 5422900"/>
+              <a:gd name="connsiteX2" fmla="*/ 0 w 6021821"/>
+              <a:gd name="connsiteY2" fmla="*/ 5422900 h 5422900"/>
+            </a:gdLst>
+            <a:ahLst/>
+            <a:cxnLst>
+              <a:cxn ang="0">
+                <a:pos x="connsiteX0" y="connsiteY0"/>
+              </a:cxn>
+              <a:cxn ang="0">
+                <a:pos x="connsiteX1" y="connsiteY1"/>
+              </a:cxn>
+              <a:cxn ang="0">
+                <a:pos x="connsiteX2" y="connsiteY2"/>
+              </a:cxn>
+            </a:cxnLst>
+            <a:rect l="l" t="t" r="r" b="b"/>
+            <a:pathLst>
+              <a:path w="6021821" h="5422900">
+                <a:moveTo>
+                  <a:pt x="6021821" y="0"/>
+                </a:moveTo>
+                <a:lnTo>
+                  <a:pt x="6021821" y="5422900"/>
+                </a:lnTo>
+                <a:lnTo>
+                  <a:pt x="0" y="5422900"/>
+                </a:lnTo>
+                <a:close/>
+              </a:path>
+            </a:pathLst>
+          </a:custGeom>
+        </p:spPr>
+      </p:pic>
+      <p:pic>
+        <p:nvPicPr>
+          <p:cNvPr id="10" name="Picture 9"/>
+          <p:cNvPicPr>
+            <a:picLocks noChangeAspect="1"/>
+          </p:cNvPicPr>
+          <p:nvPr/>
+        </p:nvPicPr>
+        <p:blipFill rotWithShape="1">
+          <a:blip r:embed="rId3">
+            <a:extLst>
+              <a:ext uri="{28A0092B-C50C-407E-A947-70E740481C1C}">
+                <a14:useLocalDpi xmlns:a14="http://schemas.microsoft.com/office/drawing/2010/main" val="0"/>
+              </a:ext>
+            </a:extLst>
+          </a:blip>
+          <a:srcRect t="4508" b="5983"/>
+          <a:stretch/>
+        </p:blipFill>
+        <p:spPr>
+          <a:xfrm>
+            <a:off x="413264" y="2729004"/>
+            <a:ext cx="2582149" cy="1536484"/>
+          </a:xfrm>
+          <a:prstGeom prst="rect">
+            <a:avLst/>
+          </a:prstGeom>
+        </p:spPr>
+      </p:pic>
+      <p:pic>
+        <p:nvPicPr>
+          <p:cNvPr id="11" name="Picture 10"/>
+          <p:cNvPicPr>
+            <a:picLocks noChangeAspect="1"/>
+          </p:cNvPicPr>
+          <p:nvPr/>
+        </p:nvPicPr>
+        <p:blipFill rotWithShape="1">
+          <a:blip r:embed="rId4">
+            <a:extLst>
+              <a:ext uri="{28A0092B-C50C-407E-A947-70E740481C1C}">
+                <a14:useLocalDpi xmlns:a14="http://schemas.microsoft.com/office/drawing/2010/main" val="0"/>
+              </a:ext>
+            </a:extLst>
+          </a:blip>
+          <a:srcRect t="2952" r="262" b="4118"/>
+          <a:stretch/>
+        </p:blipFill>
+        <p:spPr>
+          <a:xfrm>
+            <a:off x="4315821" y="2726834"/>
+            <a:ext cx="2587593" cy="1538654"/>
+          </a:xfrm>
+          <a:prstGeom prst="rect">
+            <a:avLst/>
+          </a:prstGeom>
+        </p:spPr>
+      </p:pic>
+      <p:pic>
+        <p:nvPicPr>
+          <p:cNvPr id="13" name="Picture 12"/>
+          <p:cNvPicPr>
+            <a:picLocks noChangeAspect="1"/>
+          </p:cNvPicPr>
+          <p:nvPr/>
+        </p:nvPicPr>
+        <p:blipFill rotWithShape="1">
+          <a:blip r:embed="rId5">
+            <a:extLst>
+              <a:ext uri="{28A0092B-C50C-407E-A947-70E740481C1C}">
+                <a14:useLocalDpi xmlns:a14="http://schemas.microsoft.com/office/drawing/2010/main" val="0"/>
+              </a:ext>
+            </a:extLst>
+          </a:blip>
+          <a:srcRect l="-176" t="3419" r="261" b="5050"/>
+          <a:stretch/>
+        </p:blipFill>
+        <p:spPr>
+          <a:xfrm>
+            <a:off x="8223822" y="2726834"/>
+            <a:ext cx="2582149" cy="1538654"/>
+          </a:xfrm>
+          <a:prstGeom prst="rect">
+            <a:avLst/>
+          </a:prstGeom>
+        </p:spPr>
+      </p:pic>
+      <p:sp>
+        <p:nvSpPr>
+          <p:cNvPr id="14" name="TextBox 13"/>
+          <p:cNvSpPr txBox="1"/>
+          <p:nvPr/>
+        </p:nvSpPr>
+        <p:spPr>
+          <a:xfrm>
+            <a:off x="826477" y="4466492"/>
+            <a:ext cx="1776046" cy="338554"/>
+          </a:xfrm>
+          <a:prstGeom prst="rect">
+            <a:avLst/>
+          </a:prstGeom>
+          <a:noFill/>
+        </p:spPr>
+        <p:txBody>
+          <a:bodyPr wrap="square" rtlCol="0">
+            <a:spAutoFit/>
+          </a:bodyPr>
+          <a:lstStyle/>
+          <a:p>
+            <a:pPr algn="ctr"/>
+            <a:r>
+              <a:rPr lang="en-IN" sz="1600" dirty="0">
+                <a:solidFill>
+                  <a:schemeClr val="bg1"/>
+                </a:solidFill>
+              </a:rPr>
+              <a:t>Home Page</a:t>
+            </a:r>
+          </a:p>
+        </p:txBody>
+      </p:sp>
+      <p:sp>
+        <p:nvSpPr>
+          <p:cNvPr id="15" name="TextBox 14"/>
+          <p:cNvSpPr txBox="1"/>
+          <p:nvPr/>
+        </p:nvSpPr>
+        <p:spPr>
+          <a:xfrm>
+            <a:off x="4730262" y="4484077"/>
+            <a:ext cx="1784838" cy="338554"/>
+          </a:xfrm>
+          <a:prstGeom prst="rect">
+            <a:avLst/>
+          </a:prstGeom>
+          <a:noFill/>
+        </p:spPr>
+        <p:txBody>
+          <a:bodyPr wrap="square" rtlCol="0">
+            <a:spAutoFit/>
+          </a:bodyPr>
+          <a:lstStyle/>
+          <a:p>
+            <a:pPr algn="ctr"/>
+            <a:r>
+              <a:rPr lang="en-IN" sz="1600" dirty="0">
+                <a:solidFill>
+                  <a:schemeClr val="bg1"/>
+                </a:solidFill>
+              </a:rPr>
+              <a:t>Table </a:t>
+            </a:r>
+          </a:p>
+        </p:txBody>
+      </p:sp>
+      <p:sp>
+        <p:nvSpPr>
+          <p:cNvPr id="16" name="TextBox 15"/>
+          <p:cNvSpPr txBox="1"/>
+          <p:nvPr/>
+        </p:nvSpPr>
+        <p:spPr>
+          <a:xfrm>
+            <a:off x="8642839" y="4468715"/>
+            <a:ext cx="1951893" cy="338554"/>
+          </a:xfrm>
+          <a:prstGeom prst="rect">
+            <a:avLst/>
+          </a:prstGeom>
+          <a:noFill/>
+        </p:spPr>
+        <p:txBody>
+          <a:bodyPr wrap="square" rtlCol="0">
+            <a:spAutoFit/>
+          </a:bodyPr>
+          <a:lstStyle/>
+          <a:p>
+            <a:pPr algn="ctr"/>
+            <a:r>
+              <a:rPr lang="en-IN" sz="1600" dirty="0">
+                <a:solidFill>
+                  <a:schemeClr val="bg1"/>
+                </a:solidFill>
+              </a:rPr>
+              <a:t>Charts</a:t>
+            </a:r>
+          </a:p>
+        </p:txBody>
+      </p:sp>
+    </p:spTree>
+    <p:extLst>
+      <p:ext uri="{BB962C8B-B14F-4D97-AF65-F5344CB8AC3E}">
+        <p14:creationId xmlns:p14="http://schemas.microsoft.com/office/powerpoint/2010/main" val="3617026711"/>
+      </p:ext>
+    </p:extLst>
+  </p:cSld>
+  <p:clrMapOvr>
+    <a:masterClrMapping/>
+  </p:clrMapOvr>
+</p:sld>
+</file>
+
+<file path=ppt/slides/slide9.xml><?xml version="1.0" encoding="utf-8"?>
+<p:sld xmlns:a="http://schemas.openxmlformats.org/drawingml/2006/main" xmlns:r="http://schemas.openxmlformats.org/officeDocument/2006/relationships" xmlns:p="http://schemas.openxmlformats.org/presentationml/2006/main">
+  <p:cSld>
+    <p:spTree>
+      <p:nvGrpSpPr>
+        <p:cNvPr id="1" name=""/>
+        <p:cNvGrpSpPr/>
+        <p:nvPr/>
+      </p:nvGrpSpPr>
+      <p:grpSpPr>
+        <a:xfrm>
+          <a:off x="0" y="0"/>
+          <a:ext cx="0" cy="0"/>
+          <a:chOff x="0" y="0"/>
+          <a:chExt cx="0" cy="0"/>
+        </a:xfrm>
+      </p:grpSpPr>
+      <p:sp>
+        <p:nvSpPr>
+          <p:cNvPr id="2" name="Footer Placeholder 1">
+            <a:extLst>
+              <a:ext uri="{FF2B5EF4-FFF2-40B4-BE49-F238E27FC236}">
+                <a16:creationId xmlns:a16="http://schemas.microsoft.com/office/drawing/2014/main" id="{FCE36DA0-645F-4680-9EF1-B966FD5ABA98}"/>
+              </a:ext>
+            </a:extLst>
+          </p:cNvPr>
+          <p:cNvSpPr>
+            <a:spLocks noGrp="1"/>
+          </p:cNvSpPr>
+          <p:nvPr>
+            <p:ph type="ftr" sz="quarter" idx="10"/>
+          </p:nvPr>
+        </p:nvSpPr>
+        <p:spPr/>
+        <p:txBody>
+          <a:bodyPr/>
+          <a:lstStyle/>
+          <a:p>
+            <a:r>
+              <a:rPr lang="en-US" noProof="0"/>
+              <a:t>Add a footer</a:t>
+            </a:r>
+            <a:endParaRPr lang="en-US" noProof="0" dirty="0"/>
+          </a:p>
+        </p:txBody>
+      </p:sp>
+      <p:sp>
+        <p:nvSpPr>
+          <p:cNvPr id="3" name="Slide Number Placeholder 2">
+            <a:extLst>
+              <a:ext uri="{FF2B5EF4-FFF2-40B4-BE49-F238E27FC236}">
+                <a16:creationId xmlns:a16="http://schemas.microsoft.com/office/drawing/2014/main" id="{D3B8792D-9255-44EE-92D9-FF5143D457B0}"/>
+              </a:ext>
+            </a:extLst>
+          </p:cNvPr>
+          <p:cNvSpPr>
+            <a:spLocks noGrp="1"/>
+          </p:cNvSpPr>
+          <p:nvPr>
+            <p:ph type="sldNum" sz="quarter" idx="11"/>
+          </p:nvPr>
+        </p:nvSpPr>
+        <p:spPr/>
+        <p:txBody>
+          <a:bodyPr/>
+          <a:lstStyle/>
+          <a:p>
+            <a:fld id="{8699F50C-BE38-4BD0-BA84-9B090E1F2B9B}" type="slidenum">
+              <a:rPr lang="en-US" noProof="0" smtClean="0"/>
+              <a:t>9</a:t>
+            </a:fld>
+            <a:endParaRPr lang="en-US" noProof="0" dirty="0"/>
+          </a:p>
+        </p:txBody>
+      </p:sp>
+      <p:sp>
+        <p:nvSpPr>
+          <p:cNvPr id="4" name="Title 3">
+            <a:extLst>
+              <a:ext uri="{FF2B5EF4-FFF2-40B4-BE49-F238E27FC236}">
+                <a16:creationId xmlns:a16="http://schemas.microsoft.com/office/drawing/2014/main" id="{62DFC022-9095-4494-A3DA-7C40A69E5C8B}"/>
+              </a:ext>
+            </a:extLst>
+          </p:cNvPr>
+          <p:cNvSpPr>
+            <a:spLocks noGrp="1"/>
+          </p:cNvSpPr>
+          <p:nvPr>
+            <p:ph type="title"/>
+          </p:nvPr>
+        </p:nvSpPr>
+        <p:spPr>
+          <a:xfrm>
+            <a:off x="899678" y="742429"/>
+            <a:ext cx="8330184" cy="1147968"/>
+          </a:xfrm>
+        </p:spPr>
+        <p:txBody>
+          <a:bodyPr>
+            <a:normAutofit fontScale="90000"/>
+          </a:bodyPr>
+          <a:lstStyle/>
+          <a:p>
+            <a:r>
+              <a:rPr lang="en-IN" sz="4400" b="1" cap="none" spc="0" dirty="0">
+                <a:ln w="12700">
+                  <a:solidFill>
+                    <a:schemeClr val="tx2">
+                      <a:lumMod val="75000"/>
+                    </a:schemeClr>
+                  </a:solidFill>
+                  <a:prstDash val="solid"/>
+                </a:ln>
+                <a:pattFill prst="dkUpDiag">
+                  <a:fgClr>
+                    <a:schemeClr val="tx2"/>
+                  </a:fgClr>
+                  <a:bgClr>
+                    <a:schemeClr val="tx2">
+                      <a:lumMod val="20000"/>
+                      <a:lumOff val="80000"/>
+                    </a:schemeClr>
+                  </a:bgClr>
+                </a:pattFill>
+                <a:effectLst>
+                  <a:outerShdw dist="38100" dir="2640000" algn="bl" rotWithShape="0">
+                    <a:schemeClr val="tx2">
+                      <a:lumMod val="75000"/>
+                    </a:schemeClr>
+                  </a:outerShdw>
+                </a:effectLst>
+              </a:rPr>
+              <a:t>Services name-port number</a:t>
+            </a:r>
+            <a:br>
+              <a:rPr lang="en-IN" sz="4400" b="1" cap="none" spc="0" dirty="0">
+                <a:ln w="12700">
+                  <a:solidFill>
+                    <a:schemeClr val="tx2">
+                      <a:lumMod val="75000"/>
+                    </a:schemeClr>
+                  </a:solidFill>
+                  <a:prstDash val="solid"/>
+                </a:ln>
+                <a:pattFill prst="dkUpDiag">
+                  <a:fgClr>
+                    <a:schemeClr val="tx2"/>
+                  </a:fgClr>
+                  <a:bgClr>
+                    <a:schemeClr val="tx2">
+                      <a:lumMod val="20000"/>
+                      <a:lumOff val="80000"/>
+                    </a:schemeClr>
+                  </a:bgClr>
+                </a:pattFill>
+                <a:effectLst>
+                  <a:outerShdw dist="38100" dir="2640000" algn="bl" rotWithShape="0">
+                    <a:schemeClr val="tx2">
+                      <a:lumMod val="75000"/>
+                    </a:schemeClr>
+                  </a:outerShdw>
+                </a:effectLst>
+              </a:rPr>
+            </a:br>
+            <a:r>
+              <a:rPr lang="en-IN" sz="4400" b="1" dirty="0">
+                <a:ln w="12700">
+                  <a:solidFill>
+                    <a:schemeClr val="tx2">
+                      <a:lumMod val="75000"/>
+                    </a:schemeClr>
+                  </a:solidFill>
+                  <a:prstDash val="solid"/>
+                </a:ln>
+                <a:pattFill prst="dkUpDiag">
+                  <a:fgClr>
+                    <a:schemeClr val="tx2"/>
+                  </a:fgClr>
+                  <a:bgClr>
+                    <a:schemeClr val="tx2">
+                      <a:lumMod val="20000"/>
+                      <a:lumOff val="80000"/>
+                    </a:schemeClr>
+                  </a:bgClr>
+                </a:pattFill>
+                <a:effectLst>
+                  <a:outerShdw dist="38100" dir="2640000" algn="bl" rotWithShape="0">
+                    <a:schemeClr val="tx2">
+                      <a:lumMod val="75000"/>
+                    </a:schemeClr>
+                  </a:outerShdw>
+                </a:effectLst>
+              </a:rPr>
+              <a:t>&amp; Swagger APIs</a:t>
+            </a:r>
+            <a:r>
+              <a:rPr lang="en-IN" sz="4400" b="1" cap="none" spc="0" dirty="0">
+                <a:ln w="12700">
+                  <a:solidFill>
+                    <a:schemeClr val="tx2">
+                      <a:lumMod val="75000"/>
+                    </a:schemeClr>
+                  </a:solidFill>
+                  <a:prstDash val="solid"/>
+                </a:ln>
+                <a:pattFill prst="dkUpDiag">
+                  <a:fgClr>
+                    <a:schemeClr val="tx2"/>
+                  </a:fgClr>
+                  <a:bgClr>
+                    <a:schemeClr val="tx2">
+                      <a:lumMod val="20000"/>
+                      <a:lumOff val="80000"/>
+                    </a:schemeClr>
+                  </a:bgClr>
+                </a:pattFill>
+                <a:effectLst>
+                  <a:outerShdw dist="38100" dir="2640000" algn="bl" rotWithShape="0">
+                    <a:schemeClr val="tx2">
+                      <a:lumMod val="75000"/>
+                    </a:schemeClr>
+                  </a:outerShdw>
+                </a:effectLst>
+              </a:rPr>
+              <a:t> </a:t>
+            </a:r>
+            <a:br>
+              <a:rPr lang="en-IN" sz="4400" b="1" cap="none" spc="0" dirty="0">
+                <a:ln w="12700">
+                  <a:solidFill>
+                    <a:schemeClr val="tx2">
+                      <a:lumMod val="75000"/>
+                    </a:schemeClr>
+                  </a:solidFill>
+                  <a:prstDash val="solid"/>
+                </a:ln>
+                <a:pattFill prst="dkUpDiag">
+                  <a:fgClr>
+                    <a:schemeClr val="tx2"/>
+                  </a:fgClr>
+                  <a:bgClr>
+                    <a:schemeClr val="tx2">
+                      <a:lumMod val="20000"/>
+                      <a:lumOff val="80000"/>
+                    </a:schemeClr>
+                  </a:bgClr>
+                </a:pattFill>
+                <a:effectLst>
+                  <a:outerShdw dist="38100" dir="2640000" algn="bl" rotWithShape="0">
+                    <a:schemeClr val="tx2">
+                      <a:lumMod val="75000"/>
+                    </a:schemeClr>
+                  </a:outerShdw>
+                </a:effectLst>
+              </a:rPr>
+            </a:br>
+            <a:endParaRPr lang="en-IN" dirty="0"/>
+          </a:p>
+        </p:txBody>
+      </p:sp>
+      <p:sp>
+        <p:nvSpPr>
+          <p:cNvPr id="5" name="Content Placeholder 2">
+            <a:extLst>
+              <a:ext uri="{FF2B5EF4-FFF2-40B4-BE49-F238E27FC236}">
+                <a16:creationId xmlns:a16="http://schemas.microsoft.com/office/drawing/2014/main" id="{21D5525C-2039-D564-9903-387679323916}"/>
+              </a:ext>
+            </a:extLst>
+          </p:cNvPr>
+          <p:cNvSpPr>
+            <a:spLocks noGrp="1"/>
+          </p:cNvSpPr>
+          <p:nvPr/>
+        </p:nvSpPr>
+        <p:spPr>
+          <a:xfrm>
+            <a:off x="981604" y="1488614"/>
+            <a:ext cx="10228791" cy="3880773"/>
+          </a:xfrm>
+          <a:prstGeom prst="rect">
+            <a:avLst/>
+          </a:prstGeom>
+        </p:spPr>
+        <p:txBody>
+          <a:bodyPr vert="horz" lIns="91440" tIns="45720" rIns="91440" bIns="45720" rtlCol="0">
+            <a:normAutofit fontScale="92500" lnSpcReduction="20000"/>
+          </a:bodyPr>
+          <a:lstStyle>
+            <a:lvl1pPr marL="342900" indent="-342900" algn="l" defTabSz="457200" rtl="0" eaLnBrk="1" latinLnBrk="0" hangingPunct="1">
+              <a:spcBef>
+                <a:spcPts val="1000"/>
+              </a:spcBef>
+              <a:spcAft>
+                <a:spcPts val="0"/>
+              </a:spcAft>
+              <a:buClr>
+                <a:schemeClr val="accent1"/>
+              </a:buClr>
+              <a:buSzPct val="80000"/>
+              <a:buFont typeface="Wingdings 3" charset="2"/>
+              <a:buChar char=""/>
+              <a:defRPr sz="1800" kern="1200">
+                <a:solidFill>
+                  <a:schemeClr val="tx1">
+                    <a:lumMod val="75000"/>
+                    <a:lumOff val="25000"/>
+                  </a:schemeClr>
+                </a:solidFill>
+                <a:latin typeface="+mn-lt"/>
+                <a:ea typeface="+mn-ea"/>
+                <a:cs typeface="+mn-cs"/>
+              </a:defRPr>
+            </a:lvl1pPr>
+            <a:lvl2pPr marL="742950" indent="-285750" algn="l" defTabSz="457200" rtl="0" eaLnBrk="1" latinLnBrk="0" hangingPunct="1">
+              <a:spcBef>
+                <a:spcPts val="1000"/>
+              </a:spcBef>
+              <a:spcAft>
+                <a:spcPts val="0"/>
+              </a:spcAft>
+              <a:buClr>
+                <a:schemeClr val="accent1"/>
+              </a:buClr>
+              <a:buSzPct val="80000"/>
+              <a:buFont typeface="Wingdings 3" charset="2"/>
+              <a:buChar char=""/>
+              <a:defRPr sz="1600" kern="1200">
+                <a:solidFill>
+                  <a:schemeClr val="tx1">
+                    <a:lumMod val="75000"/>
+                    <a:lumOff val="25000"/>
+                  </a:schemeClr>
+                </a:solidFill>
+                <a:latin typeface="+mn-lt"/>
+                <a:ea typeface="+mn-ea"/>
+                <a:cs typeface="+mn-cs"/>
+              </a:defRPr>
+            </a:lvl2pPr>
+            <a:lvl3pPr marL="1143000" indent="-228600" algn="l" defTabSz="457200" rtl="0" eaLnBrk="1" latinLnBrk="0" hangingPunct="1">
+              <a:spcBef>
+                <a:spcPts val="1000"/>
+              </a:spcBef>
+              <a:spcAft>
+                <a:spcPts val="0"/>
+              </a:spcAft>
+              <a:buClr>
+                <a:schemeClr val="accent1"/>
+              </a:buClr>
+              <a:buSzPct val="80000"/>
+              <a:buFont typeface="Wingdings 3" charset="2"/>
+              <a:buChar char=""/>
+              <a:defRPr sz="1400" kern="1200">
+                <a:solidFill>
+                  <a:schemeClr val="tx1">
+                    <a:lumMod val="75000"/>
+                    <a:lumOff val="25000"/>
+                  </a:schemeClr>
+                </a:solidFill>
+                <a:latin typeface="+mn-lt"/>
+                <a:ea typeface="+mn-ea"/>
+                <a:cs typeface="+mn-cs"/>
+              </a:defRPr>
+            </a:lvl3pPr>
+            <a:lvl4pPr marL="1600200" indent="-228600" algn="l" defTabSz="457200" rtl="0" eaLnBrk="1" latinLnBrk="0" hangingPunct="1">
+              <a:spcBef>
+                <a:spcPts val="1000"/>
+              </a:spcBef>
+              <a:spcAft>
+                <a:spcPts val="0"/>
+              </a:spcAft>
+              <a:buClr>
+                <a:schemeClr val="accent1"/>
+              </a:buClr>
+              <a:buSzPct val="80000"/>
+              <a:buFont typeface="Wingdings 3" charset="2"/>
+              <a:buChar char=""/>
+              <a:defRPr sz="1200" kern="1200">
+                <a:solidFill>
+                  <a:schemeClr val="tx1">
+                    <a:lumMod val="75000"/>
+                    <a:lumOff val="25000"/>
+                  </a:schemeClr>
+                </a:solidFill>
+                <a:latin typeface="+mn-lt"/>
+                <a:ea typeface="+mn-ea"/>
+                <a:cs typeface="+mn-cs"/>
+              </a:defRPr>
+            </a:lvl4pPr>
+            <a:lvl5pPr marL="2057400" indent="-228600" algn="l" defTabSz="457200" rtl="0" eaLnBrk="1" latinLnBrk="0" hangingPunct="1">
+              <a:spcBef>
+                <a:spcPts val="1000"/>
+              </a:spcBef>
+              <a:spcAft>
+                <a:spcPts val="0"/>
+              </a:spcAft>
+              <a:buClr>
+                <a:schemeClr val="accent1"/>
+              </a:buClr>
+              <a:buSzPct val="80000"/>
+              <a:buFont typeface="Wingdings 3" charset="2"/>
+              <a:buChar char=""/>
+              <a:defRPr sz="1200" kern="1200">
+                <a:solidFill>
+                  <a:schemeClr val="tx1">
+                    <a:lumMod val="75000"/>
+                    <a:lumOff val="25000"/>
+                  </a:schemeClr>
+                </a:solidFill>
+                <a:latin typeface="+mn-lt"/>
+                <a:ea typeface="+mn-ea"/>
+                <a:cs typeface="+mn-cs"/>
+              </a:defRPr>
+            </a:lvl5pPr>
+            <a:lvl6pPr marL="2514600" indent="-228600" algn="l" defTabSz="457200" rtl="0" eaLnBrk="1" latinLnBrk="0" hangingPunct="1">
+              <a:spcBef>
+                <a:spcPts val="1000"/>
+              </a:spcBef>
+              <a:spcAft>
+                <a:spcPts val="0"/>
+              </a:spcAft>
+              <a:buClr>
+                <a:schemeClr val="accent1"/>
+              </a:buClr>
+              <a:buSzPct val="80000"/>
+              <a:buFont typeface="Wingdings 3" charset="2"/>
+              <a:buChar char=""/>
+              <a:defRPr sz="1200" kern="1200">
+                <a:solidFill>
+                  <a:schemeClr val="tx1">
+                    <a:lumMod val="75000"/>
+                    <a:lumOff val="25000"/>
+                  </a:schemeClr>
+                </a:solidFill>
+                <a:latin typeface="+mn-lt"/>
+                <a:ea typeface="+mn-ea"/>
+                <a:cs typeface="+mn-cs"/>
+              </a:defRPr>
+            </a:lvl6pPr>
+            <a:lvl7pPr marL="2971800" indent="-228600" algn="l" defTabSz="457200" rtl="0" eaLnBrk="1" latinLnBrk="0" hangingPunct="1">
+              <a:spcBef>
+                <a:spcPts val="1000"/>
+              </a:spcBef>
+              <a:spcAft>
+                <a:spcPts val="0"/>
+              </a:spcAft>
+              <a:buClr>
+                <a:schemeClr val="accent1"/>
+              </a:buClr>
+              <a:buSzPct val="80000"/>
+              <a:buFont typeface="Wingdings 3" charset="2"/>
+              <a:buChar char=""/>
+              <a:defRPr sz="1200" kern="1200">
+                <a:solidFill>
+                  <a:schemeClr val="tx1">
+                    <a:lumMod val="75000"/>
+                    <a:lumOff val="25000"/>
+                  </a:schemeClr>
+                </a:solidFill>
+                <a:latin typeface="+mn-lt"/>
+                <a:ea typeface="+mn-ea"/>
+                <a:cs typeface="+mn-cs"/>
+              </a:defRPr>
+            </a:lvl7pPr>
+            <a:lvl8pPr marL="3429000" indent="-228600" algn="l" defTabSz="457200" rtl="0" eaLnBrk="1" latinLnBrk="0" hangingPunct="1">
+              <a:spcBef>
+                <a:spcPts val="1000"/>
+              </a:spcBef>
+              <a:spcAft>
+                <a:spcPts val="0"/>
+              </a:spcAft>
+              <a:buClr>
+                <a:schemeClr val="accent1"/>
+              </a:buClr>
+              <a:buSzPct val="80000"/>
+              <a:buFont typeface="Wingdings 3" charset="2"/>
+              <a:buChar char=""/>
+              <a:defRPr sz="1200" kern="1200">
+                <a:solidFill>
+                  <a:schemeClr val="tx1">
+                    <a:lumMod val="75000"/>
+                    <a:lumOff val="25000"/>
+                  </a:schemeClr>
+                </a:solidFill>
+                <a:latin typeface="+mn-lt"/>
+                <a:ea typeface="+mn-ea"/>
+                <a:cs typeface="+mn-cs"/>
+              </a:defRPr>
+            </a:lvl8pPr>
+            <a:lvl9pPr marL="3886200" indent="-228600" algn="l" defTabSz="457200" rtl="0" eaLnBrk="1" latinLnBrk="0" hangingPunct="1">
+              <a:spcBef>
+                <a:spcPts val="1000"/>
+              </a:spcBef>
+              <a:spcAft>
+                <a:spcPts val="0"/>
+              </a:spcAft>
+              <a:buClr>
+                <a:schemeClr val="accent1"/>
+              </a:buClr>
+              <a:buSzPct val="80000"/>
+              <a:buFont typeface="Wingdings 3" charset="2"/>
+              <a:buChar char=""/>
+              <a:defRPr sz="1200" kern="1200">
+                <a:solidFill>
+                  <a:schemeClr val="tx1">
+                    <a:lumMod val="75000"/>
+                    <a:lumOff val="25000"/>
+                  </a:schemeClr>
+                </a:solidFill>
+                <a:latin typeface="+mn-lt"/>
+                <a:ea typeface="+mn-ea"/>
+                <a:cs typeface="+mn-cs"/>
+              </a:defRPr>
+            </a:lvl9pPr>
+          </a:lstStyle>
+          <a:p>
+            <a:r>
+              <a:rPr lang="en-IN" sz="2000" b="1" dirty="0">
+                <a:solidFill>
+                  <a:schemeClr val="bg1"/>
+                </a:solidFill>
+              </a:rPr>
+              <a:t>EUREKA_SERVER  	: </a:t>
+            </a:r>
+            <a:r>
+              <a:rPr lang="en-IN" sz="2000" b="1" dirty="0">
+                <a:solidFill>
+                  <a:srgbClr val="FF0000"/>
+                </a:solidFill>
+              </a:rPr>
+              <a:t>8761</a:t>
+            </a:r>
+            <a:r>
+              <a:rPr lang="en-IN" sz="2000" b="1" dirty="0"/>
+              <a:t> </a:t>
+            </a:r>
+            <a:r>
+              <a:rPr lang="en-IN" sz="2000" b="1" dirty="0">
+                <a:solidFill>
+                  <a:schemeClr val="bg1"/>
+                </a:solidFill>
+              </a:rPr>
+              <a:t>:</a:t>
+            </a:r>
+            <a:r>
+              <a:rPr lang="en-IN" sz="2000" b="1" dirty="0"/>
+              <a:t> </a:t>
+            </a:r>
+            <a:r>
+              <a:rPr lang="en-IN" sz="2000" b="1" dirty="0">
+                <a:highlight>
+                  <a:srgbClr val="FFFF00"/>
+                </a:highlight>
+                <a:hlinkClick r:id="rId2"/>
+              </a:rPr>
+              <a:t>http://localhost:8761/</a:t>
+            </a:r>
+            <a:endParaRPr lang="en-IN" sz="2000" b="1" dirty="0">
+              <a:highlight>
+                <a:srgbClr val="FFFF00"/>
+              </a:highlight>
+            </a:endParaRPr>
+          </a:p>
+          <a:p>
+            <a:r>
+              <a:rPr lang="en-IN" sz="2000" b="1" dirty="0">
+                <a:solidFill>
+                  <a:schemeClr val="bg1"/>
+                </a:solidFill>
+              </a:rPr>
+              <a:t>DASHBOARD 1</a:t>
+            </a:r>
+            <a:r>
+              <a:rPr lang="en-IN" sz="2000" b="1" dirty="0"/>
+              <a:t>     	</a:t>
+            </a:r>
+            <a:r>
+              <a:rPr lang="en-IN" sz="2000" b="1" dirty="0">
+                <a:solidFill>
+                  <a:schemeClr val="bg1"/>
+                </a:solidFill>
+              </a:rPr>
+              <a:t>: </a:t>
+            </a:r>
+            <a:r>
+              <a:rPr lang="en-IN" sz="2000" b="1" dirty="0">
+                <a:solidFill>
+                  <a:srgbClr val="FF0000"/>
+                </a:solidFill>
+              </a:rPr>
+              <a:t>9995 </a:t>
+            </a:r>
+            <a:r>
+              <a:rPr lang="en-IN" sz="2000" b="1" dirty="0">
+                <a:solidFill>
+                  <a:schemeClr val="bg1"/>
+                </a:solidFill>
+              </a:rPr>
+              <a:t>:</a:t>
+            </a:r>
+            <a:r>
+              <a:rPr lang="en-IN" sz="2000" b="1" dirty="0">
+                <a:solidFill>
+                  <a:srgbClr val="FF0000"/>
+                </a:solidFill>
+              </a:rPr>
+              <a:t> </a:t>
+            </a:r>
+            <a:r>
+              <a:rPr lang="en-IN" sz="2000" b="1" dirty="0">
+                <a:solidFill>
+                  <a:srgbClr val="FF0000"/>
+                </a:solidFill>
+                <a:highlight>
+                  <a:srgbClr val="FFFF00"/>
+                </a:highlight>
+                <a:hlinkClick r:id="rId3"/>
+              </a:rPr>
+              <a:t>http://localhost:9995/swagger-ui/index.html#/dad-controller/cbo</a:t>
+            </a:r>
+            <a:endParaRPr lang="en-IN" sz="2000" b="1" dirty="0">
+              <a:solidFill>
+                <a:srgbClr val="00B0F0"/>
+              </a:solidFill>
+              <a:highlight>
+                <a:srgbClr val="FFFF00"/>
+              </a:highlight>
+            </a:endParaRPr>
+          </a:p>
+          <a:p>
+            <a:r>
+              <a:rPr lang="en-IN" sz="2000" b="1" dirty="0">
+                <a:solidFill>
+                  <a:schemeClr val="bg1"/>
+                </a:solidFill>
+              </a:rPr>
+              <a:t>DASHBOARD 2 </a:t>
+            </a:r>
+            <a:r>
+              <a:rPr lang="en-IN" sz="2000" b="1" dirty="0"/>
+              <a:t>	</a:t>
+            </a:r>
+            <a:r>
+              <a:rPr lang="en-IN" sz="2000" b="1" dirty="0">
+                <a:solidFill>
+                  <a:schemeClr val="bg1"/>
+                </a:solidFill>
+              </a:rPr>
+              <a:t>: </a:t>
+            </a:r>
+            <a:r>
+              <a:rPr lang="en-IN" sz="2000" b="1" dirty="0">
+                <a:solidFill>
+                  <a:srgbClr val="FF0000"/>
+                </a:solidFill>
+              </a:rPr>
+              <a:t>8095 </a:t>
+            </a:r>
+            <a:r>
+              <a:rPr lang="en-IN" sz="2000" b="1" dirty="0">
+                <a:solidFill>
+                  <a:schemeClr val="bg1"/>
+                </a:solidFill>
+              </a:rPr>
+              <a:t>: </a:t>
+            </a:r>
+            <a:r>
+              <a:rPr lang="en-IN" sz="2000" b="1" dirty="0">
+                <a:solidFill>
+                  <a:srgbClr val="FF0000"/>
+                </a:solidFill>
+                <a:highlight>
+                  <a:srgbClr val="FFFF00"/>
+                </a:highlight>
+                <a:hlinkClick r:id="rId4"/>
+              </a:rPr>
+              <a:t>http://localhost:8095/swagger-ui/index.html#/dad-controller/cbo</a:t>
+            </a:r>
+            <a:endParaRPr lang="en-IN" sz="2000" b="1" dirty="0">
+              <a:solidFill>
+                <a:srgbClr val="FF0000"/>
+              </a:solidFill>
+              <a:highlight>
+                <a:srgbClr val="FFFF00"/>
+              </a:highlight>
+            </a:endParaRPr>
+          </a:p>
+          <a:p>
+            <a:r>
+              <a:rPr lang="en-IN" sz="2000" b="1" dirty="0">
+                <a:solidFill>
+                  <a:schemeClr val="bg1"/>
+                </a:solidFill>
+              </a:rPr>
+              <a:t>DASHBOARD 3 </a:t>
+            </a:r>
+            <a:r>
+              <a:rPr lang="en-IN" sz="2000" b="1" dirty="0"/>
+              <a:t>	</a:t>
+            </a:r>
+            <a:r>
+              <a:rPr lang="en-IN" sz="2000" b="1" dirty="0">
+                <a:solidFill>
+                  <a:schemeClr val="bg1"/>
+                </a:solidFill>
+              </a:rPr>
+              <a:t>: </a:t>
+            </a:r>
+            <a:r>
+              <a:rPr lang="en-IN" sz="2000" b="1" dirty="0">
+                <a:solidFill>
+                  <a:srgbClr val="FF0000"/>
+                </a:solidFill>
+              </a:rPr>
+              <a:t>9996 </a:t>
+            </a:r>
+            <a:r>
+              <a:rPr lang="en-IN" sz="2000" b="1" dirty="0">
+                <a:solidFill>
+                  <a:schemeClr val="bg1"/>
+                </a:solidFill>
+              </a:rPr>
+              <a:t>:</a:t>
+            </a:r>
+            <a:r>
+              <a:rPr lang="en-IN" sz="2000" b="1" dirty="0">
+                <a:solidFill>
+                  <a:srgbClr val="FF0000"/>
+                </a:solidFill>
+              </a:rPr>
+              <a:t> </a:t>
+            </a:r>
+            <a:r>
+              <a:rPr lang="en-IN" sz="2000" b="1" dirty="0">
+                <a:solidFill>
+                  <a:srgbClr val="FF0000"/>
+                </a:solidFill>
+                <a:highlight>
+                  <a:srgbClr val="FFFF00"/>
+                </a:highlight>
+                <a:hlinkClick r:id="rId5"/>
+              </a:rPr>
+              <a:t>http://localhost:9996/swagger-ui/index.html#/dad-controller/cbo</a:t>
+            </a:r>
+            <a:endParaRPr lang="en-IN" sz="2000" b="1" dirty="0">
+              <a:solidFill>
+                <a:srgbClr val="FF0000"/>
+              </a:solidFill>
+              <a:highlight>
+                <a:srgbClr val="FFFF00"/>
+              </a:highlight>
+            </a:endParaRPr>
+          </a:p>
+          <a:p>
+            <a:r>
+              <a:rPr lang="en-IN" sz="2000" b="1" dirty="0">
+                <a:solidFill>
+                  <a:schemeClr val="bg1"/>
+                </a:solidFill>
+              </a:rPr>
+              <a:t>DASHBOARD 4 </a:t>
+            </a:r>
+            <a:r>
+              <a:rPr lang="en-IN" sz="2000" b="1" dirty="0"/>
+              <a:t>	</a:t>
+            </a:r>
+            <a:r>
+              <a:rPr lang="en-IN" sz="2000" b="1" dirty="0">
+                <a:solidFill>
+                  <a:schemeClr val="bg1"/>
+                </a:solidFill>
+              </a:rPr>
+              <a:t>: </a:t>
+            </a:r>
+            <a:r>
+              <a:rPr lang="en-IN" sz="2000" b="1" dirty="0">
+                <a:solidFill>
+                  <a:srgbClr val="FF0000"/>
+                </a:solidFill>
+              </a:rPr>
+              <a:t>8091</a:t>
+            </a:r>
+            <a:r>
+              <a:rPr lang="en-IN" sz="2000" b="1" dirty="0"/>
+              <a:t> </a:t>
+            </a:r>
+            <a:r>
+              <a:rPr lang="en-IN" sz="2000" b="1" dirty="0">
+                <a:solidFill>
+                  <a:schemeClr val="bg1"/>
+                </a:solidFill>
+              </a:rPr>
+              <a:t>:</a:t>
+            </a:r>
+            <a:r>
+              <a:rPr lang="en-IN" sz="2000" b="1" dirty="0"/>
+              <a:t> </a:t>
+            </a:r>
+            <a:r>
+              <a:rPr lang="en-IN" sz="2000" b="1" dirty="0">
+                <a:highlight>
+                  <a:srgbClr val="FFFF00"/>
+                </a:highlight>
+                <a:hlinkClick r:id="rId6"/>
+              </a:rPr>
+              <a:t>http://localhost:8091/swagger-ui/index.html#/dad-controller/cbo</a:t>
+            </a:r>
+            <a:endParaRPr lang="en-IN" sz="2000" b="1" dirty="0">
+              <a:highlight>
+                <a:srgbClr val="FFFF00"/>
+              </a:highlight>
+            </a:endParaRPr>
+          </a:p>
+          <a:p>
+            <a:r>
+              <a:rPr lang="en-IN" sz="2000" b="1" dirty="0">
+                <a:solidFill>
+                  <a:schemeClr val="bg1"/>
+                </a:solidFill>
+              </a:rPr>
+              <a:t>DASHBOARD 5</a:t>
+            </a:r>
+            <a:r>
+              <a:rPr lang="en-IN" sz="2000" b="1" dirty="0"/>
+              <a:t> 	</a:t>
+            </a:r>
+            <a:r>
+              <a:rPr lang="en-IN" sz="2000" b="1" dirty="0">
+                <a:solidFill>
+                  <a:schemeClr val="bg1"/>
+                </a:solidFill>
+              </a:rPr>
+              <a:t>: </a:t>
+            </a:r>
+            <a:r>
+              <a:rPr lang="en-IN" sz="2000" b="1" dirty="0">
+                <a:solidFill>
+                  <a:srgbClr val="FF0000"/>
+                </a:solidFill>
+              </a:rPr>
+              <a:t>8092</a:t>
+            </a:r>
+            <a:r>
+              <a:rPr lang="en-IN" sz="2000" b="1" dirty="0"/>
+              <a:t> </a:t>
+            </a:r>
+            <a:r>
+              <a:rPr lang="en-IN" sz="2000" b="1" dirty="0">
+                <a:solidFill>
+                  <a:schemeClr val="bg1"/>
+                </a:solidFill>
+              </a:rPr>
+              <a:t>:</a:t>
+            </a:r>
+            <a:r>
+              <a:rPr lang="en-IN" sz="2000" b="1" dirty="0"/>
+              <a:t> </a:t>
+            </a:r>
+            <a:r>
+              <a:rPr lang="en-IN" sz="2000" b="1" dirty="0">
+                <a:highlight>
+                  <a:srgbClr val="FFFF00"/>
+                </a:highlight>
+                <a:hlinkClick r:id="rId7"/>
+              </a:rPr>
+              <a:t>http://localhost:8092/swagger-ui/index.html#/dashboard-</a:t>
+            </a:r>
+            <a:r>
+              <a:rPr lang="en-IN" sz="2000" b="1" dirty="0">
+                <a:hlinkClick r:id="rId7"/>
+              </a:rPr>
+              <a:t>controller/failureCaseCount</a:t>
+            </a:r>
+            <a:endParaRPr lang="en-IN" sz="2000" b="1" dirty="0"/>
+          </a:p>
+          <a:p>
+            <a:r>
+              <a:rPr lang="en-IN" sz="2000" b="1" dirty="0">
+                <a:solidFill>
+                  <a:schemeClr val="bg1"/>
+                </a:solidFill>
+              </a:rPr>
+              <a:t>DASHBOARD 6 </a:t>
+            </a:r>
+            <a:r>
+              <a:rPr lang="en-IN" sz="2000" b="1" dirty="0"/>
+              <a:t>	</a:t>
+            </a:r>
+            <a:r>
+              <a:rPr lang="en-IN" sz="2000" b="1" dirty="0">
+                <a:solidFill>
+                  <a:schemeClr val="bg1"/>
+                </a:solidFill>
+              </a:rPr>
+              <a:t>: </a:t>
+            </a:r>
+            <a:r>
+              <a:rPr lang="en-IN" sz="2000" b="1" dirty="0">
+                <a:solidFill>
+                  <a:srgbClr val="FF0000"/>
+                </a:solidFill>
+              </a:rPr>
+              <a:t>8093</a:t>
+            </a:r>
+            <a:r>
+              <a:rPr lang="en-IN" sz="2000" b="1" dirty="0"/>
+              <a:t> </a:t>
+            </a:r>
+            <a:r>
+              <a:rPr lang="en-IN" sz="2000" b="1" dirty="0">
+                <a:solidFill>
+                  <a:schemeClr val="bg1"/>
+                </a:solidFill>
+              </a:rPr>
+              <a:t>: </a:t>
+            </a:r>
+            <a:r>
+              <a:rPr lang="en-IN" sz="2000" b="1" dirty="0">
+                <a:highlight>
+                  <a:srgbClr val="FFFF00"/>
+                </a:highlight>
+                <a:hlinkClick r:id="rId8"/>
+              </a:rPr>
+              <a:t>http://localhost:8093/swagger-ui/index.html#/dashboard-</a:t>
+            </a:r>
+            <a:r>
+              <a:rPr lang="en-IN" sz="2000" b="1" dirty="0">
+                <a:hlinkClick r:id="rId8"/>
+              </a:rPr>
+              <a:t>controller/failureCaseCount</a:t>
+            </a:r>
+            <a:endParaRPr lang="en-IN" sz="2000" b="1" dirty="0"/>
+          </a:p>
+          <a:p>
+            <a:r>
+              <a:rPr lang="en-IN" sz="2000" b="1" dirty="0"/>
+              <a:t> </a:t>
+            </a:r>
+            <a:r>
+              <a:rPr lang="en-IN" sz="2000" b="1" dirty="0">
+                <a:solidFill>
+                  <a:schemeClr val="bg1"/>
+                </a:solidFill>
+              </a:rPr>
+              <a:t>React_APP      	        : </a:t>
+            </a:r>
+            <a:r>
+              <a:rPr lang="en-IN" sz="2000" b="1" dirty="0">
+                <a:solidFill>
+                  <a:srgbClr val="FF0000"/>
+                </a:solidFill>
+              </a:rPr>
+              <a:t>3000 </a:t>
+            </a:r>
+            <a:r>
+              <a:rPr lang="en-IN" sz="2000" b="1" dirty="0">
+                <a:solidFill>
+                  <a:schemeClr val="bg1"/>
+                </a:solidFill>
+              </a:rPr>
+              <a:t>: </a:t>
+            </a:r>
+            <a:r>
+              <a:rPr lang="en-IN" sz="2000" b="1" dirty="0">
+                <a:solidFill>
+                  <a:srgbClr val="FF0000"/>
+                </a:solidFill>
+                <a:highlight>
+                  <a:srgbClr val="FFFF00"/>
+                </a:highlight>
+                <a:hlinkClick r:id="rId9"/>
+              </a:rPr>
+              <a:t>http://localhost:3000/</a:t>
+            </a:r>
+            <a:endParaRPr lang="en-IN" sz="2000" b="1" dirty="0">
+              <a:solidFill>
+                <a:srgbClr val="FF0000"/>
+              </a:solidFill>
+              <a:highlight>
+                <a:srgbClr val="FFFF00"/>
+              </a:highlight>
+            </a:endParaRPr>
+          </a:p>
+          <a:p>
+            <a:r>
+              <a:rPr lang="en-IN" sz="2000" b="1" dirty="0">
+                <a:solidFill>
+                  <a:schemeClr val="bg1"/>
+                </a:solidFill>
+              </a:rPr>
+              <a:t>MONGO_DB	        :</a:t>
+            </a:r>
+            <a:r>
+              <a:rPr lang="en-IN" sz="2000" b="1" dirty="0"/>
+              <a:t> </a:t>
+            </a:r>
+            <a:r>
+              <a:rPr lang="en-IN" sz="2000" b="1" dirty="0">
+                <a:solidFill>
+                  <a:srgbClr val="FF0000"/>
+                </a:solidFill>
+              </a:rPr>
+              <a:t>3036</a:t>
+            </a:r>
+          </a:p>
+        </p:txBody>
+      </p:sp>
+      <p:pic>
+        <p:nvPicPr>
+          <p:cNvPr id="6" name="Picture Placeholder 58">
+            <a:extLst>
+              <a:ext uri="{FF2B5EF4-FFF2-40B4-BE49-F238E27FC236}">
+                <a16:creationId xmlns:a16="http://schemas.microsoft.com/office/drawing/2014/main" id="{7B35278C-1ADC-42E7-BCB7-FDFAA4A93252}"/>
+              </a:ext>
+            </a:extLst>
+          </p:cNvPr>
+          <p:cNvPicPr>
+            <a:picLocks noChangeAspect="1"/>
+          </p:cNvPicPr>
+          <p:nvPr/>
+        </p:nvPicPr>
+        <p:blipFill>
+          <a:blip r:embed="rId10">
+            <a:extLst>
+              <a:ext uri="{28A0092B-C50C-407E-A947-70E740481C1C}">
+                <a14:useLocalDpi xmlns:a14="http://schemas.microsoft.com/office/drawing/2010/main" val="0"/>
+              </a:ext>
+            </a:extLst>
+          </a:blip>
+          <a:stretch>
+            <a:fillRect/>
+          </a:stretch>
+        </p:blipFill>
+        <p:spPr>
+          <a:xfrm rot="16200000">
+            <a:off x="9326766" y="-182767"/>
+            <a:ext cx="2682467" cy="3048000"/>
+          </a:xfrm>
+          <a:custGeom>
+            <a:avLst/>
+            <a:gdLst>
+              <a:gd name="connsiteX0" fmla="*/ 6021821 w 6021821"/>
+              <a:gd name="connsiteY0" fmla="*/ 0 h 5422900"/>
+              <a:gd name="connsiteX1" fmla="*/ 6021821 w 6021821"/>
+              <a:gd name="connsiteY1" fmla="*/ 5422900 h 5422900"/>
+              <a:gd name="connsiteX2" fmla="*/ 0 w 6021821"/>
+              <a:gd name="connsiteY2" fmla="*/ 5422900 h 5422900"/>
+            </a:gdLst>
+            <a:ahLst/>
+            <a:cxnLst>
+              <a:cxn ang="0">
+                <a:pos x="connsiteX0" y="connsiteY0"/>
+              </a:cxn>
+              <a:cxn ang="0">
+                <a:pos x="connsiteX1" y="connsiteY1"/>
+              </a:cxn>
+              <a:cxn ang="0">
+                <a:pos x="connsiteX2" y="connsiteY2"/>
+              </a:cxn>
+            </a:cxnLst>
+            <a:rect l="l" t="t" r="r" b="b"/>
+            <a:pathLst>
+              <a:path w="6021821" h="5422900">
+                <a:moveTo>
+                  <a:pt x="6021821" y="0"/>
+                </a:moveTo>
+                <a:lnTo>
+                  <a:pt x="6021821" y="5422900"/>
+                </a:lnTo>
+                <a:lnTo>
+                  <a:pt x="0" y="5422900"/>
+                </a:lnTo>
+                <a:close/>
+              </a:path>
+            </a:pathLst>
+          </a:custGeom>
+        </p:spPr>
+      </p:pic>
+    </p:spTree>
+    <p:extLst>
+      <p:ext uri="{BB962C8B-B14F-4D97-AF65-F5344CB8AC3E}">
+        <p14:creationId xmlns:p14="http://schemas.microsoft.com/office/powerpoint/2010/main" val="1786904464"/>
       </p:ext>
     </p:extLst>
   </p:cSld>
@@ -18389,20 +22136,20 @@
 </file>
 
 <file path=customXml/item2.xml><?xml version="1.0" encoding="utf-8"?>
+<p:properties xmlns:p="http://schemas.microsoft.com/office/2006/metadata/properties" xmlns:xsi="http://www.w3.org/2001/XMLSchema-instance" xmlns:pc="http://schemas.microsoft.com/office/infopath/2007/PartnerControls">
+  <documentManagement>
+    <MediaServiceKeyPoints xmlns="71af3243-3dd4-4a8d-8c0d-dd76da1f02a5" xsi:nil="true"/>
+  </documentManagement>
+</p:properties>
+</file>
+
+<file path=customXml/item3.xml><?xml version="1.0" encoding="utf-8"?>
 <?mso-contentType ?>
 <FormTemplates xmlns="http://schemas.microsoft.com/sharepoint/v3/contenttype/forms">
   <Display>DocumentLibraryForm</Display>
   <Edit>DocumentLibraryForm</Edit>
   <New>DocumentLibraryForm</New>
 </FormTemplates>
-</file>
-
-<file path=customXml/item3.xml><?xml version="1.0" encoding="utf-8"?>
-<p:properties xmlns:p="http://schemas.microsoft.com/office/2006/metadata/properties" xmlns:xsi="http://www.w3.org/2001/XMLSchema-instance" xmlns:pc="http://schemas.microsoft.com/office/infopath/2007/PartnerControls">
-  <documentManagement>
-    <MediaServiceKeyPoints xmlns="71af3243-3dd4-4a8d-8c0d-dd76da1f02a5" xsi:nil="true"/>
-  </documentManagement>
-</p:properties>
 </file>
 
 <file path=customXml/itemProps1.xml><?xml version="1.0" encoding="utf-8"?>
@@ -18425,14 +22172,6 @@
 </file>
 
 <file path=customXml/itemProps2.xml><?xml version="1.0" encoding="utf-8"?>
-<ds:datastoreItem xmlns:ds="http://schemas.openxmlformats.org/officeDocument/2006/customXml" ds:itemID="{AB759597-1FA4-4F46-9BA8-01240C56026E}">
-  <ds:schemaRefs>
-    <ds:schemaRef ds:uri="http://schemas.microsoft.com/sharepoint/v3/contenttype/forms"/>
-  </ds:schemaRefs>
-</ds:datastoreItem>
-</file>
-
-<file path=customXml/itemProps3.xml><?xml version="1.0" encoding="utf-8"?>
 <ds:datastoreItem xmlns:ds="http://schemas.openxmlformats.org/officeDocument/2006/customXml" ds:itemID="{2940343A-75DB-4E03-95EA-4A75BA0D7FF2}">
   <ds:schemaRefs>
     <ds:schemaRef ds:uri="http://schemas.microsoft.com/office/2006/metadata/properties"/>
@@ -18440,4 +22179,12 @@
     <ds:schemaRef ds:uri="71af3243-3dd4-4a8d-8c0d-dd76da1f02a5"/>
   </ds:schemaRefs>
 </ds:datastoreItem>
+</file>
+
+<file path=customXml/itemProps3.xml><?xml version="1.0" encoding="utf-8"?>
+<ds:datastoreItem xmlns:ds="http://schemas.openxmlformats.org/officeDocument/2006/customXml" ds:itemID="{AB759597-1FA4-4F46-9BA8-01240C56026E}">
+  <ds:schemaRefs>
+    <ds:schemaRef ds:uri="http://schemas.microsoft.com/sharepoint/v3/contenttype/forms"/>
+  </ds:schemaRefs>
+</ds:datastoreItem>
 </file>